--- a/PPTs/npm.pptx
+++ b/PPTs/npm.pptx
@@ -5,7 +5,7 @@
     <p:sldMasterId id="2147483672" r:id="rId1"/>
   </p:sldMasterIdLst>
   <p:notesMasterIdLst>
-    <p:notesMasterId r:id="rId18"/>
+    <p:notesMasterId r:id="rId29"/>
   </p:notesMasterIdLst>
   <p:sldIdLst>
     <p:sldId id="256" r:id="rId2"/>
@@ -20,10 +20,21 @@
     <p:sldId id="303" r:id="rId11"/>
     <p:sldId id="304" r:id="rId12"/>
     <p:sldId id="305" r:id="rId13"/>
-    <p:sldId id="306" r:id="rId14"/>
-    <p:sldId id="309" r:id="rId15"/>
-    <p:sldId id="307" r:id="rId16"/>
-    <p:sldId id="308" r:id="rId17"/>
+    <p:sldId id="311" r:id="rId14"/>
+    <p:sldId id="312" r:id="rId15"/>
+    <p:sldId id="314" r:id="rId16"/>
+    <p:sldId id="315" r:id="rId17"/>
+    <p:sldId id="316" r:id="rId18"/>
+    <p:sldId id="317" r:id="rId19"/>
+    <p:sldId id="318" r:id="rId20"/>
+    <p:sldId id="319" r:id="rId21"/>
+    <p:sldId id="320" r:id="rId22"/>
+    <p:sldId id="306" r:id="rId23"/>
+    <p:sldId id="309" r:id="rId24"/>
+    <p:sldId id="307" r:id="rId25"/>
+    <p:sldId id="308" r:id="rId26"/>
+    <p:sldId id="313" r:id="rId27"/>
+    <p:sldId id="310" r:id="rId28"/>
   </p:sldIdLst>
   <p:sldSz cx="9144000" cy="6858000" type="screen4x3"/>
   <p:notesSz cx="6858000" cy="9144000"/>
@@ -228,7 +239,7 @@
             <a:fld id="{4991502B-FFA8-47B9-B4E5-980CA415BAFF}" type="datetimeFigureOut">
               <a:rPr lang="en-US" smtClean="0"/>
               <a:pPr/>
-              <a:t>5/17/2017</a:t>
+              <a:t>5/21/2017</a:t>
             </a:fld>
             <a:endParaRPr lang="en-US"/>
           </a:p>
@@ -5903,7 +5914,7 @@
           <a:p>
             <a:r>
               <a:rPr lang="en-US" dirty="0"/>
-              <a:t>Yarn</a:t>
+              <a:t>NPM Scripts</a:t>
             </a:r>
           </a:p>
         </p:txBody>
@@ -5924,8 +5935,12 @@
           <a:lstStyle/>
           <a:p>
             <a:r>
-              <a:rPr lang="en-US"/>
-              <a:t>© 2016 Ori Calvo</a:t>
+              <a:rPr lang="en-US" dirty="0"/>
+              <a:t>© 2017 Ori </a:t>
+            </a:r>
+            <a:r>
+              <a:rPr lang="en-US" dirty="0" err="1"/>
+              <a:t>Calvo</a:t>
             </a:r>
             <a:endParaRPr lang="en-US" dirty="0"/>
           </a:p>
@@ -5970,39 +5985,38 @@
         <p:spPr>
           <a:xfrm>
             <a:off x="612648" y="1600200"/>
-            <a:ext cx="8531352" cy="5257800"/>
+            <a:ext cx="8423848" cy="5257800"/>
           </a:xfrm>
         </p:spPr>
         <p:txBody>
-          <a:bodyPr>
-            <a:normAutofit/>
-          </a:bodyPr>
-          <a:lstStyle/>
-          <a:p>
-            <a:r>
-              <a:rPr lang="en-US" dirty="0"/>
-              <a:t>Yarn is a package manager created by Facebook</a:t>
-            </a:r>
-          </a:p>
-          <a:p>
-            <a:endParaRPr lang="en-US" dirty="0"/>
-          </a:p>
-          <a:p>
-            <a:r>
-              <a:rPr lang="en-US" dirty="0"/>
-              <a:t>When you install a package using Yarn it places the package on your disk. During the next install, this package will be used instead of sending an HTTP request</a:t>
-            </a:r>
-          </a:p>
-          <a:p>
-            <a:pPr marL="0" indent="0">
-              <a:buNone/>
-            </a:pPr>
-            <a:endParaRPr lang="en-US" dirty="0"/>
-          </a:p>
-          <a:p>
-            <a:r>
-              <a:rPr lang="en-US" dirty="0"/>
-              <a:t>When installing a package, yarn will run the lock command automatically which is exactly like </a:t>
+          <a:bodyPr/>
+          <a:lstStyle/>
+          <a:p>
+            <a:r>
+              <a:rPr lang="en-US" dirty="0"/>
+              <a:t>The scripts object in the </a:t>
+            </a:r>
+            <a:r>
+              <a:rPr lang="en-US" dirty="0" err="1"/>
+              <a:t>package.json</a:t>
+            </a:r>
+            <a:r>
+              <a:rPr lang="en-US" dirty="0"/>
+              <a:t> file takes a string property with a running script command in it for example ‘build: node someScript.JS’</a:t>
+            </a:r>
+          </a:p>
+          <a:p>
+            <a:r>
+              <a:rPr lang="en-US" dirty="0"/>
+              <a:t>According to the previous example, when we type on the </a:t>
+            </a:r>
+            <a:r>
+              <a:rPr lang="en-US" dirty="0" err="1"/>
+              <a:t>cmd</a:t>
+            </a:r>
+            <a:r>
+              <a:rPr lang="en-US" dirty="0"/>
+              <a:t> ‘</a:t>
             </a:r>
             <a:r>
               <a:rPr lang="en-US" dirty="0" err="1"/>
@@ -6010,37 +6024,29 @@
             </a:r>
             <a:r>
               <a:rPr lang="en-US" dirty="0"/>
-              <a:t> </a:t>
+              <a:t> run build’ -&gt; the ‘</a:t>
             </a:r>
             <a:r>
               <a:rPr lang="en-US" dirty="0" err="1"/>
-              <a:t>shrinkwrap</a:t>
-            </a:r>
-            <a:r>
-              <a:rPr lang="en-US" dirty="0"/>
-              <a:t> and will create a </a:t>
-            </a:r>
-            <a:r>
-              <a:rPr lang="en-US" dirty="0" err="1"/>
-              <a:t>yarn.lock</a:t>
-            </a:r>
-            <a:r>
-              <a:rPr lang="en-US" dirty="0"/>
-              <a:t> file</a:t>
-            </a:r>
-          </a:p>
-          <a:p>
-            <a:endParaRPr lang="en-US" dirty="0"/>
-          </a:p>
-          <a:p>
-            <a:endParaRPr lang="en-US" dirty="0"/>
+              <a:t>someScript</a:t>
+            </a:r>
+            <a:r>
+              <a:rPr lang="en-US" dirty="0"/>
+              <a:t> will be executed</a:t>
+            </a:r>
+          </a:p>
+          <a:p>
+            <a:r>
+              <a:rPr lang="en-US" dirty="0"/>
+              <a:t>This allows us to use scripts property also as a build tool in our application </a:t>
+            </a:r>
           </a:p>
         </p:txBody>
       </p:sp>
     </p:spTree>
     <p:extLst>
       <p:ext uri="{BB962C8B-B14F-4D97-AF65-F5344CB8AC3E}">
-        <p14:creationId xmlns:p14="http://schemas.microsoft.com/office/powerpoint/2010/main" val="2950753647"/>
+        <p14:creationId xmlns:p14="http://schemas.microsoft.com/office/powerpoint/2010/main" val="1092539515"/>
       </p:ext>
     </p:extLst>
   </p:cSld>
@@ -6079,34 +6085,40 @@
         </p:nvSpPr>
         <p:spPr/>
         <p:txBody>
+          <a:bodyPr>
+            <a:normAutofit fontScale="90000"/>
+          </a:bodyPr>
+          <a:lstStyle/>
+          <a:p>
+            <a:r>
+              <a:rPr lang="en-US" dirty="0"/>
+              <a:t>NPM Scripts – as a build tool, example</a:t>
+            </a:r>
+          </a:p>
+        </p:txBody>
+      </p:sp>
+      <p:sp>
+        <p:nvSpPr>
+          <p:cNvPr id="3" name="Footer Placeholder 2"/>
+          <p:cNvSpPr>
+            <a:spLocks noGrp="1"/>
+          </p:cNvSpPr>
+          <p:nvPr>
+            <p:ph type="ftr" sz="quarter" idx="11"/>
+          </p:nvPr>
+        </p:nvSpPr>
+        <p:spPr/>
+        <p:txBody>
           <a:bodyPr/>
           <a:lstStyle/>
           <a:p>
             <a:r>
               <a:rPr lang="en-US" dirty="0"/>
-              <a:t>Yarn performance</a:t>
-            </a:r>
-          </a:p>
-        </p:txBody>
-      </p:sp>
-      <p:sp>
-        <p:nvSpPr>
-          <p:cNvPr id="3" name="Footer Placeholder 2"/>
-          <p:cNvSpPr>
-            <a:spLocks noGrp="1"/>
-          </p:cNvSpPr>
-          <p:nvPr>
-            <p:ph type="ftr" sz="quarter" idx="11"/>
-          </p:nvPr>
-        </p:nvSpPr>
-        <p:spPr/>
-        <p:txBody>
-          <a:bodyPr/>
-          <a:lstStyle/>
-          <a:p>
-            <a:r>
-              <a:rPr lang="en-US"/>
-              <a:t>© 2016 Ori Calvo</a:t>
+              <a:t>© 2017 Ori </a:t>
+            </a:r>
+            <a:r>
+              <a:rPr lang="en-US" dirty="0" err="1"/>
+              <a:t>Calvo</a:t>
             </a:r>
             <a:endParaRPr lang="en-US" dirty="0"/>
           </a:p>
@@ -6151,7 +6163,7 @@
         <p:spPr>
           <a:xfrm>
             <a:off x="612648" y="1600200"/>
-            <a:ext cx="8153400" cy="5141168"/>
+            <a:ext cx="8423848" cy="1036712"/>
           </a:xfrm>
         </p:spPr>
         <p:txBody>
@@ -6160,7 +6172,7 @@
           <a:p>
             <a:r>
               <a:rPr lang="en-US" dirty="0"/>
-              <a:t>“Whenever </a:t>
+              <a:t>‘</a:t>
             </a:r>
             <a:r>
               <a:rPr lang="en-US" dirty="0" err="1"/>
@@ -6168,27 +6180,835 @@
             </a:r>
             <a:r>
               <a:rPr lang="en-US" dirty="0"/>
-              <a:t> or Yarn needs to install a package, it carries out a series of tasks. In </a:t>
+              <a:t> install node-</a:t>
             </a:r>
             <a:r>
               <a:rPr lang="en-US" dirty="0" err="1"/>
-              <a:t>npm</a:t>
-            </a:r>
-            <a:r>
-              <a:rPr lang="en-US" dirty="0"/>
-              <a:t>, these tasks are executed per package and sequentially, meaning it will wait for a package to be fully installed before moving on to the next. Yarn executes these tasks in parallel, increasing performance” </a:t>
-            </a:r>
-            <a:r>
-              <a:rPr lang="en-US" sz="2400" dirty="0"/>
-              <a:t>https://www.sitepoint.com/yarn-vs-npm/</a:t>
-            </a:r>
-          </a:p>
-        </p:txBody>
-      </p:sp>
+              <a:t>sass’</a:t>
+            </a:r>
+            <a:r>
+              <a:rPr lang="en-US" dirty="0"/>
+              <a:t> command will install a package which will compile sass to </a:t>
+            </a:r>
+            <a:r>
+              <a:rPr lang="en-US" dirty="0" err="1"/>
+              <a:t>css</a:t>
+            </a:r>
+            <a:endParaRPr lang="en-US" dirty="0"/>
+          </a:p>
+          <a:p>
+            <a:pPr marL="0" indent="0">
+              <a:buNone/>
+            </a:pPr>
+            <a:endParaRPr lang="en-US" dirty="0"/>
+          </a:p>
+        </p:txBody>
+      </p:sp>
+      <p:sp>
+        <p:nvSpPr>
+          <p:cNvPr id="8" name="Rectangle 7"/>
+          <p:cNvSpPr/>
+          <p:nvPr/>
+        </p:nvSpPr>
+        <p:spPr>
+          <a:xfrm>
+            <a:off x="107504" y="3017912"/>
+            <a:ext cx="8503096" cy="2854756"/>
+          </a:xfrm>
+          <a:prstGeom prst="rect">
+            <a:avLst/>
+          </a:prstGeom>
+        </p:spPr>
+        <p:txBody>
+          <a:bodyPr wrap="square">
+            <a:spAutoFit/>
+          </a:bodyPr>
+          <a:lstStyle/>
+          <a:p>
+            <a:pPr>
+              <a:lnSpc>
+                <a:spcPct val="107000"/>
+              </a:lnSpc>
+              <a:tabLst>
+                <a:tab pos="581660" algn="l"/>
+                <a:tab pos="1163320" algn="l"/>
+                <a:tab pos="1744980" algn="l"/>
+                <a:tab pos="2326640" algn="l"/>
+                <a:tab pos="2908300" algn="l"/>
+                <a:tab pos="3489960" algn="l"/>
+                <a:tab pos="4071620" algn="l"/>
+                <a:tab pos="4653280" algn="l"/>
+                <a:tab pos="5234940" algn="l"/>
+                <a:tab pos="5816600" algn="l"/>
+                <a:tab pos="6398260" algn="l"/>
+                <a:tab pos="6979920" algn="l"/>
+                <a:tab pos="7561580" algn="l"/>
+                <a:tab pos="8143240" algn="l"/>
+                <a:tab pos="8724900" algn="l"/>
+                <a:tab pos="9306560" algn="l"/>
+              </a:tabLst>
+            </a:pPr>
+            <a:r>
+              <a:rPr lang="en-US" sz="1400" dirty="0">
+                <a:solidFill>
+                  <a:srgbClr val="A9B7C6"/>
+                </a:solidFill>
+                <a:latin typeface="Courier New" panose="02070309020205020404" pitchFamily="49" charset="0"/>
+                <a:ea typeface="Times New Roman" panose="02020603050405020304" pitchFamily="18" charset="0"/>
+                <a:cs typeface="Arial" panose="020B0604020202020204" pitchFamily="34" charset="0"/>
+              </a:rPr>
+              <a:t>{</a:t>
+            </a:r>
+            <a:br>
+              <a:rPr lang="en-US" sz="1400" dirty="0">
+                <a:solidFill>
+                  <a:srgbClr val="A9B7C6"/>
+                </a:solidFill>
+                <a:latin typeface="Courier New" panose="02070309020205020404" pitchFamily="49" charset="0"/>
+                <a:ea typeface="Times New Roman" panose="02020603050405020304" pitchFamily="18" charset="0"/>
+                <a:cs typeface="Arial" panose="020B0604020202020204" pitchFamily="34" charset="0"/>
+              </a:rPr>
+            </a:br>
+            <a:r>
+              <a:rPr lang="en-US" sz="1400" dirty="0">
+                <a:solidFill>
+                  <a:srgbClr val="A9B7C6"/>
+                </a:solidFill>
+                <a:latin typeface="Courier New" panose="02070309020205020404" pitchFamily="49" charset="0"/>
+                <a:ea typeface="Times New Roman" panose="02020603050405020304" pitchFamily="18" charset="0"/>
+                <a:cs typeface="Arial" panose="020B0604020202020204" pitchFamily="34" charset="0"/>
+              </a:rPr>
+              <a:t>    </a:t>
+            </a:r>
+            <a:r>
+              <a:rPr lang="en-US" sz="1400" dirty="0">
+                <a:solidFill>
+                  <a:srgbClr val="6A8759"/>
+                </a:solidFill>
+                <a:latin typeface="Courier New" panose="02070309020205020404" pitchFamily="49" charset="0"/>
+                <a:ea typeface="Times New Roman" panose="02020603050405020304" pitchFamily="18" charset="0"/>
+                <a:cs typeface="Arial" panose="020B0604020202020204" pitchFamily="34" charset="0"/>
+              </a:rPr>
+              <a:t>"name"</a:t>
+            </a:r>
+            <a:r>
+              <a:rPr lang="en-US" sz="1400" dirty="0">
+                <a:solidFill>
+                  <a:srgbClr val="A9B7C6"/>
+                </a:solidFill>
+                <a:latin typeface="Courier New" panose="02070309020205020404" pitchFamily="49" charset="0"/>
+                <a:ea typeface="Times New Roman" panose="02020603050405020304" pitchFamily="18" charset="0"/>
+                <a:cs typeface="Arial" panose="020B0604020202020204" pitchFamily="34" charset="0"/>
+              </a:rPr>
+              <a:t>: </a:t>
+            </a:r>
+            <a:r>
+              <a:rPr lang="en-US" sz="1400" dirty="0">
+                <a:solidFill>
+                  <a:srgbClr val="6A8759"/>
+                </a:solidFill>
+                <a:latin typeface="Courier New" panose="02070309020205020404" pitchFamily="49" charset="0"/>
+                <a:ea typeface="Times New Roman" panose="02020603050405020304" pitchFamily="18" charset="0"/>
+                <a:cs typeface="Arial" panose="020B0604020202020204" pitchFamily="34" charset="0"/>
+              </a:rPr>
+              <a:t>"scripts"</a:t>
+            </a:r>
+            <a:r>
+              <a:rPr lang="en-US" sz="1400" dirty="0">
+                <a:solidFill>
+                  <a:srgbClr val="CC7832"/>
+                </a:solidFill>
+                <a:latin typeface="Courier New" panose="02070309020205020404" pitchFamily="49" charset="0"/>
+                <a:ea typeface="Times New Roman" panose="02020603050405020304" pitchFamily="18" charset="0"/>
+                <a:cs typeface="Arial" panose="020B0604020202020204" pitchFamily="34" charset="0"/>
+              </a:rPr>
+              <a:t>,</a:t>
+            </a:r>
+            <a:br>
+              <a:rPr lang="en-US" sz="1400" dirty="0">
+                <a:solidFill>
+                  <a:srgbClr val="CC7832"/>
+                </a:solidFill>
+                <a:latin typeface="Courier New" panose="02070309020205020404" pitchFamily="49" charset="0"/>
+                <a:ea typeface="Times New Roman" panose="02020603050405020304" pitchFamily="18" charset="0"/>
+                <a:cs typeface="Arial" panose="020B0604020202020204" pitchFamily="34" charset="0"/>
+              </a:rPr>
+            </a:br>
+            <a:r>
+              <a:rPr lang="en-US" sz="1400" dirty="0">
+                <a:solidFill>
+                  <a:srgbClr val="CC7832"/>
+                </a:solidFill>
+                <a:latin typeface="Courier New" panose="02070309020205020404" pitchFamily="49" charset="0"/>
+                <a:ea typeface="Times New Roman" panose="02020603050405020304" pitchFamily="18" charset="0"/>
+                <a:cs typeface="Arial" panose="020B0604020202020204" pitchFamily="34" charset="0"/>
+              </a:rPr>
+              <a:t>    </a:t>
+            </a:r>
+            <a:r>
+              <a:rPr lang="en-US" sz="1400" dirty="0">
+                <a:solidFill>
+                  <a:srgbClr val="6A8759"/>
+                </a:solidFill>
+                <a:latin typeface="Courier New" panose="02070309020205020404" pitchFamily="49" charset="0"/>
+                <a:ea typeface="Times New Roman" panose="02020603050405020304" pitchFamily="18" charset="0"/>
+                <a:cs typeface="Arial" panose="020B0604020202020204" pitchFamily="34" charset="0"/>
+              </a:rPr>
+              <a:t>"version"</a:t>
+            </a:r>
+            <a:r>
+              <a:rPr lang="en-US" sz="1400" dirty="0">
+                <a:solidFill>
+                  <a:srgbClr val="A9B7C6"/>
+                </a:solidFill>
+                <a:latin typeface="Courier New" panose="02070309020205020404" pitchFamily="49" charset="0"/>
+                <a:ea typeface="Times New Roman" panose="02020603050405020304" pitchFamily="18" charset="0"/>
+                <a:cs typeface="Arial" panose="020B0604020202020204" pitchFamily="34" charset="0"/>
+              </a:rPr>
+              <a:t>: </a:t>
+            </a:r>
+            <a:r>
+              <a:rPr lang="en-US" sz="1400" dirty="0">
+                <a:solidFill>
+                  <a:srgbClr val="6A8759"/>
+                </a:solidFill>
+                <a:latin typeface="Courier New" panose="02070309020205020404" pitchFamily="49" charset="0"/>
+                <a:ea typeface="Times New Roman" panose="02020603050405020304" pitchFamily="18" charset="0"/>
+                <a:cs typeface="Arial" panose="020B0604020202020204" pitchFamily="34" charset="0"/>
+              </a:rPr>
+              <a:t>"1.0.0"</a:t>
+            </a:r>
+            <a:r>
+              <a:rPr lang="en-US" sz="1400" dirty="0">
+                <a:solidFill>
+                  <a:srgbClr val="CC7832"/>
+                </a:solidFill>
+                <a:latin typeface="Courier New" panose="02070309020205020404" pitchFamily="49" charset="0"/>
+                <a:ea typeface="Times New Roman" panose="02020603050405020304" pitchFamily="18" charset="0"/>
+                <a:cs typeface="Arial" panose="020B0604020202020204" pitchFamily="34" charset="0"/>
+              </a:rPr>
+              <a:t>,</a:t>
+            </a:r>
+            <a:br>
+              <a:rPr lang="en-US" sz="1400" dirty="0">
+                <a:solidFill>
+                  <a:srgbClr val="CC7832"/>
+                </a:solidFill>
+                <a:latin typeface="Courier New" panose="02070309020205020404" pitchFamily="49" charset="0"/>
+                <a:ea typeface="Times New Roman" panose="02020603050405020304" pitchFamily="18" charset="0"/>
+                <a:cs typeface="Arial" panose="020B0604020202020204" pitchFamily="34" charset="0"/>
+              </a:rPr>
+            </a:br>
+            <a:r>
+              <a:rPr lang="en-US" sz="1400" dirty="0">
+                <a:solidFill>
+                  <a:srgbClr val="CC7832"/>
+                </a:solidFill>
+                <a:latin typeface="Courier New" panose="02070309020205020404" pitchFamily="49" charset="0"/>
+                <a:ea typeface="Times New Roman" panose="02020603050405020304" pitchFamily="18" charset="0"/>
+                <a:cs typeface="Arial" panose="020B0604020202020204" pitchFamily="34" charset="0"/>
+              </a:rPr>
+              <a:t>    </a:t>
+            </a:r>
+            <a:r>
+              <a:rPr lang="en-US" sz="1400" dirty="0">
+                <a:solidFill>
+                  <a:srgbClr val="6A8759"/>
+                </a:solidFill>
+                <a:latin typeface="Courier New" panose="02070309020205020404" pitchFamily="49" charset="0"/>
+                <a:ea typeface="Times New Roman" panose="02020603050405020304" pitchFamily="18" charset="0"/>
+                <a:cs typeface="Arial" panose="020B0604020202020204" pitchFamily="34" charset="0"/>
+              </a:rPr>
+              <a:t>"description"</a:t>
+            </a:r>
+            <a:r>
+              <a:rPr lang="en-US" sz="1400" dirty="0">
+                <a:solidFill>
+                  <a:srgbClr val="A9B7C6"/>
+                </a:solidFill>
+                <a:latin typeface="Courier New" panose="02070309020205020404" pitchFamily="49" charset="0"/>
+                <a:ea typeface="Times New Roman" panose="02020603050405020304" pitchFamily="18" charset="0"/>
+                <a:cs typeface="Arial" panose="020B0604020202020204" pitchFamily="34" charset="0"/>
+              </a:rPr>
+              <a:t>: </a:t>
+            </a:r>
+            <a:r>
+              <a:rPr lang="en-US" sz="1400" dirty="0">
+                <a:solidFill>
+                  <a:srgbClr val="6A8759"/>
+                </a:solidFill>
+                <a:latin typeface="Courier New" panose="02070309020205020404" pitchFamily="49" charset="0"/>
+                <a:ea typeface="Times New Roman" panose="02020603050405020304" pitchFamily="18" charset="0"/>
+                <a:cs typeface="Arial" panose="020B0604020202020204" pitchFamily="34" charset="0"/>
+              </a:rPr>
+              <a:t>""</a:t>
+            </a:r>
+            <a:r>
+              <a:rPr lang="en-US" sz="1400" dirty="0">
+                <a:solidFill>
+                  <a:srgbClr val="CC7832"/>
+                </a:solidFill>
+                <a:latin typeface="Courier New" panose="02070309020205020404" pitchFamily="49" charset="0"/>
+                <a:ea typeface="Times New Roman" panose="02020603050405020304" pitchFamily="18" charset="0"/>
+                <a:cs typeface="Arial" panose="020B0604020202020204" pitchFamily="34" charset="0"/>
+              </a:rPr>
+              <a:t>,</a:t>
+            </a:r>
+            <a:br>
+              <a:rPr lang="en-US" sz="1400" dirty="0">
+                <a:solidFill>
+                  <a:srgbClr val="CC7832"/>
+                </a:solidFill>
+                <a:latin typeface="Courier New" panose="02070309020205020404" pitchFamily="49" charset="0"/>
+                <a:ea typeface="Times New Roman" panose="02020603050405020304" pitchFamily="18" charset="0"/>
+                <a:cs typeface="Arial" panose="020B0604020202020204" pitchFamily="34" charset="0"/>
+              </a:rPr>
+            </a:br>
+            <a:r>
+              <a:rPr lang="en-US" sz="1400" dirty="0">
+                <a:solidFill>
+                  <a:srgbClr val="CC7832"/>
+                </a:solidFill>
+                <a:latin typeface="Courier New" panose="02070309020205020404" pitchFamily="49" charset="0"/>
+                <a:ea typeface="Times New Roman" panose="02020603050405020304" pitchFamily="18" charset="0"/>
+                <a:cs typeface="Arial" panose="020B0604020202020204" pitchFamily="34" charset="0"/>
+              </a:rPr>
+              <a:t>    </a:t>
+            </a:r>
+            <a:r>
+              <a:rPr lang="en-US" sz="1400" dirty="0">
+                <a:solidFill>
+                  <a:srgbClr val="6A8759"/>
+                </a:solidFill>
+                <a:latin typeface="Courier New" panose="02070309020205020404" pitchFamily="49" charset="0"/>
+                <a:ea typeface="Times New Roman" panose="02020603050405020304" pitchFamily="18" charset="0"/>
+                <a:cs typeface="Arial" panose="020B0604020202020204" pitchFamily="34" charset="0"/>
+              </a:rPr>
+              <a:t>"main"</a:t>
+            </a:r>
+            <a:r>
+              <a:rPr lang="en-US" sz="1400" dirty="0">
+                <a:solidFill>
+                  <a:srgbClr val="A9B7C6"/>
+                </a:solidFill>
+                <a:latin typeface="Courier New" panose="02070309020205020404" pitchFamily="49" charset="0"/>
+                <a:ea typeface="Times New Roman" panose="02020603050405020304" pitchFamily="18" charset="0"/>
+                <a:cs typeface="Arial" panose="020B0604020202020204" pitchFamily="34" charset="0"/>
+              </a:rPr>
+              <a:t>: </a:t>
+            </a:r>
+            <a:r>
+              <a:rPr lang="en-US" sz="1400" dirty="0">
+                <a:solidFill>
+                  <a:srgbClr val="6A8759"/>
+                </a:solidFill>
+                <a:latin typeface="Courier New" panose="02070309020205020404" pitchFamily="49" charset="0"/>
+                <a:ea typeface="Times New Roman" panose="02020603050405020304" pitchFamily="18" charset="0"/>
+                <a:cs typeface="Arial" panose="020B0604020202020204" pitchFamily="34" charset="0"/>
+              </a:rPr>
+              <a:t>"hello.js"</a:t>
+            </a:r>
+            <a:r>
+              <a:rPr lang="en-US" sz="1400" dirty="0">
+                <a:solidFill>
+                  <a:srgbClr val="CC7832"/>
+                </a:solidFill>
+                <a:latin typeface="Courier New" panose="02070309020205020404" pitchFamily="49" charset="0"/>
+                <a:ea typeface="Times New Roman" panose="02020603050405020304" pitchFamily="18" charset="0"/>
+                <a:cs typeface="Arial" panose="020B0604020202020204" pitchFamily="34" charset="0"/>
+              </a:rPr>
+              <a:t>,</a:t>
+            </a:r>
+            <a:br>
+              <a:rPr lang="en-US" sz="1400" dirty="0">
+                <a:solidFill>
+                  <a:srgbClr val="CC7832"/>
+                </a:solidFill>
+                <a:latin typeface="Courier New" panose="02070309020205020404" pitchFamily="49" charset="0"/>
+                <a:ea typeface="Times New Roman" panose="02020603050405020304" pitchFamily="18" charset="0"/>
+                <a:cs typeface="Arial" panose="020B0604020202020204" pitchFamily="34" charset="0"/>
+              </a:rPr>
+            </a:br>
+            <a:r>
+              <a:rPr lang="en-US" sz="1400" dirty="0">
+                <a:solidFill>
+                  <a:srgbClr val="CC7832"/>
+                </a:solidFill>
+                <a:latin typeface="Courier New" panose="02070309020205020404" pitchFamily="49" charset="0"/>
+                <a:ea typeface="Times New Roman" panose="02020603050405020304" pitchFamily="18" charset="0"/>
+                <a:cs typeface="Arial" panose="020B0604020202020204" pitchFamily="34" charset="0"/>
+              </a:rPr>
+              <a:t>    </a:t>
+            </a:r>
+            <a:r>
+              <a:rPr lang="en-US" sz="1400" dirty="0">
+                <a:solidFill>
+                  <a:srgbClr val="6A8759"/>
+                </a:solidFill>
+                <a:latin typeface="Courier New" panose="02070309020205020404" pitchFamily="49" charset="0"/>
+                <a:ea typeface="Times New Roman" panose="02020603050405020304" pitchFamily="18" charset="0"/>
+                <a:cs typeface="Arial" panose="020B0604020202020204" pitchFamily="34" charset="0"/>
+              </a:rPr>
+              <a:t>"scripts"</a:t>
+            </a:r>
+            <a:r>
+              <a:rPr lang="en-US" sz="1400" dirty="0">
+                <a:solidFill>
+                  <a:srgbClr val="A9B7C6"/>
+                </a:solidFill>
+                <a:latin typeface="Courier New" panose="02070309020205020404" pitchFamily="49" charset="0"/>
+                <a:ea typeface="Times New Roman" panose="02020603050405020304" pitchFamily="18" charset="0"/>
+                <a:cs typeface="Arial" panose="020B0604020202020204" pitchFamily="34" charset="0"/>
+              </a:rPr>
+              <a:t>: {</a:t>
+            </a:r>
+            <a:br>
+              <a:rPr lang="en-US" sz="1400" dirty="0">
+                <a:solidFill>
+                  <a:srgbClr val="A9B7C6"/>
+                </a:solidFill>
+                <a:latin typeface="Courier New" panose="02070309020205020404" pitchFamily="49" charset="0"/>
+                <a:ea typeface="Times New Roman" panose="02020603050405020304" pitchFamily="18" charset="0"/>
+                <a:cs typeface="Arial" panose="020B0604020202020204" pitchFamily="34" charset="0"/>
+              </a:rPr>
+            </a:br>
+            <a:r>
+              <a:rPr lang="en-US" sz="1400" dirty="0">
+                <a:solidFill>
+                  <a:srgbClr val="A9B7C6"/>
+                </a:solidFill>
+                <a:latin typeface="Courier New" panose="02070309020205020404" pitchFamily="49" charset="0"/>
+                <a:ea typeface="Times New Roman" panose="02020603050405020304" pitchFamily="18" charset="0"/>
+                <a:cs typeface="Arial" panose="020B0604020202020204" pitchFamily="34" charset="0"/>
+              </a:rPr>
+              <a:t>    </a:t>
+            </a:r>
+            <a:r>
+              <a:rPr lang="en-US" sz="1400" dirty="0">
+                <a:solidFill>
+                  <a:srgbClr val="6A8759"/>
+                </a:solidFill>
+                <a:latin typeface="Courier New" panose="02070309020205020404" pitchFamily="49" charset="0"/>
+                <a:ea typeface="Times New Roman" panose="02020603050405020304" pitchFamily="18" charset="0"/>
+                <a:cs typeface="Arial" panose="020B0604020202020204" pitchFamily="34" charset="0"/>
+              </a:rPr>
+              <a:t>"build"</a:t>
+            </a:r>
+            <a:r>
+              <a:rPr lang="en-US" sz="1400" dirty="0">
+                <a:solidFill>
+                  <a:srgbClr val="A9B7C6"/>
+                </a:solidFill>
+                <a:latin typeface="Courier New" panose="02070309020205020404" pitchFamily="49" charset="0"/>
+                <a:ea typeface="Times New Roman" panose="02020603050405020304" pitchFamily="18" charset="0"/>
+                <a:cs typeface="Arial" panose="020B0604020202020204" pitchFamily="34" charset="0"/>
+              </a:rPr>
+              <a:t>:</a:t>
+            </a:r>
+            <a:r>
+              <a:rPr lang="en-US" sz="1400" dirty="0">
+                <a:solidFill>
+                  <a:srgbClr val="6A8759"/>
+                </a:solidFill>
+                <a:latin typeface="Courier New" panose="02070309020205020404" pitchFamily="49" charset="0"/>
+                <a:ea typeface="Times New Roman" panose="02020603050405020304" pitchFamily="18" charset="0"/>
+                <a:cs typeface="Arial" panose="020B0604020202020204" pitchFamily="34" charset="0"/>
+              </a:rPr>
+              <a:t>"node-sass --output-style compressed -o ./cssfolder ./sassfolder"</a:t>
+            </a:r>
+            <a:r>
+              <a:rPr lang="en-US" sz="1400" dirty="0">
+                <a:solidFill>
+                  <a:srgbClr val="CC7832"/>
+                </a:solidFill>
+                <a:latin typeface="Courier New" panose="02070309020205020404" pitchFamily="49" charset="0"/>
+                <a:ea typeface="Times New Roman" panose="02020603050405020304" pitchFamily="18" charset="0"/>
+                <a:cs typeface="Arial" panose="020B0604020202020204" pitchFamily="34" charset="0"/>
+              </a:rPr>
+              <a:t>,</a:t>
+            </a:r>
+            <a:br>
+              <a:rPr lang="en-US" sz="1400" dirty="0">
+                <a:solidFill>
+                  <a:srgbClr val="CC7832"/>
+                </a:solidFill>
+                <a:latin typeface="Courier New" panose="02070309020205020404" pitchFamily="49" charset="0"/>
+                <a:ea typeface="Times New Roman" panose="02020603050405020304" pitchFamily="18" charset="0"/>
+                <a:cs typeface="Arial" panose="020B0604020202020204" pitchFamily="34" charset="0"/>
+              </a:rPr>
+            </a:br>
+            <a:r>
+              <a:rPr lang="en-US" sz="1400" dirty="0">
+                <a:solidFill>
+                  <a:srgbClr val="CC7832"/>
+                </a:solidFill>
+                <a:latin typeface="Courier New" panose="02070309020205020404" pitchFamily="49" charset="0"/>
+                <a:ea typeface="Times New Roman" panose="02020603050405020304" pitchFamily="18" charset="0"/>
+                <a:cs typeface="Arial" panose="020B0604020202020204" pitchFamily="34" charset="0"/>
+              </a:rPr>
+              <a:t>        </a:t>
+            </a:r>
+            <a:r>
+              <a:rPr lang="en-US" sz="1400" dirty="0">
+                <a:solidFill>
+                  <a:srgbClr val="6A8759"/>
+                </a:solidFill>
+                <a:latin typeface="Courier New" panose="02070309020205020404" pitchFamily="49" charset="0"/>
+                <a:ea typeface="Times New Roman" panose="02020603050405020304" pitchFamily="18" charset="0"/>
+                <a:cs typeface="Arial" panose="020B0604020202020204" pitchFamily="34" charset="0"/>
+              </a:rPr>
+              <a:t>"test"</a:t>
+            </a:r>
+            <a:r>
+              <a:rPr lang="en-US" sz="1400" dirty="0">
+                <a:solidFill>
+                  <a:srgbClr val="A9B7C6"/>
+                </a:solidFill>
+                <a:latin typeface="Courier New" panose="02070309020205020404" pitchFamily="49" charset="0"/>
+                <a:ea typeface="Times New Roman" panose="02020603050405020304" pitchFamily="18" charset="0"/>
+                <a:cs typeface="Arial" panose="020B0604020202020204" pitchFamily="34" charset="0"/>
+              </a:rPr>
+              <a:t>: </a:t>
+            </a:r>
+            <a:r>
+              <a:rPr lang="en-US" sz="1400" dirty="0">
+                <a:solidFill>
+                  <a:srgbClr val="6A8759"/>
+                </a:solidFill>
+                <a:latin typeface="Courier New" panose="02070309020205020404" pitchFamily="49" charset="0"/>
+                <a:ea typeface="Times New Roman" panose="02020603050405020304" pitchFamily="18" charset="0"/>
+                <a:cs typeface="Arial" panose="020B0604020202020204" pitchFamily="34" charset="0"/>
+              </a:rPr>
+              <a:t>"echo </a:t>
+            </a:r>
+            <a:r>
+              <a:rPr lang="en-US" sz="1400" dirty="0">
+                <a:solidFill>
+                  <a:srgbClr val="CC7832"/>
+                </a:solidFill>
+                <a:latin typeface="Courier New" panose="02070309020205020404" pitchFamily="49" charset="0"/>
+                <a:ea typeface="Times New Roman" panose="02020603050405020304" pitchFamily="18" charset="0"/>
+                <a:cs typeface="Arial" panose="020B0604020202020204" pitchFamily="34" charset="0"/>
+              </a:rPr>
+              <a:t>\"</a:t>
+            </a:r>
+            <a:r>
+              <a:rPr lang="en-US" sz="1400" dirty="0">
+                <a:solidFill>
+                  <a:srgbClr val="6A8759"/>
+                </a:solidFill>
+                <a:latin typeface="Courier New" panose="02070309020205020404" pitchFamily="49" charset="0"/>
+                <a:ea typeface="Times New Roman" panose="02020603050405020304" pitchFamily="18" charset="0"/>
+                <a:cs typeface="Arial" panose="020B0604020202020204" pitchFamily="34" charset="0"/>
+              </a:rPr>
+              <a:t>Error: no test specified</a:t>
+            </a:r>
+            <a:r>
+              <a:rPr lang="en-US" sz="1400" dirty="0">
+                <a:solidFill>
+                  <a:srgbClr val="CC7832"/>
+                </a:solidFill>
+                <a:latin typeface="Courier New" panose="02070309020205020404" pitchFamily="49" charset="0"/>
+                <a:ea typeface="Times New Roman" panose="02020603050405020304" pitchFamily="18" charset="0"/>
+                <a:cs typeface="Arial" panose="020B0604020202020204" pitchFamily="34" charset="0"/>
+              </a:rPr>
+              <a:t>\"</a:t>
+            </a:r>
+            <a:r>
+              <a:rPr lang="en-US" sz="1400" dirty="0">
+                <a:solidFill>
+                  <a:srgbClr val="6A8759"/>
+                </a:solidFill>
+                <a:latin typeface="Courier New" panose="02070309020205020404" pitchFamily="49" charset="0"/>
+                <a:ea typeface="Times New Roman" panose="02020603050405020304" pitchFamily="18" charset="0"/>
+                <a:cs typeface="Arial" panose="020B0604020202020204" pitchFamily="34" charset="0"/>
+              </a:rPr>
+              <a:t> &amp;&amp; exit 1"</a:t>
+            </a:r>
+            <a:br>
+              <a:rPr lang="en-US" sz="1400" dirty="0">
+                <a:solidFill>
+                  <a:srgbClr val="6A8759"/>
+                </a:solidFill>
+                <a:latin typeface="Courier New" panose="02070309020205020404" pitchFamily="49" charset="0"/>
+                <a:ea typeface="Times New Roman" panose="02020603050405020304" pitchFamily="18" charset="0"/>
+                <a:cs typeface="Arial" panose="020B0604020202020204" pitchFamily="34" charset="0"/>
+              </a:rPr>
+            </a:br>
+            <a:r>
+              <a:rPr lang="en-US" sz="1400" dirty="0">
+                <a:solidFill>
+                  <a:srgbClr val="A9B7C6"/>
+                </a:solidFill>
+                <a:latin typeface="Courier New" panose="02070309020205020404" pitchFamily="49" charset="0"/>
+                <a:ea typeface="Times New Roman" panose="02020603050405020304" pitchFamily="18" charset="0"/>
+                <a:cs typeface="Arial" panose="020B0604020202020204" pitchFamily="34" charset="0"/>
+              </a:rPr>
+              <a:t>}</a:t>
+            </a:r>
+            <a:r>
+              <a:rPr lang="en-US" sz="1400" dirty="0">
+                <a:solidFill>
+                  <a:srgbClr val="CC7832"/>
+                </a:solidFill>
+                <a:latin typeface="Courier New" panose="02070309020205020404" pitchFamily="49" charset="0"/>
+                <a:ea typeface="Times New Roman" panose="02020603050405020304" pitchFamily="18" charset="0"/>
+                <a:cs typeface="Arial" panose="020B0604020202020204" pitchFamily="34" charset="0"/>
+              </a:rPr>
+              <a:t>,</a:t>
+            </a:r>
+            <a:br>
+              <a:rPr lang="en-US" sz="1400" dirty="0">
+                <a:solidFill>
+                  <a:srgbClr val="CC7832"/>
+                </a:solidFill>
+                <a:latin typeface="Courier New" panose="02070309020205020404" pitchFamily="49" charset="0"/>
+                <a:ea typeface="Times New Roman" panose="02020603050405020304" pitchFamily="18" charset="0"/>
+                <a:cs typeface="Arial" panose="020B0604020202020204" pitchFamily="34" charset="0"/>
+              </a:rPr>
+            </a:br>
+            <a:r>
+              <a:rPr lang="en-US" sz="1400" dirty="0">
+                <a:solidFill>
+                  <a:srgbClr val="CC7832"/>
+                </a:solidFill>
+                <a:latin typeface="Courier New" panose="02070309020205020404" pitchFamily="49" charset="0"/>
+                <a:ea typeface="Times New Roman" panose="02020603050405020304" pitchFamily="18" charset="0"/>
+                <a:cs typeface="Arial" panose="020B0604020202020204" pitchFamily="34" charset="0"/>
+              </a:rPr>
+              <a:t>    </a:t>
+            </a:r>
+            <a:r>
+              <a:rPr lang="en-US" sz="1400" dirty="0">
+                <a:solidFill>
+                  <a:srgbClr val="6A8759"/>
+                </a:solidFill>
+                <a:latin typeface="Courier New" panose="02070309020205020404" pitchFamily="49" charset="0"/>
+                <a:ea typeface="Times New Roman" panose="02020603050405020304" pitchFamily="18" charset="0"/>
+                <a:cs typeface="Arial" panose="020B0604020202020204" pitchFamily="34" charset="0"/>
+              </a:rPr>
+              <a:t>"author"</a:t>
+            </a:r>
+            <a:r>
+              <a:rPr lang="en-US" sz="1400" dirty="0">
+                <a:solidFill>
+                  <a:srgbClr val="A9B7C6"/>
+                </a:solidFill>
+                <a:latin typeface="Courier New" panose="02070309020205020404" pitchFamily="49" charset="0"/>
+                <a:ea typeface="Times New Roman" panose="02020603050405020304" pitchFamily="18" charset="0"/>
+                <a:cs typeface="Arial" panose="020B0604020202020204" pitchFamily="34" charset="0"/>
+              </a:rPr>
+              <a:t>: </a:t>
+            </a:r>
+            <a:r>
+              <a:rPr lang="en-US" sz="1400" dirty="0">
+                <a:solidFill>
+                  <a:srgbClr val="6A8759"/>
+                </a:solidFill>
+                <a:latin typeface="Courier New" panose="02070309020205020404" pitchFamily="49" charset="0"/>
+                <a:ea typeface="Times New Roman" panose="02020603050405020304" pitchFamily="18" charset="0"/>
+                <a:cs typeface="Arial" panose="020B0604020202020204" pitchFamily="34" charset="0"/>
+              </a:rPr>
+              <a:t>""</a:t>
+            </a:r>
+            <a:r>
+              <a:rPr lang="en-US" sz="1400" dirty="0">
+                <a:solidFill>
+                  <a:srgbClr val="CC7832"/>
+                </a:solidFill>
+                <a:latin typeface="Courier New" panose="02070309020205020404" pitchFamily="49" charset="0"/>
+                <a:ea typeface="Times New Roman" panose="02020603050405020304" pitchFamily="18" charset="0"/>
+                <a:cs typeface="Arial" panose="020B0604020202020204" pitchFamily="34" charset="0"/>
+              </a:rPr>
+              <a:t>,</a:t>
+            </a:r>
+            <a:br>
+              <a:rPr lang="en-US" sz="1400" dirty="0">
+                <a:solidFill>
+                  <a:srgbClr val="CC7832"/>
+                </a:solidFill>
+                <a:latin typeface="Courier New" panose="02070309020205020404" pitchFamily="49" charset="0"/>
+                <a:ea typeface="Times New Roman" panose="02020603050405020304" pitchFamily="18" charset="0"/>
+                <a:cs typeface="Arial" panose="020B0604020202020204" pitchFamily="34" charset="0"/>
+              </a:rPr>
+            </a:br>
+            <a:r>
+              <a:rPr lang="en-US" sz="1400" dirty="0">
+                <a:solidFill>
+                  <a:srgbClr val="CC7832"/>
+                </a:solidFill>
+                <a:latin typeface="Courier New" panose="02070309020205020404" pitchFamily="49" charset="0"/>
+                <a:ea typeface="Times New Roman" panose="02020603050405020304" pitchFamily="18" charset="0"/>
+                <a:cs typeface="Arial" panose="020B0604020202020204" pitchFamily="34" charset="0"/>
+              </a:rPr>
+              <a:t>    </a:t>
+            </a:r>
+            <a:r>
+              <a:rPr lang="en-US" sz="1400" dirty="0">
+                <a:solidFill>
+                  <a:srgbClr val="6A8759"/>
+                </a:solidFill>
+                <a:latin typeface="Courier New" panose="02070309020205020404" pitchFamily="49" charset="0"/>
+                <a:ea typeface="Times New Roman" panose="02020603050405020304" pitchFamily="18" charset="0"/>
+                <a:cs typeface="Arial" panose="020B0604020202020204" pitchFamily="34" charset="0"/>
+              </a:rPr>
+              <a:t>"license"</a:t>
+            </a:r>
+            <a:r>
+              <a:rPr lang="en-US" sz="1400" dirty="0">
+                <a:solidFill>
+                  <a:srgbClr val="A9B7C6"/>
+                </a:solidFill>
+                <a:latin typeface="Courier New" panose="02070309020205020404" pitchFamily="49" charset="0"/>
+                <a:ea typeface="Times New Roman" panose="02020603050405020304" pitchFamily="18" charset="0"/>
+                <a:cs typeface="Arial" panose="020B0604020202020204" pitchFamily="34" charset="0"/>
+              </a:rPr>
+              <a:t>: </a:t>
+            </a:r>
+            <a:r>
+              <a:rPr lang="en-US" sz="1400" dirty="0">
+                <a:solidFill>
+                  <a:srgbClr val="6A8759"/>
+                </a:solidFill>
+                <a:latin typeface="Courier New" panose="02070309020205020404" pitchFamily="49" charset="0"/>
+                <a:ea typeface="Times New Roman" panose="02020603050405020304" pitchFamily="18" charset="0"/>
+                <a:cs typeface="Arial" panose="020B0604020202020204" pitchFamily="34" charset="0"/>
+              </a:rPr>
+              <a:t>"ISC"</a:t>
+            </a:r>
+            <a:br>
+              <a:rPr lang="en-US" sz="1400" dirty="0">
+                <a:solidFill>
+                  <a:srgbClr val="6A8759"/>
+                </a:solidFill>
+                <a:latin typeface="Courier New" panose="02070309020205020404" pitchFamily="49" charset="0"/>
+                <a:ea typeface="Times New Roman" panose="02020603050405020304" pitchFamily="18" charset="0"/>
+                <a:cs typeface="Arial" panose="020B0604020202020204" pitchFamily="34" charset="0"/>
+              </a:rPr>
+            </a:br>
+            <a:r>
+              <a:rPr lang="en-US" sz="1400" dirty="0">
+                <a:solidFill>
+                  <a:srgbClr val="A9B7C6"/>
+                </a:solidFill>
+                <a:latin typeface="Courier New" panose="02070309020205020404" pitchFamily="49" charset="0"/>
+                <a:ea typeface="Times New Roman" panose="02020603050405020304" pitchFamily="18" charset="0"/>
+                <a:cs typeface="Arial" panose="020B0604020202020204" pitchFamily="34" charset="0"/>
+              </a:rPr>
+              <a:t>}</a:t>
+            </a:r>
+            <a:endParaRPr lang="en-US" sz="1400" dirty="0">
+              <a:effectLst/>
+              <a:latin typeface="Calibri" panose="020F0502020204030204" pitchFamily="34" charset="0"/>
+              <a:ea typeface="Calibri" panose="020F0502020204030204" pitchFamily="34" charset="0"/>
+              <a:cs typeface="Arial" panose="020B0604020202020204" pitchFamily="34" charset="0"/>
+            </a:endParaRPr>
+          </a:p>
+        </p:txBody>
+      </p:sp>
+      <p:sp>
+        <p:nvSpPr>
+          <p:cNvPr id="9" name="Rectangle 8"/>
+          <p:cNvSpPr/>
+          <p:nvPr/>
+        </p:nvSpPr>
+        <p:spPr>
+          <a:xfrm>
+            <a:off x="2915816" y="2497277"/>
+            <a:ext cx="3969504" cy="1718171"/>
+          </a:xfrm>
+          <a:prstGeom prst="rect">
+            <a:avLst/>
+          </a:prstGeom>
+        </p:spPr>
+        <p:style>
+          <a:lnRef idx="2">
+            <a:schemeClr val="accent1">
+              <a:shade val="50000"/>
+            </a:schemeClr>
+          </a:lnRef>
+          <a:fillRef idx="1">
+            <a:schemeClr val="accent1"/>
+          </a:fillRef>
+          <a:effectRef idx="0">
+            <a:schemeClr val="accent1"/>
+          </a:effectRef>
+          <a:fontRef idx="minor">
+            <a:schemeClr val="lt1"/>
+          </a:fontRef>
+        </p:style>
+        <p:txBody>
+          <a:bodyPr rtlCol="0" anchor="ctr"/>
+          <a:lstStyle/>
+          <a:p>
+            <a:r>
+              <a:rPr lang="en-US" sz="1600" dirty="0"/>
+              <a:t>The example reflects a common use of scripts as a build. The example shows how to compile sass files to </a:t>
+            </a:r>
+            <a:r>
+              <a:rPr lang="en-US" sz="1600" dirty="0" err="1"/>
+              <a:t>css</a:t>
+            </a:r>
+            <a:r>
+              <a:rPr lang="en-US" sz="1600" dirty="0"/>
+              <a:t> files with the ‘build’ command which simply compile every sass file in the ‘./sassfolder’ to a </a:t>
+            </a:r>
+            <a:r>
+              <a:rPr lang="en-US" sz="1600" dirty="0" err="1"/>
+              <a:t>css</a:t>
+            </a:r>
+            <a:r>
+              <a:rPr lang="en-US" sz="1600" dirty="0"/>
+              <a:t> file </a:t>
+            </a:r>
+            <a:r>
+              <a:rPr lang="en-US" sz="1600" dirty="0" err="1"/>
+              <a:t>file</a:t>
+            </a:r>
+            <a:r>
+              <a:rPr lang="en-US" sz="1600" dirty="0"/>
+              <a:t> which will output in ‘./cssfolder’</a:t>
+            </a:r>
+          </a:p>
+        </p:txBody>
+      </p:sp>
+      <p:cxnSp>
+        <p:nvCxnSpPr>
+          <p:cNvPr id="11" name="Straight Arrow Connector 10"/>
+          <p:cNvCxnSpPr/>
+          <p:nvPr/>
+        </p:nvCxnSpPr>
+        <p:spPr>
+          <a:xfrm>
+            <a:off x="4427984" y="4221088"/>
+            <a:ext cx="1440160" cy="214536"/>
+          </a:xfrm>
+          <a:prstGeom prst="straightConnector1">
+            <a:avLst/>
+          </a:prstGeom>
+          <a:ln>
+            <a:tailEnd type="triangle"/>
+          </a:ln>
+        </p:spPr>
+        <p:style>
+          <a:lnRef idx="1">
+            <a:schemeClr val="accent1"/>
+          </a:lnRef>
+          <a:fillRef idx="0">
+            <a:schemeClr val="accent1"/>
+          </a:fillRef>
+          <a:effectRef idx="0">
+            <a:schemeClr val="accent1"/>
+          </a:effectRef>
+          <a:fontRef idx="minor">
+            <a:schemeClr val="tx1"/>
+          </a:fontRef>
+        </p:style>
+      </p:cxnSp>
     </p:spTree>
     <p:extLst>
       <p:ext uri="{BB962C8B-B14F-4D97-AF65-F5344CB8AC3E}">
-        <p14:creationId xmlns:p14="http://schemas.microsoft.com/office/powerpoint/2010/main" val="262802139"/>
+        <p14:creationId xmlns:p14="http://schemas.microsoft.com/office/powerpoint/2010/main" val="1450141607"/>
       </p:ext>
     </p:extLst>
   </p:cSld>
@@ -6232,7 +7052,7 @@
           <a:p>
             <a:r>
               <a:rPr lang="en-US" dirty="0"/>
-              <a:t>Yarn</a:t>
+              <a:t>NPM link</a:t>
             </a:r>
           </a:p>
         </p:txBody>
@@ -6253,8 +7073,12 @@
           <a:lstStyle/>
           <a:p>
             <a:r>
-              <a:rPr lang="en-US"/>
-              <a:t>© 2016 Ori Calvo</a:t>
+              <a:rPr lang="en-US" dirty="0"/>
+              <a:t>© 2017 Ori </a:t>
+            </a:r>
+            <a:r>
+              <a:rPr lang="en-US" dirty="0" err="1"/>
+              <a:t>Calvo</a:t>
             </a:r>
             <a:endParaRPr lang="en-US" dirty="0"/>
           </a:p>
@@ -6298,85 +7122,1194 @@
         </p:nvSpPr>
         <p:spPr>
           <a:xfrm>
-            <a:off x="612648" y="1600200"/>
-            <a:ext cx="8153400" cy="5257800"/>
+            <a:off x="720152" y="1478462"/>
+            <a:ext cx="8423848" cy="1424136"/>
           </a:xfrm>
         </p:spPr>
         <p:txBody>
-          <a:bodyPr>
-            <a:normAutofit/>
+          <a:bodyPr/>
+          <a:lstStyle/>
+          <a:p>
+            <a:r>
+              <a:rPr lang="en-US" dirty="0" err="1"/>
+              <a:t>npm</a:t>
+            </a:r>
+            <a:r>
+              <a:rPr lang="en-US" dirty="0"/>
+              <a:t> link is a very useful tool, mostly for using a module before it is published (which basically means that without publishing, a module cannot be used)</a:t>
+            </a:r>
+          </a:p>
+        </p:txBody>
+      </p:sp>
+      <p:sp>
+        <p:nvSpPr>
+          <p:cNvPr id="7" name="Rectangle 2"/>
+          <p:cNvSpPr>
+            <a:spLocks noChangeArrowheads="1"/>
+          </p:cNvSpPr>
+          <p:nvPr/>
+        </p:nvSpPr>
+        <p:spPr bwMode="auto">
+          <a:xfrm>
+            <a:off x="2627784" y="3944199"/>
+            <a:ext cx="4317065" cy="830997"/>
+          </a:xfrm>
+          <a:prstGeom prst="rect">
+            <a:avLst/>
+          </a:prstGeom>
+          <a:solidFill>
+            <a:srgbClr val="FFFFFF"/>
+          </a:solidFill>
+          <a:ln>
+            <a:noFill/>
+          </a:ln>
+          <a:effectLst/>
+          <a:extLst>
+            <a:ext uri="{91240B29-F687-4F45-9708-019B960494DF}">
+              <a14:hiddenLine xmlns:a14="http://schemas.microsoft.com/office/drawing/2010/main" w="9525">
+                <a:solidFill>
+                  <a:schemeClr val="tx1"/>
+                </a:solidFill>
+                <a:miter lim="800000"/>
+                <a:headEnd/>
+                <a:tailEnd/>
+              </a14:hiddenLine>
+            </a:ext>
+            <a:ext uri="{AF507438-7753-43E0-B8FC-AC1667EBCBE1}">
+              <a14:hiddenEffects xmlns:a14="http://schemas.microsoft.com/office/drawing/2010/main">
+                <a:effectLst>
+                  <a:outerShdw dist="35921" dir="2700000" algn="ctr" rotWithShape="0">
+                    <a:schemeClr val="bg2"/>
+                  </a:outerShdw>
+                </a:effectLst>
+              </a14:hiddenEffects>
+            </a:ext>
+          </a:extLst>
+        </p:spPr>
+        <p:txBody>
+          <a:bodyPr vert="horz" wrap="square" lIns="91440" tIns="45720" rIns="91440" bIns="45720" numCol="1" anchor="ctr" anchorCtr="0" compatLnSpc="1">
+            <a:prstTxWarp prst="textNoShape">
+              <a:avLst/>
+            </a:prstTxWarp>
+            <a:spAutoFit/>
           </a:bodyPr>
           <a:lstStyle/>
           <a:p>
-            <a:r>
-              <a:rPr lang="en-US" dirty="0"/>
-              <a:t>Starting a new project – yarn </a:t>
-            </a:r>
-            <a:r>
-              <a:rPr lang="en-US" dirty="0" err="1"/>
-              <a:t>init</a:t>
-            </a:r>
-            <a:r>
-              <a:rPr lang="en-US" dirty="0"/>
-              <a:t> command will create a </a:t>
-            </a:r>
-            <a:r>
-              <a:rPr lang="en-US" dirty="0" err="1"/>
-              <a:t>package.json</a:t>
-            </a:r>
-            <a:r>
-              <a:rPr lang="en-US" dirty="0"/>
-              <a:t> file</a:t>
-            </a:r>
-          </a:p>
-          <a:p>
-            <a:endParaRPr lang="en-US" dirty="0"/>
-          </a:p>
-          <a:p>
-            <a:r>
-              <a:rPr lang="en-US" dirty="0"/>
-              <a:t>Adding a dependency – yarn add &lt;package name&gt;</a:t>
-            </a:r>
-          </a:p>
-          <a:p>
-            <a:pPr marL="0" indent="0">
+            <a:pPr marL="0" marR="0" lvl="0" indent="0" algn="l" defTabSz="914400" rtl="0" eaLnBrk="0" fontAlgn="base" latinLnBrk="0" hangingPunct="0">
+              <a:lnSpc>
+                <a:spcPct val="100000"/>
+              </a:lnSpc>
+              <a:spcBef>
+                <a:spcPct val="0"/>
+              </a:spcBef>
+              <a:spcAft>
+                <a:spcPct val="0"/>
+              </a:spcAft>
+              <a:buClrTx/>
+              <a:buSzTx/>
+              <a:buFontTx/>
               <a:buNone/>
+              <a:tabLst/>
             </a:pPr>
-            <a:endParaRPr lang="en-US" dirty="0"/>
-          </a:p>
-          <a:p>
-            <a:r>
-              <a:rPr lang="en-US" dirty="0"/>
-              <a:t>Upgrade version – yarn upgrade [name]@[version]</a:t>
-            </a:r>
-          </a:p>
-          <a:p>
-            <a:endParaRPr lang="en-US" dirty="0"/>
-          </a:p>
-          <a:p>
-            <a:r>
-              <a:rPr lang="en-US" dirty="0"/>
-              <a:t>Remove package – yarn remove &lt;package name&gt;</a:t>
-            </a:r>
-          </a:p>
-          <a:p>
-            <a:endParaRPr lang="en-US" dirty="0"/>
-          </a:p>
-          <a:p>
-            <a:r>
-              <a:rPr lang="en-US" dirty="0"/>
-              <a:t>Installing dependencies – yarn or yarn install</a:t>
-            </a:r>
-          </a:p>
-          <a:p>
-            <a:endParaRPr lang="en-US" dirty="0"/>
-          </a:p>
-        </p:txBody>
-      </p:sp>
+            <a:r>
+              <a:rPr kumimoji="0" lang="en-US" altLang="en-US" sz="1600" b="0" i="0" u="none" strike="noStrike" cap="none" normalizeH="0" baseline="0" dirty="0" err="1">
+                <a:ln>
+                  <a:noFill/>
+                </a:ln>
+                <a:solidFill>
+                  <a:srgbClr val="000000"/>
+                </a:solidFill>
+                <a:effectLst/>
+                <a:latin typeface="Courier New" panose="02070309020205020404" pitchFamily="49" charset="0"/>
+                <a:cs typeface="Courier New" panose="02070309020205020404" pitchFamily="49" charset="0"/>
+              </a:rPr>
+              <a:t>module.</a:t>
+            </a:r>
+            <a:r>
+              <a:rPr kumimoji="0" lang="en-US" altLang="en-US" sz="1600" b="0" i="0" u="none" strike="noStrike" cap="none" normalizeH="0" baseline="0" dirty="0" err="1">
+                <a:ln>
+                  <a:noFill/>
+                </a:ln>
+                <a:solidFill>
+                  <a:srgbClr val="7A7A43"/>
+                </a:solidFill>
+                <a:effectLst/>
+                <a:latin typeface="Courier New" panose="02070309020205020404" pitchFamily="49" charset="0"/>
+                <a:cs typeface="Courier New" panose="02070309020205020404" pitchFamily="49" charset="0"/>
+              </a:rPr>
+              <a:t>exports</a:t>
+            </a:r>
+            <a:r>
+              <a:rPr kumimoji="0" lang="en-US" altLang="en-US" sz="1600" b="0" i="0" u="none" strike="noStrike" cap="none" normalizeH="0" baseline="0" dirty="0">
+                <a:ln>
+                  <a:noFill/>
+                </a:ln>
+                <a:solidFill>
+                  <a:srgbClr val="7A7A43"/>
+                </a:solidFill>
+                <a:effectLst/>
+                <a:latin typeface="Courier New" panose="02070309020205020404" pitchFamily="49" charset="0"/>
+                <a:cs typeface="Courier New" panose="02070309020205020404" pitchFamily="49" charset="0"/>
+              </a:rPr>
+              <a:t> </a:t>
+            </a:r>
+            <a:r>
+              <a:rPr kumimoji="0" lang="en-US" altLang="en-US" sz="1600" b="0" i="0" u="none" strike="noStrike" cap="none" normalizeH="0" baseline="0" dirty="0">
+                <a:ln>
+                  <a:noFill/>
+                </a:ln>
+                <a:solidFill>
+                  <a:srgbClr val="000000"/>
+                </a:solidFill>
+                <a:effectLst/>
+                <a:latin typeface="Courier New" panose="02070309020205020404" pitchFamily="49" charset="0"/>
+                <a:cs typeface="Courier New" panose="02070309020205020404" pitchFamily="49" charset="0"/>
+              </a:rPr>
+              <a:t>=  </a:t>
+            </a:r>
+            <a:r>
+              <a:rPr kumimoji="0" lang="en-US" altLang="en-US" sz="1600" b="1" i="0" u="none" strike="noStrike" cap="none" normalizeH="0" baseline="0" dirty="0">
+                <a:ln>
+                  <a:noFill/>
+                </a:ln>
+                <a:solidFill>
+                  <a:srgbClr val="000080"/>
+                </a:solidFill>
+                <a:effectLst/>
+                <a:latin typeface="Courier New" panose="02070309020205020404" pitchFamily="49" charset="0"/>
+                <a:cs typeface="Courier New" panose="02070309020205020404" pitchFamily="49" charset="0"/>
+              </a:rPr>
+              <a:t>function </a:t>
+            </a:r>
+            <a:r>
+              <a:rPr kumimoji="0" lang="en-US" altLang="en-US" sz="1600" b="0" i="0" u="none" strike="noStrike" cap="none" normalizeH="0" baseline="0" dirty="0">
+                <a:ln>
+                  <a:noFill/>
+                </a:ln>
+                <a:solidFill>
+                  <a:srgbClr val="000000"/>
+                </a:solidFill>
+                <a:effectLst/>
+                <a:latin typeface="Courier New" panose="02070309020205020404" pitchFamily="49" charset="0"/>
+                <a:cs typeface="Courier New" panose="02070309020205020404" pitchFamily="49" charset="0"/>
+              </a:rPr>
+              <a:t>(</a:t>
+            </a:r>
+            <a:r>
+              <a:rPr kumimoji="0" lang="en-US" altLang="en-US" sz="1600" b="0" i="0" u="none" strike="noStrike" cap="none" normalizeH="0" baseline="0" dirty="0" err="1">
+                <a:ln>
+                  <a:noFill/>
+                </a:ln>
+                <a:solidFill>
+                  <a:srgbClr val="000000"/>
+                </a:solidFill>
+                <a:effectLst/>
+                <a:latin typeface="Courier New" panose="02070309020205020404" pitchFamily="49" charset="0"/>
+                <a:cs typeface="Courier New" panose="02070309020205020404" pitchFamily="49" charset="0"/>
+              </a:rPr>
+              <a:t>str</a:t>
+            </a:r>
+            <a:r>
+              <a:rPr kumimoji="0" lang="en-US" altLang="en-US" sz="1600" b="0" i="0" u="none" strike="noStrike" cap="none" normalizeH="0" baseline="0" dirty="0">
+                <a:ln>
+                  <a:noFill/>
+                </a:ln>
+                <a:solidFill>
+                  <a:srgbClr val="000000"/>
+                </a:solidFill>
+                <a:effectLst/>
+                <a:latin typeface="Courier New" panose="02070309020205020404" pitchFamily="49" charset="0"/>
+                <a:cs typeface="Courier New" panose="02070309020205020404" pitchFamily="49" charset="0"/>
+              </a:rPr>
+              <a:t>){</a:t>
+            </a:r>
+            <a:br>
+              <a:rPr kumimoji="0" lang="en-US" altLang="en-US" sz="1600" b="0" i="0" u="none" strike="noStrike" cap="none" normalizeH="0" baseline="0" dirty="0">
+                <a:ln>
+                  <a:noFill/>
+                </a:ln>
+                <a:solidFill>
+                  <a:srgbClr val="000000"/>
+                </a:solidFill>
+                <a:effectLst/>
+                <a:latin typeface="Courier New" panose="02070309020205020404" pitchFamily="49" charset="0"/>
+                <a:cs typeface="Courier New" panose="02070309020205020404" pitchFamily="49" charset="0"/>
+              </a:rPr>
+            </a:br>
+            <a:r>
+              <a:rPr kumimoji="0" lang="en-US" altLang="en-US" sz="1600" b="0" i="0" u="none" strike="noStrike" cap="none" normalizeH="0" baseline="0" dirty="0">
+                <a:ln>
+                  <a:noFill/>
+                </a:ln>
+                <a:solidFill>
+                  <a:srgbClr val="000000"/>
+                </a:solidFill>
+                <a:effectLst/>
+                <a:latin typeface="Courier New" panose="02070309020205020404" pitchFamily="49" charset="0"/>
+                <a:cs typeface="Courier New" panose="02070309020205020404" pitchFamily="49" charset="0"/>
+              </a:rPr>
+              <a:t>    </a:t>
+            </a:r>
+            <a:r>
+              <a:rPr kumimoji="0" lang="en-US" altLang="en-US" sz="1600" b="1" i="0" u="none" strike="noStrike" cap="none" normalizeH="0" baseline="0" dirty="0">
+                <a:ln>
+                  <a:noFill/>
+                </a:ln>
+                <a:solidFill>
+                  <a:srgbClr val="000080"/>
+                </a:solidFill>
+                <a:effectLst/>
+                <a:latin typeface="Courier New" panose="02070309020205020404" pitchFamily="49" charset="0"/>
+                <a:cs typeface="Courier New" panose="02070309020205020404" pitchFamily="49" charset="0"/>
+              </a:rPr>
+              <a:t>return </a:t>
+            </a:r>
+            <a:r>
+              <a:rPr kumimoji="0" lang="en-US" altLang="en-US" sz="1600" b="0" i="0" u="none" strike="noStrike" cap="none" normalizeH="0" baseline="0" dirty="0" err="1">
+                <a:ln>
+                  <a:noFill/>
+                </a:ln>
+                <a:solidFill>
+                  <a:srgbClr val="000000"/>
+                </a:solidFill>
+                <a:effectLst/>
+                <a:latin typeface="Courier New" panose="02070309020205020404" pitchFamily="49" charset="0"/>
+                <a:cs typeface="Courier New" panose="02070309020205020404" pitchFamily="49" charset="0"/>
+              </a:rPr>
+              <a:t>str.</a:t>
+            </a:r>
+            <a:r>
+              <a:rPr kumimoji="0" lang="en-US" altLang="en-US" sz="1600" b="0" i="0" u="none" strike="noStrike" cap="none" normalizeH="0" baseline="0" dirty="0" err="1">
+                <a:ln>
+                  <a:noFill/>
+                </a:ln>
+                <a:solidFill>
+                  <a:srgbClr val="7A7A43"/>
+                </a:solidFill>
+                <a:effectLst/>
+                <a:latin typeface="Courier New" panose="02070309020205020404" pitchFamily="49" charset="0"/>
+                <a:cs typeface="Courier New" panose="02070309020205020404" pitchFamily="49" charset="0"/>
+              </a:rPr>
+              <a:t>toUpperCase</a:t>
+            </a:r>
+            <a:r>
+              <a:rPr kumimoji="0" lang="en-US" altLang="en-US" sz="1600" b="0" i="0" u="none" strike="noStrike" cap="none" normalizeH="0" baseline="0" dirty="0">
+                <a:ln>
+                  <a:noFill/>
+                </a:ln>
+                <a:solidFill>
+                  <a:srgbClr val="000000"/>
+                </a:solidFill>
+                <a:effectLst/>
+                <a:latin typeface="Courier New" panose="02070309020205020404" pitchFamily="49" charset="0"/>
+                <a:cs typeface="Courier New" panose="02070309020205020404" pitchFamily="49" charset="0"/>
+              </a:rPr>
+              <a:t>();</a:t>
+            </a:r>
+            <a:br>
+              <a:rPr kumimoji="0" lang="en-US" altLang="en-US" sz="1600" b="0" i="0" u="none" strike="noStrike" cap="none" normalizeH="0" baseline="0" dirty="0">
+                <a:ln>
+                  <a:noFill/>
+                </a:ln>
+                <a:solidFill>
+                  <a:srgbClr val="000000"/>
+                </a:solidFill>
+                <a:effectLst/>
+                <a:latin typeface="Courier New" panose="02070309020205020404" pitchFamily="49" charset="0"/>
+                <a:cs typeface="Courier New" panose="02070309020205020404" pitchFamily="49" charset="0"/>
+              </a:rPr>
+            </a:br>
+            <a:r>
+              <a:rPr kumimoji="0" lang="en-US" altLang="en-US" sz="1600" b="0" i="0" u="none" strike="noStrike" cap="none" normalizeH="0" baseline="0" dirty="0">
+                <a:ln>
+                  <a:noFill/>
+                </a:ln>
+                <a:solidFill>
+                  <a:srgbClr val="000000"/>
+                </a:solidFill>
+                <a:effectLst/>
+                <a:latin typeface="Courier New" panose="02070309020205020404" pitchFamily="49" charset="0"/>
+                <a:cs typeface="Courier New" panose="02070309020205020404" pitchFamily="49" charset="0"/>
+              </a:rPr>
+              <a:t>};</a:t>
+            </a:r>
+            <a:endParaRPr kumimoji="0" lang="en-US" altLang="en-US" sz="1600" b="0" i="0" u="none" strike="noStrike" cap="none" normalizeH="0" baseline="0" dirty="0">
+              <a:ln>
+                <a:noFill/>
+              </a:ln>
+              <a:solidFill>
+                <a:schemeClr val="tx1"/>
+              </a:solidFill>
+              <a:effectLst/>
+              <a:latin typeface="Arial" panose="020B0604020202020204" pitchFamily="34" charset="0"/>
+            </a:endParaRPr>
+          </a:p>
+        </p:txBody>
+      </p:sp>
+      <p:sp>
+        <p:nvSpPr>
+          <p:cNvPr id="8" name="Rectangle 3"/>
+          <p:cNvSpPr>
+            <a:spLocks noChangeArrowheads="1"/>
+          </p:cNvSpPr>
+          <p:nvPr/>
+        </p:nvSpPr>
+        <p:spPr bwMode="auto">
+          <a:xfrm>
+            <a:off x="0" y="5586579"/>
+            <a:ext cx="4932040" cy="584775"/>
+          </a:xfrm>
+          <a:prstGeom prst="rect">
+            <a:avLst/>
+          </a:prstGeom>
+          <a:solidFill>
+            <a:srgbClr val="FFFFFF"/>
+          </a:solidFill>
+          <a:ln>
+            <a:noFill/>
+          </a:ln>
+          <a:effectLst/>
+          <a:extLst>
+            <a:ext uri="{91240B29-F687-4F45-9708-019B960494DF}">
+              <a14:hiddenLine xmlns:a14="http://schemas.microsoft.com/office/drawing/2010/main" w="9525">
+                <a:solidFill>
+                  <a:schemeClr val="tx1"/>
+                </a:solidFill>
+                <a:miter lim="800000"/>
+                <a:headEnd/>
+                <a:tailEnd/>
+              </a14:hiddenLine>
+            </a:ext>
+            <a:ext uri="{AF507438-7753-43E0-B8FC-AC1667EBCBE1}">
+              <a14:hiddenEffects xmlns:a14="http://schemas.microsoft.com/office/drawing/2010/main">
+                <a:effectLst>
+                  <a:outerShdw dist="35921" dir="2700000" algn="ctr" rotWithShape="0">
+                    <a:schemeClr val="bg2"/>
+                  </a:outerShdw>
+                </a:effectLst>
+              </a14:hiddenEffects>
+            </a:ext>
+          </a:extLst>
+        </p:spPr>
+        <p:txBody>
+          <a:bodyPr vert="horz" wrap="square" lIns="91440" tIns="45720" rIns="91440" bIns="45720" numCol="1" anchor="ctr" anchorCtr="0" compatLnSpc="1">
+            <a:prstTxWarp prst="textNoShape">
+              <a:avLst/>
+            </a:prstTxWarp>
+            <a:spAutoFit/>
+          </a:bodyPr>
+          <a:lstStyle/>
+          <a:p>
+            <a:pPr marL="0" marR="0" lvl="0" indent="0" algn="l" defTabSz="914400" rtl="0" eaLnBrk="0" fontAlgn="base" latinLnBrk="0" hangingPunct="0">
+              <a:lnSpc>
+                <a:spcPct val="100000"/>
+              </a:lnSpc>
+              <a:spcBef>
+                <a:spcPct val="0"/>
+              </a:spcBef>
+              <a:spcAft>
+                <a:spcPct val="0"/>
+              </a:spcAft>
+              <a:buClrTx/>
+              <a:buSzTx/>
+              <a:buFontTx/>
+              <a:buNone/>
+              <a:tabLst/>
+            </a:pPr>
+            <a:r>
+              <a:rPr kumimoji="0" lang="en-US" altLang="en-US" sz="1600" b="1" i="0" u="none" strike="noStrike" cap="none" normalizeH="0" baseline="0">
+                <a:ln>
+                  <a:noFill/>
+                </a:ln>
+                <a:solidFill>
+                  <a:srgbClr val="000080"/>
+                </a:solidFill>
+                <a:effectLst/>
+                <a:latin typeface="Courier New" panose="02070309020205020404" pitchFamily="49" charset="0"/>
+                <a:cs typeface="Courier New" panose="02070309020205020404" pitchFamily="49" charset="0"/>
+              </a:rPr>
+              <a:t>const </a:t>
+            </a:r>
+            <a:r>
+              <a:rPr kumimoji="0" lang="en-US" altLang="en-US" sz="1600" b="0" i="0" u="none" strike="noStrike" cap="none" normalizeH="0" baseline="0">
+                <a:ln>
+                  <a:noFill/>
+                </a:ln>
+                <a:solidFill>
+                  <a:srgbClr val="7A7A43"/>
+                </a:solidFill>
+                <a:effectLst/>
+                <a:latin typeface="Courier New" panose="02070309020205020404" pitchFamily="49" charset="0"/>
+                <a:cs typeface="Courier New" panose="02070309020205020404" pitchFamily="49" charset="0"/>
+              </a:rPr>
+              <a:t>toUpper </a:t>
+            </a:r>
+            <a:r>
+              <a:rPr kumimoji="0" lang="en-US" altLang="en-US" sz="1600" b="0" i="0" u="none" strike="noStrike" cap="none" normalizeH="0" baseline="0">
+                <a:ln>
+                  <a:noFill/>
+                </a:ln>
+                <a:solidFill>
+                  <a:srgbClr val="000000"/>
+                </a:solidFill>
+                <a:effectLst/>
+                <a:latin typeface="Courier New" panose="02070309020205020404" pitchFamily="49" charset="0"/>
+                <a:cs typeface="Courier New" panose="02070309020205020404" pitchFamily="49" charset="0"/>
+              </a:rPr>
+              <a:t>= </a:t>
+            </a:r>
+            <a:r>
+              <a:rPr kumimoji="0" lang="en-US" altLang="en-US" sz="1600" b="0" i="1" u="none" strike="noStrike" cap="none" normalizeH="0" baseline="0">
+                <a:ln>
+                  <a:noFill/>
+                </a:ln>
+                <a:solidFill>
+                  <a:srgbClr val="000000"/>
+                </a:solidFill>
+                <a:effectLst/>
+                <a:latin typeface="Courier New" panose="02070309020205020404" pitchFamily="49" charset="0"/>
+                <a:cs typeface="Courier New" panose="02070309020205020404" pitchFamily="49" charset="0"/>
+              </a:rPr>
+              <a:t>require</a:t>
+            </a:r>
+            <a:r>
+              <a:rPr kumimoji="0" lang="en-US" altLang="en-US" sz="1600" b="0" i="0" u="none" strike="noStrike" cap="none" normalizeH="0" baseline="0">
+                <a:ln>
+                  <a:noFill/>
+                </a:ln>
+                <a:solidFill>
+                  <a:srgbClr val="000000"/>
+                </a:solidFill>
+                <a:effectLst/>
+                <a:latin typeface="Courier New" panose="02070309020205020404" pitchFamily="49" charset="0"/>
+                <a:cs typeface="Courier New" panose="02070309020205020404" pitchFamily="49" charset="0"/>
+              </a:rPr>
+              <a:t>(</a:t>
+            </a:r>
+            <a:r>
+              <a:rPr kumimoji="0" lang="en-US" altLang="en-US" sz="1600" b="1" i="0" u="none" strike="noStrike" cap="none" normalizeH="0" baseline="0">
+                <a:ln>
+                  <a:noFill/>
+                </a:ln>
+                <a:solidFill>
+                  <a:srgbClr val="008000"/>
+                </a:solidFill>
+                <a:effectLst/>
+                <a:latin typeface="Courier New" panose="02070309020205020404" pitchFamily="49" charset="0"/>
+                <a:cs typeface="Courier New" panose="02070309020205020404" pitchFamily="49" charset="0"/>
+              </a:rPr>
+              <a:t>'upper'</a:t>
+            </a:r>
+            <a:r>
+              <a:rPr kumimoji="0" lang="en-US" altLang="en-US" sz="1600" b="0" i="0" u="none" strike="noStrike" cap="none" normalizeH="0" baseline="0">
+                <a:ln>
+                  <a:noFill/>
+                </a:ln>
+                <a:solidFill>
+                  <a:srgbClr val="000000"/>
+                </a:solidFill>
+                <a:effectLst/>
+                <a:latin typeface="Courier New" panose="02070309020205020404" pitchFamily="49" charset="0"/>
+                <a:cs typeface="Courier New" panose="02070309020205020404" pitchFamily="49" charset="0"/>
+              </a:rPr>
+              <a:t>);</a:t>
+            </a:r>
+            <a:br>
+              <a:rPr kumimoji="0" lang="en-US" altLang="en-US" sz="1600" b="0" i="0" u="none" strike="noStrike" cap="none" normalizeH="0" baseline="0">
+                <a:ln>
+                  <a:noFill/>
+                </a:ln>
+                <a:solidFill>
+                  <a:srgbClr val="000000"/>
+                </a:solidFill>
+                <a:effectLst/>
+                <a:latin typeface="Courier New" panose="02070309020205020404" pitchFamily="49" charset="0"/>
+                <a:cs typeface="Courier New" panose="02070309020205020404" pitchFamily="49" charset="0"/>
+              </a:rPr>
+            </a:br>
+            <a:r>
+              <a:rPr kumimoji="0" lang="en-US" altLang="en-US" sz="1600" b="1" i="1" u="none" strike="noStrike" cap="none" normalizeH="0" baseline="0">
+                <a:ln>
+                  <a:noFill/>
+                </a:ln>
+                <a:solidFill>
+                  <a:srgbClr val="660E7A"/>
+                </a:solidFill>
+                <a:effectLst/>
+                <a:latin typeface="Courier New" panose="02070309020205020404" pitchFamily="49" charset="0"/>
+                <a:cs typeface="Courier New" panose="02070309020205020404" pitchFamily="49" charset="0"/>
+              </a:rPr>
+              <a:t>console</a:t>
+            </a:r>
+            <a:r>
+              <a:rPr kumimoji="0" lang="en-US" altLang="en-US" sz="1600" b="0" i="0" u="none" strike="noStrike" cap="none" normalizeH="0" baseline="0">
+                <a:ln>
+                  <a:noFill/>
+                </a:ln>
+                <a:solidFill>
+                  <a:srgbClr val="000000"/>
+                </a:solidFill>
+                <a:effectLst/>
+                <a:latin typeface="Courier New" panose="02070309020205020404" pitchFamily="49" charset="0"/>
+                <a:cs typeface="Courier New" panose="02070309020205020404" pitchFamily="49" charset="0"/>
+              </a:rPr>
+              <a:t>.</a:t>
+            </a:r>
+            <a:r>
+              <a:rPr kumimoji="0" lang="en-US" altLang="en-US" sz="1600" b="0" i="0" u="none" strike="noStrike" cap="none" normalizeH="0" baseline="0">
+                <a:ln>
+                  <a:noFill/>
+                </a:ln>
+                <a:solidFill>
+                  <a:srgbClr val="7A7A43"/>
+                </a:solidFill>
+                <a:effectLst/>
+                <a:latin typeface="Courier New" panose="02070309020205020404" pitchFamily="49" charset="0"/>
+                <a:cs typeface="Courier New" panose="02070309020205020404" pitchFamily="49" charset="0"/>
+              </a:rPr>
+              <a:t>log</a:t>
+            </a:r>
+            <a:r>
+              <a:rPr kumimoji="0" lang="en-US" altLang="en-US" sz="1600" b="0" i="0" u="none" strike="noStrike" cap="none" normalizeH="0" baseline="0">
+                <a:ln>
+                  <a:noFill/>
+                </a:ln>
+                <a:solidFill>
+                  <a:srgbClr val="000000"/>
+                </a:solidFill>
+                <a:effectLst/>
+                <a:latin typeface="Courier New" panose="02070309020205020404" pitchFamily="49" charset="0"/>
+                <a:cs typeface="Courier New" panose="02070309020205020404" pitchFamily="49" charset="0"/>
+              </a:rPr>
+              <a:t>(</a:t>
+            </a:r>
+            <a:r>
+              <a:rPr kumimoji="0" lang="en-US" altLang="en-US" sz="1600" b="0" i="0" u="none" strike="noStrike" cap="none" normalizeH="0" baseline="0">
+                <a:ln>
+                  <a:noFill/>
+                </a:ln>
+                <a:solidFill>
+                  <a:srgbClr val="7A7A43"/>
+                </a:solidFill>
+                <a:effectLst/>
+                <a:latin typeface="Courier New" panose="02070309020205020404" pitchFamily="49" charset="0"/>
+                <a:cs typeface="Courier New" panose="02070309020205020404" pitchFamily="49" charset="0"/>
+              </a:rPr>
+              <a:t>toUpper</a:t>
+            </a:r>
+            <a:r>
+              <a:rPr kumimoji="0" lang="en-US" altLang="en-US" sz="1600" b="0" i="0" u="none" strike="noStrike" cap="none" normalizeH="0" baseline="0">
+                <a:ln>
+                  <a:noFill/>
+                </a:ln>
+                <a:solidFill>
+                  <a:srgbClr val="000000"/>
+                </a:solidFill>
+                <a:effectLst/>
+                <a:latin typeface="Courier New" panose="02070309020205020404" pitchFamily="49" charset="0"/>
+                <a:cs typeface="Courier New" panose="02070309020205020404" pitchFamily="49" charset="0"/>
+              </a:rPr>
+              <a:t>(</a:t>
+            </a:r>
+            <a:r>
+              <a:rPr kumimoji="0" lang="en-US" altLang="en-US" sz="1600" b="1" i="0" u="none" strike="noStrike" cap="none" normalizeH="0" baseline="0">
+                <a:ln>
+                  <a:noFill/>
+                </a:ln>
+                <a:solidFill>
+                  <a:srgbClr val="008000"/>
+                </a:solidFill>
+                <a:effectLst/>
+                <a:latin typeface="Courier New" panose="02070309020205020404" pitchFamily="49" charset="0"/>
+                <a:cs typeface="Courier New" panose="02070309020205020404" pitchFamily="49" charset="0"/>
+              </a:rPr>
+              <a:t>'hello world'</a:t>
+            </a:r>
+            <a:r>
+              <a:rPr kumimoji="0" lang="en-US" altLang="en-US" sz="1600" b="0" i="0" u="none" strike="noStrike" cap="none" normalizeH="0" baseline="0">
+                <a:ln>
+                  <a:noFill/>
+                </a:ln>
+                <a:solidFill>
+                  <a:srgbClr val="000000"/>
+                </a:solidFill>
+                <a:effectLst/>
+                <a:latin typeface="Courier New" panose="02070309020205020404" pitchFamily="49" charset="0"/>
+                <a:cs typeface="Courier New" panose="02070309020205020404" pitchFamily="49" charset="0"/>
+              </a:rPr>
+              <a:t>));</a:t>
+            </a:r>
+            <a:endParaRPr kumimoji="0" lang="en-US" altLang="en-US" sz="1600" b="0" i="0" u="none" strike="noStrike" cap="none" normalizeH="0" baseline="0">
+              <a:ln>
+                <a:noFill/>
+              </a:ln>
+              <a:solidFill>
+                <a:schemeClr val="tx1"/>
+              </a:solidFill>
+              <a:effectLst/>
+              <a:latin typeface="Arial" panose="020B0604020202020204" pitchFamily="34" charset="0"/>
+            </a:endParaRPr>
+          </a:p>
+        </p:txBody>
+      </p:sp>
+      <p:sp>
+        <p:nvSpPr>
+          <p:cNvPr id="9" name="TextBox 8"/>
+          <p:cNvSpPr txBox="1"/>
+          <p:nvPr/>
+        </p:nvSpPr>
+        <p:spPr>
+          <a:xfrm>
+            <a:off x="3321196" y="3485307"/>
+            <a:ext cx="2736304" cy="369331"/>
+          </a:xfrm>
+          <a:prstGeom prst="rect">
+            <a:avLst/>
+          </a:prstGeom>
+          <a:noFill/>
+        </p:spPr>
+        <p:txBody>
+          <a:bodyPr wrap="square" rtlCol="0">
+            <a:spAutoFit/>
+          </a:bodyPr>
+          <a:lstStyle/>
+          <a:p>
+            <a:pPr algn="ctr"/>
+            <a:r>
+              <a:rPr lang="en-US" b="1" u="sng" dirty="0"/>
+              <a:t>upperModule.js</a:t>
+            </a:r>
+          </a:p>
+        </p:txBody>
+      </p:sp>
+      <p:sp>
+        <p:nvSpPr>
+          <p:cNvPr id="11" name="TextBox 10"/>
+          <p:cNvSpPr txBox="1"/>
+          <p:nvPr/>
+        </p:nvSpPr>
+        <p:spPr>
+          <a:xfrm>
+            <a:off x="1045314" y="5126676"/>
+            <a:ext cx="2736304" cy="369331"/>
+          </a:xfrm>
+          <a:prstGeom prst="rect">
+            <a:avLst/>
+          </a:prstGeom>
+          <a:noFill/>
+        </p:spPr>
+        <p:txBody>
+          <a:bodyPr wrap="square" rtlCol="0">
+            <a:spAutoFit/>
+          </a:bodyPr>
+          <a:lstStyle/>
+          <a:p>
+            <a:pPr algn="ctr"/>
+            <a:r>
+              <a:rPr lang="en-US" b="1" u="sng" dirty="0"/>
+              <a:t>index.js</a:t>
+            </a:r>
+          </a:p>
+        </p:txBody>
+      </p:sp>
+      <p:sp>
+        <p:nvSpPr>
+          <p:cNvPr id="12" name="Rectangle 11"/>
+          <p:cNvSpPr/>
+          <p:nvPr/>
+        </p:nvSpPr>
+        <p:spPr>
+          <a:xfrm>
+            <a:off x="7020272" y="3789040"/>
+            <a:ext cx="2016224" cy="936104"/>
+          </a:xfrm>
+          <a:prstGeom prst="rect">
+            <a:avLst/>
+          </a:prstGeom>
+        </p:spPr>
+        <p:style>
+          <a:lnRef idx="2">
+            <a:schemeClr val="accent1">
+              <a:shade val="50000"/>
+            </a:schemeClr>
+          </a:lnRef>
+          <a:fillRef idx="1">
+            <a:schemeClr val="accent1"/>
+          </a:fillRef>
+          <a:effectRef idx="0">
+            <a:schemeClr val="accent1"/>
+          </a:effectRef>
+          <a:fontRef idx="minor">
+            <a:schemeClr val="lt1"/>
+          </a:fontRef>
+        </p:style>
+        <p:txBody>
+          <a:bodyPr rtlCol="0" anchor="ctr"/>
+          <a:lstStyle/>
+          <a:p>
+            <a:pPr algn="ctr"/>
+            <a:r>
+              <a:rPr lang="en-US" dirty="0"/>
+              <a:t>A simple module which uppercase a string</a:t>
+            </a:r>
+          </a:p>
+        </p:txBody>
+      </p:sp>
+      <p:sp>
+        <p:nvSpPr>
+          <p:cNvPr id="13" name="Rectangle 12"/>
+          <p:cNvSpPr/>
+          <p:nvPr/>
+        </p:nvSpPr>
+        <p:spPr>
+          <a:xfrm>
+            <a:off x="4689348" y="5158886"/>
+            <a:ext cx="3672408" cy="1440160"/>
+          </a:xfrm>
+          <a:prstGeom prst="rect">
+            <a:avLst/>
+          </a:prstGeom>
+        </p:spPr>
+        <p:style>
+          <a:lnRef idx="2">
+            <a:schemeClr val="accent1">
+              <a:shade val="50000"/>
+            </a:schemeClr>
+          </a:lnRef>
+          <a:fillRef idx="1">
+            <a:schemeClr val="accent1"/>
+          </a:fillRef>
+          <a:effectRef idx="0">
+            <a:schemeClr val="accent1"/>
+          </a:effectRef>
+          <a:fontRef idx="minor">
+            <a:schemeClr val="lt1"/>
+          </a:fontRef>
+        </p:style>
+        <p:txBody>
+          <a:bodyPr rtlCol="0" anchor="ctr"/>
+          <a:lstStyle/>
+          <a:p>
+            <a:pPr algn="ctr"/>
+            <a:r>
+              <a:rPr lang="en-US" dirty="0"/>
+              <a:t>The main index.js file where the module is used. </a:t>
+            </a:r>
+            <a:r>
+              <a:rPr lang="en-US" b="1" dirty="0"/>
+              <a:t>As of now the module obviously will not work for it is yet not a module</a:t>
+            </a:r>
+          </a:p>
+        </p:txBody>
+      </p:sp>
+      <p:sp>
+        <p:nvSpPr>
+          <p:cNvPr id="14" name="Rectangle 5"/>
+          <p:cNvSpPr>
+            <a:spLocks noChangeArrowheads="1"/>
+          </p:cNvSpPr>
+          <p:nvPr/>
+        </p:nvSpPr>
+        <p:spPr bwMode="auto">
+          <a:xfrm>
+            <a:off x="0" y="2897457"/>
+            <a:ext cx="2006034" cy="1384995"/>
+          </a:xfrm>
+          <a:prstGeom prst="rect">
+            <a:avLst/>
+          </a:prstGeom>
+          <a:solidFill>
+            <a:srgbClr val="FFFFFF"/>
+          </a:solidFill>
+          <a:ln>
+            <a:noFill/>
+          </a:ln>
+          <a:effectLst/>
+          <a:extLst>
+            <a:ext uri="{91240B29-F687-4F45-9708-019B960494DF}">
+              <a14:hiddenLine xmlns:a14="http://schemas.microsoft.com/office/drawing/2010/main" w="9525">
+                <a:solidFill>
+                  <a:schemeClr val="tx1"/>
+                </a:solidFill>
+                <a:miter lim="800000"/>
+                <a:headEnd/>
+                <a:tailEnd/>
+              </a14:hiddenLine>
+            </a:ext>
+            <a:ext uri="{AF507438-7753-43E0-B8FC-AC1667EBCBE1}">
+              <a14:hiddenEffects xmlns:a14="http://schemas.microsoft.com/office/drawing/2010/main">
+                <a:effectLst>
+                  <a:outerShdw dist="35921" dir="2700000" algn="ctr" rotWithShape="0">
+                    <a:schemeClr val="bg2"/>
+                  </a:outerShdw>
+                </a:effectLst>
+              </a14:hiddenEffects>
+            </a:ext>
+          </a:extLst>
+        </p:spPr>
+        <p:txBody>
+          <a:bodyPr vert="horz" wrap="square" lIns="91440" tIns="45720" rIns="91440" bIns="45720" numCol="1" anchor="ctr" anchorCtr="0" compatLnSpc="1">
+            <a:prstTxWarp prst="textNoShape">
+              <a:avLst/>
+            </a:prstTxWarp>
+            <a:spAutoFit/>
+          </a:bodyPr>
+          <a:lstStyle/>
+          <a:p>
+            <a:pPr marL="0" marR="0" lvl="0" indent="0" algn="l" defTabSz="914400" rtl="0" eaLnBrk="0" fontAlgn="base" latinLnBrk="0" hangingPunct="0">
+              <a:lnSpc>
+                <a:spcPct val="100000"/>
+              </a:lnSpc>
+              <a:spcBef>
+                <a:spcPct val="0"/>
+              </a:spcBef>
+              <a:spcAft>
+                <a:spcPct val="0"/>
+              </a:spcAft>
+              <a:buClrTx/>
+              <a:buSzTx/>
+              <a:buFontTx/>
+              <a:buNone/>
+              <a:tabLst/>
+            </a:pPr>
+            <a:r>
+              <a:rPr kumimoji="0" lang="en-US" altLang="en-US" sz="1400" b="0" i="0" u="none" strike="noStrike" cap="none" normalizeH="0" baseline="0" dirty="0">
+                <a:ln>
+                  <a:noFill/>
+                </a:ln>
+                <a:solidFill>
+                  <a:srgbClr val="000000"/>
+                </a:solidFill>
+                <a:effectLst/>
+                <a:latin typeface="Courier New" panose="02070309020205020404" pitchFamily="49" charset="0"/>
+                <a:cs typeface="Courier New" panose="02070309020205020404" pitchFamily="49" charset="0"/>
+              </a:rPr>
+              <a:t>link</a:t>
+            </a:r>
+            <a:br>
+              <a:rPr kumimoji="0" lang="en-US" altLang="en-US" sz="1400" b="0" i="0" u="none" strike="noStrike" cap="none" normalizeH="0" baseline="0" dirty="0">
+                <a:ln>
+                  <a:noFill/>
+                </a:ln>
+                <a:solidFill>
+                  <a:srgbClr val="000000"/>
+                </a:solidFill>
+                <a:effectLst/>
+                <a:latin typeface="Courier New" panose="02070309020205020404" pitchFamily="49" charset="0"/>
+                <a:cs typeface="Courier New" panose="02070309020205020404" pitchFamily="49" charset="0"/>
+              </a:rPr>
+            </a:br>
+            <a:r>
+              <a:rPr kumimoji="0" lang="en-US" altLang="en-US" sz="1400" b="0" i="0" u="none" strike="noStrike" cap="none" normalizeH="0" baseline="0" dirty="0">
+                <a:ln>
+                  <a:noFill/>
+                </a:ln>
+                <a:solidFill>
+                  <a:srgbClr val="000000"/>
+                </a:solidFill>
+                <a:effectLst/>
+                <a:latin typeface="Courier New" panose="02070309020205020404" pitchFamily="49" charset="0"/>
+                <a:cs typeface="Courier New" panose="02070309020205020404" pitchFamily="49" charset="0"/>
+              </a:rPr>
+              <a:t>-node_modules</a:t>
+            </a:r>
+            <a:br>
+              <a:rPr kumimoji="0" lang="en-US" altLang="en-US" sz="1400" b="0" i="0" u="none" strike="noStrike" cap="none" normalizeH="0" baseline="0" dirty="0">
+                <a:ln>
+                  <a:noFill/>
+                </a:ln>
+                <a:solidFill>
+                  <a:srgbClr val="000000"/>
+                </a:solidFill>
+                <a:effectLst/>
+                <a:latin typeface="Courier New" panose="02070309020205020404" pitchFamily="49" charset="0"/>
+                <a:cs typeface="Courier New" panose="02070309020205020404" pitchFamily="49" charset="0"/>
+              </a:rPr>
+            </a:br>
+            <a:r>
+              <a:rPr kumimoji="0" lang="en-US" altLang="en-US" sz="1400" b="0" i="0" u="none" strike="noStrike" cap="none" normalizeH="0" baseline="0" dirty="0">
+                <a:ln>
+                  <a:noFill/>
+                </a:ln>
+                <a:solidFill>
+                  <a:srgbClr val="000000"/>
+                </a:solidFill>
+                <a:effectLst/>
+                <a:latin typeface="Courier New" panose="02070309020205020404" pitchFamily="49" charset="0"/>
+                <a:cs typeface="Courier New" panose="02070309020205020404" pitchFamily="49" charset="0"/>
+              </a:rPr>
+              <a:t>-upper</a:t>
+            </a:r>
+            <a:br>
+              <a:rPr kumimoji="0" lang="en-US" altLang="en-US" sz="1400" b="0" i="0" u="none" strike="noStrike" cap="none" normalizeH="0" baseline="0" dirty="0">
+                <a:ln>
+                  <a:noFill/>
+                </a:ln>
+                <a:solidFill>
+                  <a:srgbClr val="000000"/>
+                </a:solidFill>
+                <a:effectLst/>
+                <a:latin typeface="Courier New" panose="02070309020205020404" pitchFamily="49" charset="0"/>
+                <a:cs typeface="Courier New" panose="02070309020205020404" pitchFamily="49" charset="0"/>
+              </a:rPr>
+            </a:br>
+            <a:r>
+              <a:rPr kumimoji="0" lang="en-US" altLang="en-US" sz="1400" b="0" i="0" u="none" strike="noStrike" cap="none" normalizeH="0" baseline="0" dirty="0">
+                <a:ln>
+                  <a:noFill/>
+                </a:ln>
+                <a:solidFill>
+                  <a:srgbClr val="000000"/>
+                </a:solidFill>
+                <a:effectLst/>
+                <a:latin typeface="Courier New" panose="02070309020205020404" pitchFamily="49" charset="0"/>
+                <a:cs typeface="Courier New" panose="02070309020205020404" pitchFamily="49" charset="0"/>
+              </a:rPr>
+              <a:t>--</a:t>
+            </a:r>
+            <a:r>
+              <a:rPr kumimoji="0" lang="en-US" altLang="en-US" sz="1400" b="1" i="0" u="none" strike="noStrike" cap="none" normalizeH="0" baseline="0" dirty="0">
+                <a:ln>
+                  <a:noFill/>
+                </a:ln>
+                <a:solidFill>
+                  <a:srgbClr val="000080"/>
+                </a:solidFill>
+                <a:effectLst/>
+                <a:latin typeface="Courier New" panose="02070309020205020404" pitchFamily="49" charset="0"/>
+                <a:cs typeface="Courier New" panose="02070309020205020404" pitchFamily="49" charset="0"/>
+              </a:rPr>
+              <a:t>package</a:t>
+            </a:r>
+            <a:r>
+              <a:rPr kumimoji="0" lang="en-US" altLang="en-US" sz="1400" b="0" i="0" u="none" strike="noStrike" cap="none" normalizeH="0" baseline="0" dirty="0">
+                <a:ln>
+                  <a:noFill/>
+                </a:ln>
+                <a:solidFill>
+                  <a:srgbClr val="000000"/>
+                </a:solidFill>
+                <a:effectLst/>
+                <a:latin typeface="Courier New" panose="02070309020205020404" pitchFamily="49" charset="0"/>
+                <a:cs typeface="Courier New" panose="02070309020205020404" pitchFamily="49" charset="0"/>
+              </a:rPr>
+              <a:t>.json</a:t>
+            </a:r>
+            <a:br>
+              <a:rPr kumimoji="0" lang="en-US" altLang="en-US" sz="1400" b="0" i="0" u="none" strike="noStrike" cap="none" normalizeH="0" baseline="0" dirty="0">
+                <a:ln>
+                  <a:noFill/>
+                </a:ln>
+                <a:solidFill>
+                  <a:srgbClr val="000000"/>
+                </a:solidFill>
+                <a:effectLst/>
+                <a:latin typeface="Courier New" panose="02070309020205020404" pitchFamily="49" charset="0"/>
+                <a:cs typeface="Courier New" panose="02070309020205020404" pitchFamily="49" charset="0"/>
+              </a:rPr>
+            </a:br>
+            <a:r>
+              <a:rPr kumimoji="0" lang="en-US" altLang="en-US" sz="1400" b="0" i="0" u="none" strike="noStrike" cap="none" normalizeH="0" baseline="0" dirty="0">
+                <a:ln>
+                  <a:noFill/>
+                </a:ln>
+                <a:solidFill>
+                  <a:srgbClr val="000000"/>
+                </a:solidFill>
+                <a:effectLst/>
+                <a:latin typeface="Courier New" panose="02070309020205020404" pitchFamily="49" charset="0"/>
+                <a:cs typeface="Courier New" panose="02070309020205020404" pitchFamily="49" charset="0"/>
+              </a:rPr>
+              <a:t>--upperModule.js</a:t>
+            </a:r>
+            <a:br>
+              <a:rPr kumimoji="0" lang="en-US" altLang="en-US" sz="1400" b="0" i="0" u="none" strike="noStrike" cap="none" normalizeH="0" baseline="0" dirty="0">
+                <a:ln>
+                  <a:noFill/>
+                </a:ln>
+                <a:solidFill>
+                  <a:srgbClr val="000000"/>
+                </a:solidFill>
+                <a:effectLst/>
+                <a:latin typeface="Courier New" panose="02070309020205020404" pitchFamily="49" charset="0"/>
+                <a:cs typeface="Courier New" panose="02070309020205020404" pitchFamily="49" charset="0"/>
+              </a:rPr>
+            </a:br>
+            <a:r>
+              <a:rPr kumimoji="0" lang="en-US" altLang="en-US" sz="1400" b="0" i="0" u="none" strike="noStrike" cap="none" normalizeH="0" baseline="0" dirty="0">
+                <a:ln>
+                  <a:noFill/>
+                </a:ln>
+                <a:solidFill>
+                  <a:srgbClr val="000000"/>
+                </a:solidFill>
+                <a:effectLst/>
+                <a:latin typeface="Courier New" panose="02070309020205020404" pitchFamily="49" charset="0"/>
+                <a:cs typeface="Courier New" panose="02070309020205020404" pitchFamily="49" charset="0"/>
+              </a:rPr>
+              <a:t>-index.js</a:t>
+            </a:r>
+            <a:endParaRPr kumimoji="0" lang="en-US" altLang="en-US" sz="1400" b="0" i="0" u="none" strike="noStrike" cap="none" normalizeH="0" baseline="0" dirty="0">
+              <a:ln>
+                <a:noFill/>
+              </a:ln>
+              <a:solidFill>
+                <a:schemeClr val="tx1"/>
+              </a:solidFill>
+              <a:effectLst/>
+              <a:latin typeface="Arial" panose="020B0604020202020204" pitchFamily="34" charset="0"/>
+            </a:endParaRPr>
+          </a:p>
+        </p:txBody>
+      </p:sp>
+      <p:sp>
+        <p:nvSpPr>
+          <p:cNvPr id="15" name="Rectangle 14"/>
+          <p:cNvSpPr/>
+          <p:nvPr/>
+        </p:nvSpPr>
+        <p:spPr>
+          <a:xfrm>
+            <a:off x="1763688" y="2902598"/>
+            <a:ext cx="1728192" cy="886442"/>
+          </a:xfrm>
+          <a:prstGeom prst="rect">
+            <a:avLst/>
+          </a:prstGeom>
+        </p:spPr>
+        <p:style>
+          <a:lnRef idx="2">
+            <a:schemeClr val="accent1">
+              <a:shade val="50000"/>
+            </a:schemeClr>
+          </a:lnRef>
+          <a:fillRef idx="1">
+            <a:schemeClr val="accent1"/>
+          </a:fillRef>
+          <a:effectRef idx="0">
+            <a:schemeClr val="accent1"/>
+          </a:effectRef>
+          <a:fontRef idx="minor">
+            <a:schemeClr val="lt1"/>
+          </a:fontRef>
+        </p:style>
+        <p:txBody>
+          <a:bodyPr rtlCol="0" anchor="ctr"/>
+          <a:lstStyle/>
+          <a:p>
+            <a:pPr algn="ctr"/>
+            <a:r>
+              <a:rPr lang="en-US" dirty="0"/>
+              <a:t>Application Structure</a:t>
+            </a:r>
+          </a:p>
+        </p:txBody>
+      </p:sp>
+      <p:cxnSp>
+        <p:nvCxnSpPr>
+          <p:cNvPr id="17" name="Straight Arrow Connector 16"/>
+          <p:cNvCxnSpPr>
+            <a:cxnSpLocks/>
+          </p:cNvCxnSpPr>
+          <p:nvPr/>
+        </p:nvCxnSpPr>
+        <p:spPr>
+          <a:xfrm flipH="1">
+            <a:off x="1331640" y="3276075"/>
+            <a:ext cx="576064" cy="209232"/>
+          </a:xfrm>
+          <a:prstGeom prst="straightConnector1">
+            <a:avLst/>
+          </a:prstGeom>
+          <a:ln>
+            <a:tailEnd type="triangle"/>
+          </a:ln>
+        </p:spPr>
+        <p:style>
+          <a:lnRef idx="1">
+            <a:schemeClr val="accent1"/>
+          </a:lnRef>
+          <a:fillRef idx="0">
+            <a:schemeClr val="accent1"/>
+          </a:fillRef>
+          <a:effectRef idx="0">
+            <a:schemeClr val="accent1"/>
+          </a:effectRef>
+          <a:fontRef idx="minor">
+            <a:schemeClr val="tx1"/>
+          </a:fontRef>
+        </p:style>
+      </p:cxnSp>
+      <p:cxnSp>
+        <p:nvCxnSpPr>
+          <p:cNvPr id="19" name="Straight Arrow Connector 18"/>
+          <p:cNvCxnSpPr/>
+          <p:nvPr/>
+        </p:nvCxnSpPr>
+        <p:spPr>
+          <a:xfrm flipH="1" flipV="1">
+            <a:off x="6444208" y="4359697"/>
+            <a:ext cx="500641" cy="149423"/>
+          </a:xfrm>
+          <a:prstGeom prst="straightConnector1">
+            <a:avLst/>
+          </a:prstGeom>
+          <a:ln>
+            <a:tailEnd type="triangle"/>
+          </a:ln>
+        </p:spPr>
+        <p:style>
+          <a:lnRef idx="1">
+            <a:schemeClr val="accent1"/>
+          </a:lnRef>
+          <a:fillRef idx="0">
+            <a:schemeClr val="accent1"/>
+          </a:fillRef>
+          <a:effectRef idx="0">
+            <a:schemeClr val="accent1"/>
+          </a:effectRef>
+          <a:fontRef idx="minor">
+            <a:schemeClr val="tx1"/>
+          </a:fontRef>
+        </p:style>
+      </p:cxnSp>
+      <p:cxnSp>
+        <p:nvCxnSpPr>
+          <p:cNvPr id="21" name="Straight Arrow Connector 20"/>
+          <p:cNvCxnSpPr/>
+          <p:nvPr/>
+        </p:nvCxnSpPr>
+        <p:spPr>
+          <a:xfrm flipH="1">
+            <a:off x="4211960" y="5586579"/>
+            <a:ext cx="477388" cy="146677"/>
+          </a:xfrm>
+          <a:prstGeom prst="straightConnector1">
+            <a:avLst/>
+          </a:prstGeom>
+          <a:ln>
+            <a:tailEnd type="triangle"/>
+          </a:ln>
+        </p:spPr>
+        <p:style>
+          <a:lnRef idx="1">
+            <a:schemeClr val="accent1"/>
+          </a:lnRef>
+          <a:fillRef idx="0">
+            <a:schemeClr val="accent1"/>
+          </a:fillRef>
+          <a:effectRef idx="0">
+            <a:schemeClr val="accent1"/>
+          </a:effectRef>
+          <a:fontRef idx="minor">
+            <a:schemeClr val="tx1"/>
+          </a:fontRef>
+        </p:style>
+      </p:cxnSp>
     </p:spTree>
     <p:extLst>
       <p:ext uri="{BB962C8B-B14F-4D97-AF65-F5344CB8AC3E}">
-        <p14:creationId xmlns:p14="http://schemas.microsoft.com/office/powerpoint/2010/main" val="3543821880"/>
+        <p14:creationId xmlns:p14="http://schemas.microsoft.com/office/powerpoint/2010/main" val="3903301488"/>
       </p:ext>
     </p:extLst>
   </p:cSld>
@@ -6420,7 +8353,7 @@
           <a:p>
             <a:r>
               <a:rPr lang="en-US" dirty="0"/>
-              <a:t>Yarn	</a:t>
+              <a:t>NPM link</a:t>
             </a:r>
           </a:p>
         </p:txBody>
@@ -6441,8 +8374,12 @@
           <a:lstStyle/>
           <a:p>
             <a:r>
-              <a:rPr lang="en-US"/>
-              <a:t>© 2016 Ori Calvo</a:t>
+              <a:rPr lang="en-US" dirty="0"/>
+              <a:t>© 2017 Ori </a:t>
+            </a:r>
+            <a:r>
+              <a:rPr lang="en-US" dirty="0" err="1"/>
+              <a:t>Calvo</a:t>
             </a:r>
             <a:endParaRPr lang="en-US" dirty="0"/>
           </a:p>
@@ -6476,6 +8413,1091 @@
       </p:sp>
       <p:sp>
         <p:nvSpPr>
+          <p:cNvPr id="7" name="Rectangle 6"/>
+          <p:cNvSpPr/>
+          <p:nvPr/>
+        </p:nvSpPr>
+        <p:spPr>
+          <a:xfrm>
+            <a:off x="251690" y="1916832"/>
+            <a:ext cx="2460930" cy="369332"/>
+          </a:xfrm>
+          <a:prstGeom prst="rect">
+            <a:avLst/>
+          </a:prstGeom>
+        </p:spPr>
+        <p:txBody>
+          <a:bodyPr wrap="none">
+            <a:spAutoFit/>
+          </a:bodyPr>
+          <a:lstStyle/>
+          <a:p>
+            <a:r>
+              <a:rPr lang="sv-SE" dirty="0"/>
+              <a:t>C:\link\upper&gt;npm link</a:t>
+            </a:r>
+          </a:p>
+        </p:txBody>
+      </p:sp>
+      <p:sp>
+        <p:nvSpPr>
+          <p:cNvPr id="8" name="Rectangle 7"/>
+          <p:cNvSpPr/>
+          <p:nvPr/>
+        </p:nvSpPr>
+        <p:spPr>
+          <a:xfrm>
+            <a:off x="2987824" y="1700808"/>
+            <a:ext cx="3600400" cy="864096"/>
+          </a:xfrm>
+          <a:prstGeom prst="rect">
+            <a:avLst/>
+          </a:prstGeom>
+        </p:spPr>
+        <p:style>
+          <a:lnRef idx="2">
+            <a:schemeClr val="accent1">
+              <a:shade val="50000"/>
+            </a:schemeClr>
+          </a:lnRef>
+          <a:fillRef idx="1">
+            <a:schemeClr val="accent1"/>
+          </a:fillRef>
+          <a:effectRef idx="0">
+            <a:schemeClr val="accent1"/>
+          </a:effectRef>
+          <a:fontRef idx="minor">
+            <a:schemeClr val="lt1"/>
+          </a:fontRef>
+        </p:style>
+        <p:txBody>
+          <a:bodyPr rtlCol="0" anchor="ctr"/>
+          <a:lstStyle/>
+          <a:p>
+            <a:pPr algn="ctr"/>
+            <a:r>
+              <a:rPr lang="en-US" dirty="0"/>
+              <a:t>Entering the upper folder to execute ‘</a:t>
+            </a:r>
+            <a:r>
+              <a:rPr lang="en-US" dirty="0" err="1"/>
+              <a:t>npm</a:t>
+            </a:r>
+            <a:r>
+              <a:rPr lang="en-US" dirty="0"/>
+              <a:t> link’ which will create a </a:t>
+            </a:r>
+            <a:r>
+              <a:rPr lang="en-US" dirty="0" err="1"/>
+              <a:t>symlink</a:t>
+            </a:r>
+            <a:r>
+              <a:rPr lang="en-US" dirty="0"/>
+              <a:t> to our directory</a:t>
+            </a:r>
+          </a:p>
+        </p:txBody>
+      </p:sp>
+      <p:cxnSp>
+        <p:nvCxnSpPr>
+          <p:cNvPr id="10" name="Straight Arrow Connector 9"/>
+          <p:cNvCxnSpPr/>
+          <p:nvPr/>
+        </p:nvCxnSpPr>
+        <p:spPr>
+          <a:xfrm flipH="1">
+            <a:off x="2555776" y="1916832"/>
+            <a:ext cx="432048" cy="72008"/>
+          </a:xfrm>
+          <a:prstGeom prst="straightConnector1">
+            <a:avLst/>
+          </a:prstGeom>
+          <a:ln>
+            <a:tailEnd type="triangle"/>
+          </a:ln>
+        </p:spPr>
+        <p:style>
+          <a:lnRef idx="1">
+            <a:schemeClr val="accent1"/>
+          </a:lnRef>
+          <a:fillRef idx="0">
+            <a:schemeClr val="accent1"/>
+          </a:fillRef>
+          <a:effectRef idx="0">
+            <a:schemeClr val="accent1"/>
+          </a:effectRef>
+          <a:fontRef idx="minor">
+            <a:schemeClr val="tx1"/>
+          </a:fontRef>
+        </p:style>
+      </p:cxnSp>
+      <p:sp>
+        <p:nvSpPr>
+          <p:cNvPr id="14" name="Content Placeholder 4"/>
+          <p:cNvSpPr>
+            <a:spLocks noGrp="1"/>
+          </p:cNvSpPr>
+          <p:nvPr>
+            <p:ph sz="quarter" idx="1"/>
+          </p:nvPr>
+        </p:nvSpPr>
+        <p:spPr>
+          <a:xfrm>
+            <a:off x="612648" y="3046512"/>
+            <a:ext cx="8423848" cy="3694856"/>
+          </a:xfrm>
+        </p:spPr>
+        <p:txBody>
+          <a:bodyPr/>
+          <a:lstStyle/>
+          <a:p>
+            <a:r>
+              <a:rPr lang="en-US" dirty="0" err="1"/>
+              <a:t>Symlink</a:t>
+            </a:r>
+            <a:r>
+              <a:rPr lang="en-US" dirty="0"/>
+              <a:t> or symbolic links are pointers that are written on the file system’s hard drive</a:t>
+            </a:r>
+          </a:p>
+          <a:p>
+            <a:r>
+              <a:rPr lang="en-US" dirty="0" err="1"/>
+              <a:t>Symlink</a:t>
+            </a:r>
+            <a:r>
+              <a:rPr lang="en-US" dirty="0"/>
+              <a:t> is basically  file that links to another file or directory using its path</a:t>
+            </a:r>
+          </a:p>
+          <a:p>
+            <a:r>
+              <a:rPr lang="en-US" dirty="0"/>
+              <a:t>a symbolic link can link to any file or directory on any computer</a:t>
+            </a:r>
+          </a:p>
+        </p:txBody>
+      </p:sp>
+    </p:spTree>
+    <p:extLst>
+      <p:ext uri="{BB962C8B-B14F-4D97-AF65-F5344CB8AC3E}">
+        <p14:creationId xmlns:p14="http://schemas.microsoft.com/office/powerpoint/2010/main" val="3139580582"/>
+      </p:ext>
+    </p:extLst>
+  </p:cSld>
+  <p:clrMapOvr>
+    <a:masterClrMapping/>
+  </p:clrMapOvr>
+</p:sld>
+</file>
+
+<file path=ppt/slides/slide17.xml><?xml version="1.0" encoding="utf-8"?>
+<p:sld xmlns:a="http://schemas.openxmlformats.org/drawingml/2006/main" xmlns:r="http://schemas.openxmlformats.org/officeDocument/2006/relationships" xmlns:p="http://schemas.openxmlformats.org/presentationml/2006/main">
+  <p:cSld>
+    <p:spTree>
+      <p:nvGrpSpPr>
+        <p:cNvPr id="1" name=""/>
+        <p:cNvGrpSpPr/>
+        <p:nvPr/>
+      </p:nvGrpSpPr>
+      <p:grpSpPr>
+        <a:xfrm>
+          <a:off x="0" y="0"/>
+          <a:ext cx="0" cy="0"/>
+          <a:chOff x="0" y="0"/>
+          <a:chExt cx="0" cy="0"/>
+        </a:xfrm>
+      </p:grpSpPr>
+      <p:sp>
+        <p:nvSpPr>
+          <p:cNvPr id="2" name="Title 1"/>
+          <p:cNvSpPr>
+            <a:spLocks noGrp="1"/>
+          </p:cNvSpPr>
+          <p:nvPr>
+            <p:ph type="title"/>
+          </p:nvPr>
+        </p:nvSpPr>
+        <p:spPr/>
+        <p:txBody>
+          <a:bodyPr/>
+          <a:lstStyle/>
+          <a:p>
+            <a:r>
+              <a:rPr lang="en-US" dirty="0"/>
+              <a:t>NPM link</a:t>
+            </a:r>
+          </a:p>
+        </p:txBody>
+      </p:sp>
+      <p:sp>
+        <p:nvSpPr>
+          <p:cNvPr id="3" name="Footer Placeholder 2"/>
+          <p:cNvSpPr>
+            <a:spLocks noGrp="1"/>
+          </p:cNvSpPr>
+          <p:nvPr>
+            <p:ph type="ftr" sz="quarter" idx="11"/>
+          </p:nvPr>
+        </p:nvSpPr>
+        <p:spPr/>
+        <p:txBody>
+          <a:bodyPr/>
+          <a:lstStyle/>
+          <a:p>
+            <a:r>
+              <a:rPr lang="en-US" dirty="0"/>
+              <a:t>© 2017 Ori </a:t>
+            </a:r>
+            <a:r>
+              <a:rPr lang="en-US" dirty="0" err="1"/>
+              <a:t>Calvo</a:t>
+            </a:r>
+            <a:endParaRPr lang="en-US" dirty="0"/>
+          </a:p>
+        </p:txBody>
+      </p:sp>
+      <p:sp>
+        <p:nvSpPr>
+          <p:cNvPr id="4" name="Slide Number Placeholder 3"/>
+          <p:cNvSpPr>
+            <a:spLocks noGrp="1"/>
+          </p:cNvSpPr>
+          <p:nvPr>
+            <p:ph type="sldNum" sz="quarter" idx="12"/>
+          </p:nvPr>
+        </p:nvSpPr>
+        <p:spPr/>
+        <p:txBody>
+          <a:bodyPr>
+            <a:normAutofit fontScale="85000" lnSpcReduction="20000"/>
+          </a:bodyPr>
+          <a:lstStyle/>
+          <a:p>
+            <a:fld id="{6EDEC3BC-0694-4586-AE63-02B4D54ABF43}" type="slidenum">
+              <a:rPr lang="en-US" smtClean="0"/>
+              <a:pPr/>
+              <a:t>17</a:t>
+            </a:fld>
+            <a:endParaRPr lang="en-US"/>
+          </a:p>
+        </p:txBody>
+      </p:sp>
+      <p:sp>
+        <p:nvSpPr>
+          <p:cNvPr id="6" name="Rectangle 5"/>
+          <p:cNvSpPr/>
+          <p:nvPr/>
+        </p:nvSpPr>
+        <p:spPr>
+          <a:xfrm>
+            <a:off x="0" y="1772816"/>
+            <a:ext cx="7761684" cy="369332"/>
+          </a:xfrm>
+          <a:prstGeom prst="rect">
+            <a:avLst/>
+          </a:prstGeom>
+        </p:spPr>
+        <p:txBody>
+          <a:bodyPr wrap="square">
+            <a:spAutoFit/>
+          </a:bodyPr>
+          <a:lstStyle/>
+          <a:p>
+            <a:r>
+              <a:rPr lang="sv-SE" dirty="0"/>
+              <a:t>C:\**\**\**\**\**\node_modules\upper -&gt; C:\ori calvo\npm\link\upper</a:t>
+            </a:r>
+            <a:endParaRPr lang="en-US" dirty="0"/>
+          </a:p>
+        </p:txBody>
+      </p:sp>
+      <p:sp>
+        <p:nvSpPr>
+          <p:cNvPr id="7" name="Rectangle 6"/>
+          <p:cNvSpPr/>
+          <p:nvPr/>
+        </p:nvSpPr>
+        <p:spPr>
+          <a:xfrm>
+            <a:off x="3725488" y="2511480"/>
+            <a:ext cx="5040560" cy="1080120"/>
+          </a:xfrm>
+          <a:prstGeom prst="rect">
+            <a:avLst/>
+          </a:prstGeom>
+        </p:spPr>
+        <p:style>
+          <a:lnRef idx="2">
+            <a:schemeClr val="accent1">
+              <a:shade val="50000"/>
+            </a:schemeClr>
+          </a:lnRef>
+          <a:fillRef idx="1">
+            <a:schemeClr val="accent1"/>
+          </a:fillRef>
+          <a:effectRef idx="0">
+            <a:schemeClr val="accent1"/>
+          </a:effectRef>
+          <a:fontRef idx="minor">
+            <a:schemeClr val="lt1"/>
+          </a:fontRef>
+        </p:style>
+        <p:txBody>
+          <a:bodyPr rtlCol="0" anchor="ctr"/>
+          <a:lstStyle/>
+          <a:p>
+            <a:pPr algn="ctr"/>
+            <a:r>
+              <a:rPr lang="en-US" dirty="0"/>
+              <a:t>After running the </a:t>
+            </a:r>
+            <a:r>
+              <a:rPr lang="en-US" dirty="0" err="1"/>
+              <a:t>npm</a:t>
+            </a:r>
+            <a:r>
+              <a:rPr lang="en-US" dirty="0"/>
+              <a:t> link in the in the </a:t>
+            </a:r>
+            <a:r>
+              <a:rPr lang="en-US" dirty="0" err="1"/>
+              <a:t>cmd</a:t>
+            </a:r>
+            <a:r>
+              <a:rPr lang="en-US" dirty="0"/>
+              <a:t> it created a </a:t>
+            </a:r>
+            <a:r>
+              <a:rPr lang="en-US" dirty="0" err="1"/>
+              <a:t>symlink</a:t>
+            </a:r>
+            <a:r>
+              <a:rPr lang="en-US" dirty="0"/>
+              <a:t> upper module has a </a:t>
+            </a:r>
+            <a:r>
+              <a:rPr lang="en-US" dirty="0" err="1"/>
+              <a:t>symlink</a:t>
+            </a:r>
+            <a:r>
+              <a:rPr lang="en-US" dirty="0"/>
+              <a:t> to our upper folder</a:t>
+            </a:r>
+          </a:p>
+        </p:txBody>
+      </p:sp>
+      <p:cxnSp>
+        <p:nvCxnSpPr>
+          <p:cNvPr id="9" name="Straight Arrow Connector 8"/>
+          <p:cNvCxnSpPr>
+            <a:cxnSpLocks/>
+          </p:cNvCxnSpPr>
+          <p:nvPr/>
+        </p:nvCxnSpPr>
+        <p:spPr>
+          <a:xfrm flipH="1" flipV="1">
+            <a:off x="3635896" y="2142148"/>
+            <a:ext cx="576064" cy="350748"/>
+          </a:xfrm>
+          <a:prstGeom prst="straightConnector1">
+            <a:avLst/>
+          </a:prstGeom>
+          <a:ln>
+            <a:tailEnd type="triangle"/>
+          </a:ln>
+        </p:spPr>
+        <p:style>
+          <a:lnRef idx="1">
+            <a:schemeClr val="accent1"/>
+          </a:lnRef>
+          <a:fillRef idx="0">
+            <a:schemeClr val="accent1"/>
+          </a:fillRef>
+          <a:effectRef idx="0">
+            <a:schemeClr val="accent1"/>
+          </a:effectRef>
+          <a:fontRef idx="minor">
+            <a:schemeClr val="tx1"/>
+          </a:fontRef>
+        </p:style>
+      </p:cxnSp>
+      <p:sp>
+        <p:nvSpPr>
+          <p:cNvPr id="16" name="Content Placeholder 4"/>
+          <p:cNvSpPr>
+            <a:spLocks noGrp="1"/>
+          </p:cNvSpPr>
+          <p:nvPr>
+            <p:ph sz="quarter" idx="1"/>
+          </p:nvPr>
+        </p:nvSpPr>
+        <p:spPr>
+          <a:xfrm>
+            <a:off x="533400" y="4171812"/>
+            <a:ext cx="8423848" cy="2425540"/>
+          </a:xfrm>
+        </p:spPr>
+        <p:txBody>
+          <a:bodyPr/>
+          <a:lstStyle/>
+          <a:p>
+            <a:r>
+              <a:rPr lang="en-US" dirty="0"/>
+              <a:t>After creating the </a:t>
+            </a:r>
+            <a:r>
+              <a:rPr lang="en-US" dirty="0" err="1"/>
+              <a:t>symlink</a:t>
+            </a:r>
+            <a:r>
+              <a:rPr lang="en-US" dirty="0"/>
+              <a:t> we want to execute our module where the index.js is</a:t>
+            </a:r>
+          </a:p>
+          <a:p>
+            <a:r>
+              <a:rPr lang="en-US" dirty="0" err="1"/>
+              <a:t>Npm</a:t>
+            </a:r>
+            <a:r>
+              <a:rPr lang="en-US" dirty="0"/>
+              <a:t> link upper command will create an upper module in our target folder which is linked to the </a:t>
+            </a:r>
+            <a:r>
+              <a:rPr lang="en-US" dirty="0" err="1"/>
+              <a:t>symlink</a:t>
+            </a:r>
+            <a:r>
+              <a:rPr lang="en-US" dirty="0"/>
+              <a:t> directory which is link to the upper folder</a:t>
+            </a:r>
+          </a:p>
+        </p:txBody>
+      </p:sp>
+      <p:sp>
+        <p:nvSpPr>
+          <p:cNvPr id="17" name="Rectangle 16"/>
+          <p:cNvSpPr/>
+          <p:nvPr/>
+        </p:nvSpPr>
+        <p:spPr>
+          <a:xfrm>
+            <a:off x="791580" y="2537216"/>
+            <a:ext cx="2088232" cy="333212"/>
+          </a:xfrm>
+          <a:prstGeom prst="rect">
+            <a:avLst/>
+          </a:prstGeom>
+        </p:spPr>
+        <p:style>
+          <a:lnRef idx="2">
+            <a:schemeClr val="accent1">
+              <a:shade val="50000"/>
+            </a:schemeClr>
+          </a:lnRef>
+          <a:fillRef idx="1">
+            <a:schemeClr val="accent1"/>
+          </a:fillRef>
+          <a:effectRef idx="0">
+            <a:schemeClr val="accent1"/>
+          </a:effectRef>
+          <a:fontRef idx="minor">
+            <a:schemeClr val="lt1"/>
+          </a:fontRef>
+        </p:style>
+        <p:txBody>
+          <a:bodyPr rtlCol="0" anchor="ctr"/>
+          <a:lstStyle/>
+          <a:p>
+            <a:pPr algn="ctr"/>
+            <a:r>
+              <a:rPr lang="en-US" dirty="0"/>
+              <a:t>The </a:t>
+            </a:r>
+            <a:r>
+              <a:rPr lang="en-US" dirty="0" err="1"/>
+              <a:t>symlink</a:t>
+            </a:r>
+            <a:r>
+              <a:rPr lang="en-US" dirty="0"/>
+              <a:t> path</a:t>
+            </a:r>
+          </a:p>
+        </p:txBody>
+      </p:sp>
+      <p:cxnSp>
+        <p:nvCxnSpPr>
+          <p:cNvPr id="19" name="Straight Arrow Connector 18"/>
+          <p:cNvCxnSpPr>
+            <a:cxnSpLocks/>
+          </p:cNvCxnSpPr>
+          <p:nvPr/>
+        </p:nvCxnSpPr>
+        <p:spPr>
+          <a:xfrm flipV="1">
+            <a:off x="1835696" y="2204864"/>
+            <a:ext cx="0" cy="360040"/>
+          </a:xfrm>
+          <a:prstGeom prst="straightConnector1">
+            <a:avLst/>
+          </a:prstGeom>
+          <a:ln>
+            <a:tailEnd type="triangle"/>
+          </a:ln>
+        </p:spPr>
+        <p:style>
+          <a:lnRef idx="1">
+            <a:schemeClr val="accent1"/>
+          </a:lnRef>
+          <a:fillRef idx="0">
+            <a:schemeClr val="accent1"/>
+          </a:fillRef>
+          <a:effectRef idx="0">
+            <a:schemeClr val="accent1"/>
+          </a:effectRef>
+          <a:fontRef idx="minor">
+            <a:schemeClr val="tx1"/>
+          </a:fontRef>
+        </p:style>
+      </p:cxnSp>
+    </p:spTree>
+    <p:extLst>
+      <p:ext uri="{BB962C8B-B14F-4D97-AF65-F5344CB8AC3E}">
+        <p14:creationId xmlns:p14="http://schemas.microsoft.com/office/powerpoint/2010/main" val="3156457880"/>
+      </p:ext>
+    </p:extLst>
+  </p:cSld>
+  <p:clrMapOvr>
+    <a:masterClrMapping/>
+  </p:clrMapOvr>
+</p:sld>
+</file>
+
+<file path=ppt/slides/slide18.xml><?xml version="1.0" encoding="utf-8"?>
+<p:sld xmlns:a="http://schemas.openxmlformats.org/drawingml/2006/main" xmlns:r="http://schemas.openxmlformats.org/officeDocument/2006/relationships" xmlns:p="http://schemas.openxmlformats.org/presentationml/2006/main">
+  <p:cSld>
+    <p:spTree>
+      <p:nvGrpSpPr>
+        <p:cNvPr id="1" name=""/>
+        <p:cNvGrpSpPr/>
+        <p:nvPr/>
+      </p:nvGrpSpPr>
+      <p:grpSpPr>
+        <a:xfrm>
+          <a:off x="0" y="0"/>
+          <a:ext cx="0" cy="0"/>
+          <a:chOff x="0" y="0"/>
+          <a:chExt cx="0" cy="0"/>
+        </a:xfrm>
+      </p:grpSpPr>
+      <p:sp>
+        <p:nvSpPr>
+          <p:cNvPr id="2" name="Title 1"/>
+          <p:cNvSpPr>
+            <a:spLocks noGrp="1"/>
+          </p:cNvSpPr>
+          <p:nvPr>
+            <p:ph type="title"/>
+          </p:nvPr>
+        </p:nvSpPr>
+        <p:spPr/>
+        <p:txBody>
+          <a:bodyPr/>
+          <a:lstStyle/>
+          <a:p>
+            <a:r>
+              <a:rPr lang="en-US" dirty="0"/>
+              <a:t>NPM link</a:t>
+            </a:r>
+          </a:p>
+        </p:txBody>
+      </p:sp>
+      <p:sp>
+        <p:nvSpPr>
+          <p:cNvPr id="3" name="Footer Placeholder 2"/>
+          <p:cNvSpPr>
+            <a:spLocks noGrp="1"/>
+          </p:cNvSpPr>
+          <p:nvPr>
+            <p:ph type="ftr" sz="quarter" idx="11"/>
+          </p:nvPr>
+        </p:nvSpPr>
+        <p:spPr/>
+        <p:txBody>
+          <a:bodyPr/>
+          <a:lstStyle/>
+          <a:p>
+            <a:r>
+              <a:rPr lang="en-US" dirty="0"/>
+              <a:t>© 2017 Ori </a:t>
+            </a:r>
+            <a:r>
+              <a:rPr lang="en-US" dirty="0" err="1"/>
+              <a:t>Calvo</a:t>
+            </a:r>
+            <a:endParaRPr lang="en-US" dirty="0"/>
+          </a:p>
+        </p:txBody>
+      </p:sp>
+      <p:sp>
+        <p:nvSpPr>
+          <p:cNvPr id="4" name="Slide Number Placeholder 3"/>
+          <p:cNvSpPr>
+            <a:spLocks noGrp="1"/>
+          </p:cNvSpPr>
+          <p:nvPr>
+            <p:ph type="sldNum" sz="quarter" idx="12"/>
+          </p:nvPr>
+        </p:nvSpPr>
+        <p:spPr/>
+        <p:txBody>
+          <a:bodyPr>
+            <a:normAutofit fontScale="85000" lnSpcReduction="20000"/>
+          </a:bodyPr>
+          <a:lstStyle/>
+          <a:p>
+            <a:fld id="{6EDEC3BC-0694-4586-AE63-02B4D54ABF43}" type="slidenum">
+              <a:rPr lang="en-US" smtClean="0"/>
+              <a:pPr/>
+              <a:t>18</a:t>
+            </a:fld>
+            <a:endParaRPr lang="en-US"/>
+          </a:p>
+        </p:txBody>
+      </p:sp>
+      <p:sp>
+        <p:nvSpPr>
+          <p:cNvPr id="6" name="Rectangle 5"/>
+          <p:cNvSpPr/>
+          <p:nvPr/>
+        </p:nvSpPr>
+        <p:spPr>
+          <a:xfrm>
+            <a:off x="35496" y="2276872"/>
+            <a:ext cx="8928992" cy="461665"/>
+          </a:xfrm>
+          <a:prstGeom prst="rect">
+            <a:avLst/>
+          </a:prstGeom>
+        </p:spPr>
+        <p:txBody>
+          <a:bodyPr wrap="square">
+            <a:spAutoFit/>
+          </a:bodyPr>
+          <a:lstStyle/>
+          <a:p>
+            <a:r>
+              <a:rPr lang="en-US" sz="1200" b="1" dirty="0"/>
+              <a:t>C:\ori </a:t>
+            </a:r>
+            <a:r>
+              <a:rPr lang="en-US" sz="1200" b="1" dirty="0" err="1"/>
+              <a:t>calvo</a:t>
+            </a:r>
+            <a:r>
+              <a:rPr lang="en-US" sz="1200" b="1" dirty="0"/>
+              <a:t>\</a:t>
+            </a:r>
+            <a:r>
+              <a:rPr lang="en-US" sz="1200" b="1" dirty="0" err="1"/>
+              <a:t>npm</a:t>
+            </a:r>
+            <a:r>
+              <a:rPr lang="en-US" sz="1200" b="1" dirty="0"/>
+              <a:t>\link&gt;</a:t>
+            </a:r>
+            <a:r>
+              <a:rPr lang="en-US" sz="1200" b="1" dirty="0" err="1"/>
+              <a:t>npm</a:t>
+            </a:r>
+            <a:r>
+              <a:rPr lang="en-US" sz="1200" b="1" dirty="0"/>
+              <a:t> link upper</a:t>
+            </a:r>
+          </a:p>
+          <a:p>
+            <a:r>
+              <a:rPr lang="en-US" sz="1200" b="1" dirty="0"/>
+              <a:t>C:\ori </a:t>
+            </a:r>
+            <a:r>
+              <a:rPr lang="en-US" sz="1200" b="1" dirty="0" err="1"/>
+              <a:t>calvo</a:t>
+            </a:r>
+            <a:r>
+              <a:rPr lang="en-US" sz="1200" b="1" dirty="0"/>
+              <a:t>\</a:t>
+            </a:r>
+            <a:r>
+              <a:rPr lang="en-US" sz="1200" b="1" dirty="0" err="1"/>
+              <a:t>npm</a:t>
+            </a:r>
+            <a:r>
+              <a:rPr lang="en-US" sz="1200" b="1" dirty="0"/>
+              <a:t>\link\node_modules\upper -&gt; C:\**\**\**\**\npm\node_modules\upper -&gt; C:\ori </a:t>
+            </a:r>
+            <a:r>
+              <a:rPr lang="en-US" sz="1200" b="1" dirty="0" err="1"/>
+              <a:t>calvo</a:t>
+            </a:r>
+            <a:r>
+              <a:rPr lang="en-US" sz="1200" b="1" dirty="0"/>
+              <a:t>\</a:t>
+            </a:r>
+            <a:r>
+              <a:rPr lang="en-US" sz="1200" b="1" dirty="0" err="1"/>
+              <a:t>npm</a:t>
+            </a:r>
+            <a:r>
+              <a:rPr lang="en-US" sz="1200" b="1" dirty="0"/>
+              <a:t>\link\upper</a:t>
+            </a:r>
+          </a:p>
+        </p:txBody>
+      </p:sp>
+      <p:sp>
+        <p:nvSpPr>
+          <p:cNvPr id="7" name="TextBox 6"/>
+          <p:cNvSpPr txBox="1"/>
+          <p:nvPr/>
+        </p:nvSpPr>
+        <p:spPr>
+          <a:xfrm>
+            <a:off x="266700" y="1906323"/>
+            <a:ext cx="2793132" cy="369332"/>
+          </a:xfrm>
+          <a:prstGeom prst="rect">
+            <a:avLst/>
+          </a:prstGeom>
+          <a:noFill/>
+        </p:spPr>
+        <p:txBody>
+          <a:bodyPr wrap="square" rtlCol="0">
+            <a:spAutoFit/>
+          </a:bodyPr>
+          <a:lstStyle/>
+          <a:p>
+            <a:pPr algn="ctr"/>
+            <a:r>
+              <a:rPr lang="en-US" b="1" u="sng" dirty="0"/>
+              <a:t>Command-line</a:t>
+            </a:r>
+          </a:p>
+        </p:txBody>
+      </p:sp>
+      <p:sp>
+        <p:nvSpPr>
+          <p:cNvPr id="8" name="Rectangle 7"/>
+          <p:cNvSpPr/>
+          <p:nvPr/>
+        </p:nvSpPr>
+        <p:spPr>
+          <a:xfrm>
+            <a:off x="755576" y="3068960"/>
+            <a:ext cx="7596336" cy="936104"/>
+          </a:xfrm>
+          <a:prstGeom prst="rect">
+            <a:avLst/>
+          </a:prstGeom>
+        </p:spPr>
+        <p:style>
+          <a:lnRef idx="2">
+            <a:schemeClr val="accent1">
+              <a:shade val="50000"/>
+            </a:schemeClr>
+          </a:lnRef>
+          <a:fillRef idx="1">
+            <a:schemeClr val="accent1"/>
+          </a:fillRef>
+          <a:effectRef idx="0">
+            <a:schemeClr val="accent1"/>
+          </a:effectRef>
+          <a:fontRef idx="minor">
+            <a:schemeClr val="lt1"/>
+          </a:fontRef>
+        </p:style>
+        <p:txBody>
+          <a:bodyPr rtlCol="0" anchor="ctr"/>
+          <a:lstStyle/>
+          <a:p>
+            <a:r>
+              <a:rPr lang="en-US" dirty="0"/>
+              <a:t>Upper module in the target folder linked to the </a:t>
+            </a:r>
+            <a:r>
+              <a:rPr lang="en-US" dirty="0" err="1"/>
+              <a:t>symlink</a:t>
+            </a:r>
+            <a:r>
+              <a:rPr lang="en-US" dirty="0"/>
+              <a:t> path which is linked to the upper module folder in the application</a:t>
+            </a:r>
+          </a:p>
+        </p:txBody>
+      </p:sp>
+      <p:cxnSp>
+        <p:nvCxnSpPr>
+          <p:cNvPr id="10" name="Straight Arrow Connector 9"/>
+          <p:cNvCxnSpPr/>
+          <p:nvPr/>
+        </p:nvCxnSpPr>
+        <p:spPr>
+          <a:xfrm flipH="1" flipV="1">
+            <a:off x="2267744" y="2738537"/>
+            <a:ext cx="864096" cy="392410"/>
+          </a:xfrm>
+          <a:prstGeom prst="straightConnector1">
+            <a:avLst/>
+          </a:prstGeom>
+          <a:ln>
+            <a:tailEnd type="triangle"/>
+          </a:ln>
+        </p:spPr>
+        <p:style>
+          <a:lnRef idx="1">
+            <a:schemeClr val="accent1"/>
+          </a:lnRef>
+          <a:fillRef idx="0">
+            <a:schemeClr val="accent1"/>
+          </a:fillRef>
+          <a:effectRef idx="0">
+            <a:schemeClr val="accent1"/>
+          </a:effectRef>
+          <a:fontRef idx="minor">
+            <a:schemeClr val="tx1"/>
+          </a:fontRef>
+        </p:style>
+      </p:cxnSp>
+      <p:cxnSp>
+        <p:nvCxnSpPr>
+          <p:cNvPr id="12" name="Straight Arrow Connector 11"/>
+          <p:cNvCxnSpPr>
+            <a:endCxn id="6" idx="2"/>
+          </p:cNvCxnSpPr>
+          <p:nvPr/>
+        </p:nvCxnSpPr>
+        <p:spPr>
+          <a:xfrm flipV="1">
+            <a:off x="4427984" y="2738537"/>
+            <a:ext cx="72008" cy="330423"/>
+          </a:xfrm>
+          <a:prstGeom prst="straightConnector1">
+            <a:avLst/>
+          </a:prstGeom>
+          <a:ln>
+            <a:tailEnd type="triangle"/>
+          </a:ln>
+        </p:spPr>
+        <p:style>
+          <a:lnRef idx="1">
+            <a:schemeClr val="accent1"/>
+          </a:lnRef>
+          <a:fillRef idx="0">
+            <a:schemeClr val="accent1"/>
+          </a:fillRef>
+          <a:effectRef idx="0">
+            <a:schemeClr val="accent1"/>
+          </a:effectRef>
+          <a:fontRef idx="minor">
+            <a:schemeClr val="tx1"/>
+          </a:fontRef>
+        </p:style>
+      </p:cxnSp>
+      <p:cxnSp>
+        <p:nvCxnSpPr>
+          <p:cNvPr id="14" name="Straight Arrow Connector 13"/>
+          <p:cNvCxnSpPr/>
+          <p:nvPr/>
+        </p:nvCxnSpPr>
+        <p:spPr>
+          <a:xfrm flipV="1">
+            <a:off x="6228184" y="2738537"/>
+            <a:ext cx="288032" cy="330423"/>
+          </a:xfrm>
+          <a:prstGeom prst="straightConnector1">
+            <a:avLst/>
+          </a:prstGeom>
+          <a:ln>
+            <a:tailEnd type="triangle"/>
+          </a:ln>
+        </p:spPr>
+        <p:style>
+          <a:lnRef idx="1">
+            <a:schemeClr val="accent1"/>
+          </a:lnRef>
+          <a:fillRef idx="0">
+            <a:schemeClr val="accent1"/>
+          </a:fillRef>
+          <a:effectRef idx="0">
+            <a:schemeClr val="accent1"/>
+          </a:effectRef>
+          <a:fontRef idx="minor">
+            <a:schemeClr val="tx1"/>
+          </a:fontRef>
+        </p:style>
+      </p:cxnSp>
+      <p:sp>
+        <p:nvSpPr>
+          <p:cNvPr id="15" name="Content Placeholder 4"/>
+          <p:cNvSpPr>
+            <a:spLocks noGrp="1"/>
+          </p:cNvSpPr>
+          <p:nvPr>
+            <p:ph sz="quarter" idx="1"/>
+          </p:nvPr>
+        </p:nvSpPr>
+        <p:spPr>
+          <a:xfrm>
+            <a:off x="533400" y="4171812"/>
+            <a:ext cx="8423848" cy="2425540"/>
+          </a:xfrm>
+        </p:spPr>
+        <p:txBody>
+          <a:bodyPr/>
+          <a:lstStyle/>
+          <a:p>
+            <a:r>
+              <a:rPr lang="en-US" dirty="0"/>
+              <a:t>Finally, index.js will be able to execute because the upper module is recognized</a:t>
+            </a:r>
+          </a:p>
+          <a:p>
+            <a:r>
+              <a:rPr lang="en-US" dirty="0"/>
+              <a:t>When publishing, it is best practice to run the </a:t>
+            </a:r>
+            <a:r>
+              <a:rPr lang="en-US" dirty="0" err="1"/>
+              <a:t>npm</a:t>
+            </a:r>
+            <a:r>
+              <a:rPr lang="en-US" dirty="0"/>
+              <a:t> unlink upper to delete the </a:t>
+            </a:r>
+            <a:r>
+              <a:rPr lang="en-US" dirty="0" err="1"/>
+              <a:t>symlink</a:t>
+            </a:r>
+            <a:endParaRPr lang="en-US" dirty="0"/>
+          </a:p>
+        </p:txBody>
+      </p:sp>
+    </p:spTree>
+    <p:extLst>
+      <p:ext uri="{BB962C8B-B14F-4D97-AF65-F5344CB8AC3E}">
+        <p14:creationId xmlns:p14="http://schemas.microsoft.com/office/powerpoint/2010/main" val="3942827535"/>
+      </p:ext>
+    </p:extLst>
+  </p:cSld>
+  <p:clrMapOvr>
+    <a:masterClrMapping/>
+  </p:clrMapOvr>
+</p:sld>
+</file>
+
+<file path=ppt/slides/slide19.xml><?xml version="1.0" encoding="utf-8"?>
+<p:sld xmlns:a="http://schemas.openxmlformats.org/drawingml/2006/main" xmlns:r="http://schemas.openxmlformats.org/officeDocument/2006/relationships" xmlns:p="http://schemas.openxmlformats.org/presentationml/2006/main">
+  <p:cSld>
+    <p:spTree>
+      <p:nvGrpSpPr>
+        <p:cNvPr id="1" name=""/>
+        <p:cNvGrpSpPr/>
+        <p:nvPr/>
+      </p:nvGrpSpPr>
+      <p:grpSpPr>
+        <a:xfrm>
+          <a:off x="0" y="0"/>
+          <a:ext cx="0" cy="0"/>
+          <a:chOff x="0" y="0"/>
+          <a:chExt cx="0" cy="0"/>
+        </a:xfrm>
+      </p:grpSpPr>
+      <p:sp>
+        <p:nvSpPr>
+          <p:cNvPr id="2" name="Title 1"/>
+          <p:cNvSpPr>
+            <a:spLocks noGrp="1"/>
+          </p:cNvSpPr>
+          <p:nvPr>
+            <p:ph type="title"/>
+          </p:nvPr>
+        </p:nvSpPr>
+        <p:spPr/>
+        <p:txBody>
+          <a:bodyPr/>
+          <a:lstStyle/>
+          <a:p>
+            <a:r>
+              <a:rPr lang="en-US" dirty="0"/>
+              <a:t>Publish an </a:t>
+            </a:r>
+            <a:r>
+              <a:rPr lang="en-US" dirty="0" err="1"/>
+              <a:t>npm</a:t>
+            </a:r>
+            <a:r>
+              <a:rPr lang="en-US" dirty="0"/>
+              <a:t> package</a:t>
+            </a:r>
+          </a:p>
+        </p:txBody>
+      </p:sp>
+      <p:sp>
+        <p:nvSpPr>
+          <p:cNvPr id="3" name="Footer Placeholder 2"/>
+          <p:cNvSpPr>
+            <a:spLocks noGrp="1"/>
+          </p:cNvSpPr>
+          <p:nvPr>
+            <p:ph type="ftr" sz="quarter" idx="11"/>
+          </p:nvPr>
+        </p:nvSpPr>
+        <p:spPr/>
+        <p:txBody>
+          <a:bodyPr/>
+          <a:lstStyle/>
+          <a:p>
+            <a:r>
+              <a:rPr lang="en-US" dirty="0"/>
+              <a:t>© 2017 Ori </a:t>
+            </a:r>
+            <a:r>
+              <a:rPr lang="en-US" dirty="0" err="1"/>
+              <a:t>Calvo</a:t>
+            </a:r>
+            <a:endParaRPr lang="en-US" dirty="0"/>
+          </a:p>
+        </p:txBody>
+      </p:sp>
+      <p:sp>
+        <p:nvSpPr>
+          <p:cNvPr id="4" name="Slide Number Placeholder 3"/>
+          <p:cNvSpPr>
+            <a:spLocks noGrp="1"/>
+          </p:cNvSpPr>
+          <p:nvPr>
+            <p:ph type="sldNum" sz="quarter" idx="12"/>
+          </p:nvPr>
+        </p:nvSpPr>
+        <p:spPr/>
+        <p:txBody>
+          <a:bodyPr>
+            <a:normAutofit fontScale="85000" lnSpcReduction="20000"/>
+          </a:bodyPr>
+          <a:lstStyle/>
+          <a:p>
+            <a:fld id="{6EDEC3BC-0694-4586-AE63-02B4D54ABF43}" type="slidenum">
+              <a:rPr lang="en-US" smtClean="0"/>
+              <a:pPr/>
+              <a:t>19</a:t>
+            </a:fld>
+            <a:endParaRPr lang="en-US"/>
+          </a:p>
+        </p:txBody>
+      </p:sp>
+      <p:sp>
+        <p:nvSpPr>
           <p:cNvPr id="5" name="Content Placeholder 4"/>
           <p:cNvSpPr>
             <a:spLocks noGrp="1"/>
@@ -6487,7 +9509,7 @@
         <p:spPr>
           <a:xfrm>
             <a:off x="612648" y="1600200"/>
-            <a:ext cx="8153400" cy="5069160"/>
+            <a:ext cx="8153400" cy="5213176"/>
           </a:xfrm>
         </p:spPr>
         <p:txBody>
@@ -6495,37 +9517,88 @@
           <a:lstStyle/>
           <a:p>
             <a:r>
-              <a:rPr lang="en-US" dirty="0"/>
-              <a:t>yarn why [package name]- command will identify why the specific package is installed according to its dependencies</a:t>
-            </a:r>
-          </a:p>
-          <a:p>
-            <a:r>
-              <a:rPr lang="en-US" dirty="0"/>
-              <a:t>Yarn check – verifies that the dependencies versions of the </a:t>
-            </a:r>
-            <a:r>
               <a:rPr lang="en-US" dirty="0" err="1"/>
-              <a:t>package.json</a:t>
-            </a:r>
-            <a:r>
-              <a:rPr lang="en-US" dirty="0"/>
-              <a:t> are the same as the </a:t>
+              <a:t>Npm</a:t>
+            </a:r>
+            <a:r>
+              <a:rPr lang="en-US" dirty="0"/>
+              <a:t> lets you publish your code to assist others developers and vise versa</a:t>
+            </a:r>
+          </a:p>
+          <a:p>
+            <a:r>
+              <a:rPr lang="en-US" dirty="0"/>
+              <a:t>1st step is to create a user by type ‘</a:t>
             </a:r>
             <a:r>
               <a:rPr lang="en-US" dirty="0" err="1"/>
-              <a:t>yarn.lock</a:t>
-            </a:r>
-            <a:r>
-              <a:rPr lang="en-US" dirty="0"/>
-              <a:t> file</a:t>
-            </a:r>
-            <a:endParaRPr lang="he-IL" dirty="0"/>
-          </a:p>
-          <a:p>
-            <a:r>
-              <a:rPr lang="en-US" dirty="0"/>
-              <a:t>Yarn clean – when executing, yarn will remove unnecessary folder and files from the dependencies</a:t>
+              <a:t>npm</a:t>
+            </a:r>
+            <a:r>
+              <a:rPr lang="en-US" dirty="0"/>
+              <a:t> login’</a:t>
+            </a:r>
+          </a:p>
+          <a:p>
+            <a:r>
+              <a:rPr lang="en-US" dirty="0"/>
+              <a:t>2st is to create a package.json by typing ‘</a:t>
+            </a:r>
+            <a:r>
+              <a:rPr lang="en-US" dirty="0" err="1"/>
+              <a:t>npm</a:t>
+            </a:r>
+            <a:r>
+              <a:rPr lang="en-US" dirty="0"/>
+              <a:t> </a:t>
+            </a:r>
+            <a:r>
+              <a:rPr lang="en-US" dirty="0" err="1"/>
+              <a:t>init</a:t>
+            </a:r>
+            <a:r>
+              <a:rPr lang="en-US" dirty="0"/>
+              <a:t>’ which will ask several crucial questions that should be answered</a:t>
+            </a:r>
+          </a:p>
+          <a:p>
+            <a:r>
+              <a:rPr lang="en-US" dirty="0"/>
+              <a:t>3st create the </a:t>
+            </a:r>
+            <a:r>
+              <a:rPr lang="en-US" dirty="0" err="1"/>
+              <a:t>npm</a:t>
+            </a:r>
+            <a:r>
+              <a:rPr lang="en-US" dirty="0"/>
+              <a:t> module which is a </a:t>
+            </a:r>
+            <a:r>
+              <a:rPr lang="en-US" dirty="0" err="1"/>
+              <a:t>javascript</a:t>
+            </a:r>
+            <a:r>
+              <a:rPr lang="en-US" dirty="0"/>
+              <a:t> file followed by the </a:t>
+            </a:r>
+            <a:r>
+              <a:rPr lang="en-US" dirty="0" err="1"/>
+              <a:t>CommonJS</a:t>
+            </a:r>
+            <a:r>
+              <a:rPr lang="en-US" dirty="0"/>
+              <a:t> module spec(</a:t>
+            </a:r>
+            <a:r>
+              <a:rPr lang="en-US" dirty="0">
+                <a:hlinkClick r:id="rId2"/>
+              </a:rPr>
+              <a:t>http://wiki.commonjs.org/wiki/Modules/1.1</a:t>
+            </a:r>
+            <a:r>
+              <a:rPr lang="en-US" dirty="0"/>
+              <a:t>)</a:t>
             </a:r>
           </a:p>
         </p:txBody>
@@ -6533,7 +9606,7 @@
     </p:spTree>
     <p:extLst>
       <p:ext uri="{BB962C8B-B14F-4D97-AF65-F5344CB8AC3E}">
-        <p14:creationId xmlns:p14="http://schemas.microsoft.com/office/powerpoint/2010/main" val="1077205450"/>
+        <p14:creationId xmlns:p14="http://schemas.microsoft.com/office/powerpoint/2010/main" val="1305213248"/>
       </p:ext>
     </p:extLst>
   </p:cSld>
@@ -6695,6 +9768,1743 @@
     <p:extLst>
       <p:ext uri="{BB962C8B-B14F-4D97-AF65-F5344CB8AC3E}">
         <p14:creationId xmlns:p14="http://schemas.microsoft.com/office/powerpoint/2010/main" val="1770563842"/>
+      </p:ext>
+    </p:extLst>
+  </p:cSld>
+  <p:clrMapOvr>
+    <a:masterClrMapping/>
+  </p:clrMapOvr>
+</p:sld>
+</file>
+
+<file path=ppt/slides/slide20.xml><?xml version="1.0" encoding="utf-8"?>
+<p:sld xmlns:a="http://schemas.openxmlformats.org/drawingml/2006/main" xmlns:r="http://schemas.openxmlformats.org/officeDocument/2006/relationships" xmlns:p="http://schemas.openxmlformats.org/presentationml/2006/main">
+  <p:cSld>
+    <p:spTree>
+      <p:nvGrpSpPr>
+        <p:cNvPr id="1" name=""/>
+        <p:cNvGrpSpPr/>
+        <p:nvPr/>
+      </p:nvGrpSpPr>
+      <p:grpSpPr>
+        <a:xfrm>
+          <a:off x="0" y="0"/>
+          <a:ext cx="0" cy="0"/>
+          <a:chOff x="0" y="0"/>
+          <a:chExt cx="0" cy="0"/>
+        </a:xfrm>
+      </p:grpSpPr>
+      <p:sp>
+        <p:nvSpPr>
+          <p:cNvPr id="2" name="Title 1"/>
+          <p:cNvSpPr>
+            <a:spLocks noGrp="1"/>
+          </p:cNvSpPr>
+          <p:nvPr>
+            <p:ph type="title"/>
+          </p:nvPr>
+        </p:nvSpPr>
+        <p:spPr/>
+        <p:txBody>
+          <a:bodyPr/>
+          <a:lstStyle/>
+          <a:p>
+            <a:r>
+              <a:rPr lang="en-US" dirty="0"/>
+              <a:t>Publish an </a:t>
+            </a:r>
+            <a:r>
+              <a:rPr lang="en-US" dirty="0" err="1"/>
+              <a:t>npm</a:t>
+            </a:r>
+            <a:r>
+              <a:rPr lang="en-US" dirty="0"/>
+              <a:t> package</a:t>
+            </a:r>
+          </a:p>
+        </p:txBody>
+      </p:sp>
+      <p:sp>
+        <p:nvSpPr>
+          <p:cNvPr id="3" name="Footer Placeholder 2"/>
+          <p:cNvSpPr>
+            <a:spLocks noGrp="1"/>
+          </p:cNvSpPr>
+          <p:nvPr>
+            <p:ph type="ftr" sz="quarter" idx="11"/>
+          </p:nvPr>
+        </p:nvSpPr>
+        <p:spPr/>
+        <p:txBody>
+          <a:bodyPr/>
+          <a:lstStyle/>
+          <a:p>
+            <a:r>
+              <a:rPr lang="en-US" dirty="0"/>
+              <a:t>© 2017 Ori </a:t>
+            </a:r>
+            <a:r>
+              <a:rPr lang="en-US" dirty="0" err="1"/>
+              <a:t>Calvo</a:t>
+            </a:r>
+            <a:endParaRPr lang="en-US" dirty="0"/>
+          </a:p>
+        </p:txBody>
+      </p:sp>
+      <p:sp>
+        <p:nvSpPr>
+          <p:cNvPr id="4" name="Slide Number Placeholder 3"/>
+          <p:cNvSpPr>
+            <a:spLocks noGrp="1"/>
+          </p:cNvSpPr>
+          <p:nvPr>
+            <p:ph type="sldNum" sz="quarter" idx="12"/>
+          </p:nvPr>
+        </p:nvSpPr>
+        <p:spPr/>
+        <p:txBody>
+          <a:bodyPr>
+            <a:normAutofit fontScale="85000" lnSpcReduction="20000"/>
+          </a:bodyPr>
+          <a:lstStyle/>
+          <a:p>
+            <a:fld id="{6EDEC3BC-0694-4586-AE63-02B4D54ABF43}" type="slidenum">
+              <a:rPr lang="en-US" smtClean="0"/>
+              <a:pPr/>
+              <a:t>20</a:t>
+            </a:fld>
+            <a:endParaRPr lang="en-US"/>
+          </a:p>
+        </p:txBody>
+      </p:sp>
+      <p:sp>
+        <p:nvSpPr>
+          <p:cNvPr id="5" name="Content Placeholder 4"/>
+          <p:cNvSpPr>
+            <a:spLocks noGrp="1"/>
+          </p:cNvSpPr>
+          <p:nvPr>
+            <p:ph sz="quarter" idx="1"/>
+          </p:nvPr>
+        </p:nvSpPr>
+        <p:spPr>
+          <a:xfrm>
+            <a:off x="612648" y="1600200"/>
+            <a:ext cx="8423848" cy="1036712"/>
+          </a:xfrm>
+        </p:spPr>
+        <p:txBody>
+          <a:bodyPr/>
+          <a:lstStyle/>
+          <a:p>
+            <a:r>
+              <a:rPr lang="en-US" dirty="0"/>
+              <a:t>4st Create a test folder and a test.js file inside of it and add it to the package.json under ‘scripts’:</a:t>
+            </a:r>
+          </a:p>
+          <a:p>
+            <a:endParaRPr lang="en-US" dirty="0"/>
+          </a:p>
+        </p:txBody>
+      </p:sp>
+      <p:sp>
+        <p:nvSpPr>
+          <p:cNvPr id="6" name="Rectangle 1"/>
+          <p:cNvSpPr>
+            <a:spLocks noChangeArrowheads="1"/>
+          </p:cNvSpPr>
+          <p:nvPr/>
+        </p:nvSpPr>
+        <p:spPr bwMode="auto">
+          <a:xfrm>
+            <a:off x="1043608" y="2454275"/>
+            <a:ext cx="6048672" cy="1198959"/>
+          </a:xfrm>
+          <a:prstGeom prst="rect">
+            <a:avLst/>
+          </a:prstGeom>
+          <a:noFill/>
+          <a:ln>
+            <a:noFill/>
+          </a:ln>
+          <a:effectLst/>
+          <a:extLst>
+            <a:ext uri="{909E8E84-426E-40DD-AFC4-6F175D3DCCD1}">
+              <a14:hiddenFill xmlns:a14="http://schemas.microsoft.com/office/drawing/2010/main">
+                <a:solidFill>
+                  <a:schemeClr val="accent1"/>
+                </a:solidFill>
+              </a14:hiddenFill>
+            </a:ext>
+            <a:ext uri="{91240B29-F687-4F45-9708-019B960494DF}">
+              <a14:hiddenLine xmlns:a14="http://schemas.microsoft.com/office/drawing/2010/main" w="9525">
+                <a:solidFill>
+                  <a:schemeClr val="tx1"/>
+                </a:solidFill>
+                <a:miter lim="800000"/>
+                <a:headEnd/>
+                <a:tailEnd/>
+              </a14:hiddenLine>
+            </a:ext>
+            <a:ext uri="{AF507438-7753-43E0-B8FC-AC1667EBCBE1}">
+              <a14:hiddenEffects xmlns:a14="http://schemas.microsoft.com/office/drawing/2010/main">
+                <a:effectLst>
+                  <a:outerShdw dist="35921" dir="2700000" algn="ctr" rotWithShape="0">
+                    <a:schemeClr val="bg2"/>
+                  </a:outerShdw>
+                </a:effectLst>
+              </a14:hiddenEffects>
+            </a:ext>
+          </a:extLst>
+        </p:spPr>
+        <p:txBody>
+          <a:bodyPr vert="horz" wrap="square" lIns="0" tIns="272964" rIns="0" bIns="0" numCol="1" anchor="ctr" anchorCtr="0" compatLnSpc="1">
+            <a:prstTxWarp prst="textNoShape">
+              <a:avLst/>
+            </a:prstTxWarp>
+            <a:spAutoFit/>
+          </a:bodyPr>
+          <a:lstStyle/>
+          <a:p>
+            <a:pPr lvl="0" eaLnBrk="0" fontAlgn="base" hangingPunct="0">
+              <a:spcBef>
+                <a:spcPct val="0"/>
+              </a:spcBef>
+              <a:spcAft>
+                <a:spcPct val="0"/>
+              </a:spcAft>
+            </a:pPr>
+            <a:r>
+              <a:rPr kumimoji="0" lang="en-US" altLang="en-US" sz="2000" b="0" i="0" u="none" strike="noStrike" cap="none" normalizeH="0" baseline="0" dirty="0">
+                <a:ln>
+                  <a:noFill/>
+                </a:ln>
+                <a:solidFill>
+                  <a:schemeClr val="tx1"/>
+                </a:solidFill>
+                <a:effectLst/>
+                <a:latin typeface="Menlo"/>
+              </a:rPr>
+              <a:t>"scripts": {</a:t>
+            </a:r>
+            <a:br>
+              <a:rPr kumimoji="0" lang="en-US" altLang="en-US" sz="2000" b="0" i="0" u="none" strike="noStrike" cap="none" normalizeH="0" baseline="0" dirty="0">
+                <a:ln>
+                  <a:noFill/>
+                </a:ln>
+                <a:solidFill>
+                  <a:schemeClr val="tx1"/>
+                </a:solidFill>
+                <a:effectLst/>
+                <a:latin typeface="Menlo"/>
+              </a:rPr>
+            </a:br>
+            <a:r>
+              <a:rPr kumimoji="0" lang="en-US" altLang="en-US" sz="2000" b="0" i="0" u="none" strike="noStrike" cap="none" normalizeH="0" baseline="0" dirty="0">
+                <a:ln>
+                  <a:noFill/>
+                </a:ln>
+                <a:solidFill>
+                  <a:schemeClr val="tx1"/>
+                </a:solidFill>
+                <a:effectLst/>
+                <a:latin typeface="Menlo"/>
+              </a:rPr>
+              <a:t>"test": "</a:t>
+            </a:r>
+            <a:r>
+              <a:rPr lang="es-ES" altLang="en-US" sz="2000" dirty="0">
+                <a:latin typeface="Menlo"/>
+              </a:rPr>
+              <a:t>echo \"Error: no test </a:t>
+            </a:r>
+            <a:r>
+              <a:rPr lang="es-ES" altLang="en-US" sz="2000" dirty="0" err="1">
+                <a:latin typeface="Menlo"/>
+              </a:rPr>
+              <a:t>specified</a:t>
+            </a:r>
+            <a:r>
+              <a:rPr lang="es-ES" altLang="en-US" sz="2000" dirty="0">
+                <a:latin typeface="Menlo"/>
+              </a:rPr>
+              <a:t>\" &amp;&amp; </a:t>
+            </a:r>
+            <a:r>
+              <a:rPr lang="es-ES" altLang="en-US" sz="2000" dirty="0" err="1">
+                <a:latin typeface="Menlo"/>
+              </a:rPr>
+              <a:t>exit</a:t>
+            </a:r>
+            <a:r>
+              <a:rPr lang="es-ES" altLang="en-US" sz="2000" dirty="0">
+                <a:latin typeface="Menlo"/>
+              </a:rPr>
+              <a:t> 1</a:t>
+            </a:r>
+            <a:r>
+              <a:rPr kumimoji="0" lang="en-US" altLang="en-US" sz="2000" b="0" i="0" u="none" strike="noStrike" cap="none" normalizeH="0" baseline="0" dirty="0">
+                <a:ln>
+                  <a:noFill/>
+                </a:ln>
+                <a:solidFill>
+                  <a:schemeClr val="tx1"/>
+                </a:solidFill>
+                <a:effectLst/>
+                <a:latin typeface="Menlo"/>
+              </a:rPr>
+              <a:t>"</a:t>
+            </a:r>
+            <a:br>
+              <a:rPr kumimoji="0" lang="en-US" altLang="en-US" sz="2000" b="0" i="0" u="none" strike="noStrike" cap="none" normalizeH="0" baseline="0" dirty="0">
+                <a:ln>
+                  <a:noFill/>
+                </a:ln>
+                <a:solidFill>
+                  <a:schemeClr val="tx1"/>
+                </a:solidFill>
+                <a:effectLst/>
+                <a:latin typeface="Menlo"/>
+              </a:rPr>
+            </a:br>
+            <a:r>
+              <a:rPr kumimoji="0" lang="en-US" altLang="en-US" sz="2000" b="0" i="0" u="none" strike="noStrike" cap="none" normalizeH="0" baseline="0" dirty="0">
+                <a:ln>
+                  <a:noFill/>
+                </a:ln>
+                <a:solidFill>
+                  <a:schemeClr val="tx1"/>
+                </a:solidFill>
+                <a:effectLst/>
+                <a:latin typeface="Menlo"/>
+              </a:rPr>
+              <a:t>}</a:t>
+            </a:r>
+            <a:r>
+              <a:rPr kumimoji="0" lang="en-US" altLang="en-US" sz="2000" b="0" i="0" u="none" strike="noStrike" cap="none" normalizeH="0" baseline="0" dirty="0">
+                <a:ln>
+                  <a:noFill/>
+                </a:ln>
+                <a:solidFill>
+                  <a:schemeClr val="tx1"/>
+                </a:solidFill>
+                <a:effectLst/>
+              </a:rPr>
+              <a:t> </a:t>
+            </a:r>
+            <a:endParaRPr kumimoji="0" lang="en-US" altLang="en-US" sz="2000" b="0" i="0" u="none" strike="noStrike" cap="none" normalizeH="0" baseline="0" dirty="0">
+              <a:ln>
+                <a:noFill/>
+              </a:ln>
+              <a:solidFill>
+                <a:schemeClr val="tx1"/>
+              </a:solidFill>
+              <a:effectLst/>
+              <a:latin typeface="Arial" panose="020B0604020202020204" pitchFamily="34" charset="0"/>
+            </a:endParaRPr>
+          </a:p>
+        </p:txBody>
+      </p:sp>
+      <p:sp>
+        <p:nvSpPr>
+          <p:cNvPr id="9" name="Content Placeholder 4"/>
+          <p:cNvSpPr txBox="1">
+            <a:spLocks/>
+          </p:cNvSpPr>
+          <p:nvPr/>
+        </p:nvSpPr>
+        <p:spPr>
+          <a:xfrm>
+            <a:off x="614677" y="4221088"/>
+            <a:ext cx="8423848" cy="1656184"/>
+          </a:xfrm>
+          <a:prstGeom prst="rect">
+            <a:avLst/>
+          </a:prstGeom>
+        </p:spPr>
+        <p:txBody>
+          <a:bodyPr vert="horz">
+            <a:normAutofit/>
+          </a:bodyPr>
+          <a:lstStyle>
+            <a:lvl1pPr marL="320040" indent="-320040" algn="l" rtl="0" eaLnBrk="1" latinLnBrk="0" hangingPunct="1">
+              <a:spcBef>
+                <a:spcPts val="700"/>
+              </a:spcBef>
+              <a:buClr>
+                <a:schemeClr val="accent2"/>
+              </a:buClr>
+              <a:buSzPct val="60000"/>
+              <a:buFont typeface="Wingdings"/>
+              <a:buChar char=""/>
+              <a:defRPr kumimoji="0" sz="2900" kern="1200">
+                <a:solidFill>
+                  <a:schemeClr val="tx1"/>
+                </a:solidFill>
+                <a:latin typeface="+mn-lt"/>
+                <a:ea typeface="+mn-ea"/>
+                <a:cs typeface="+mn-cs"/>
+              </a:defRPr>
+            </a:lvl1pPr>
+            <a:lvl2pPr marL="640080" indent="-274320" algn="l" rtl="0" eaLnBrk="1" latinLnBrk="0" hangingPunct="1">
+              <a:spcBef>
+                <a:spcPts val="550"/>
+              </a:spcBef>
+              <a:buClr>
+                <a:schemeClr val="accent1"/>
+              </a:buClr>
+              <a:buSzPct val="70000"/>
+              <a:buFont typeface="Wingdings 2"/>
+              <a:buChar char=""/>
+              <a:defRPr kumimoji="0" sz="2600" kern="1200">
+                <a:solidFill>
+                  <a:schemeClr val="tx1"/>
+                </a:solidFill>
+                <a:latin typeface="+mn-lt"/>
+                <a:ea typeface="+mn-ea"/>
+                <a:cs typeface="+mn-cs"/>
+              </a:defRPr>
+            </a:lvl2pPr>
+            <a:lvl3pPr marL="914400" indent="-228600" algn="l" rtl="0" eaLnBrk="1" latinLnBrk="0" hangingPunct="1">
+              <a:spcBef>
+                <a:spcPts val="500"/>
+              </a:spcBef>
+              <a:buClr>
+                <a:schemeClr val="accent2"/>
+              </a:buClr>
+              <a:buSzPct val="75000"/>
+              <a:buFont typeface="Wingdings"/>
+              <a:buChar char=""/>
+              <a:defRPr kumimoji="0" sz="2300" kern="1200">
+                <a:solidFill>
+                  <a:schemeClr val="tx1"/>
+                </a:solidFill>
+                <a:latin typeface="+mn-lt"/>
+                <a:ea typeface="+mn-ea"/>
+                <a:cs typeface="+mn-cs"/>
+              </a:defRPr>
+            </a:lvl3pPr>
+            <a:lvl4pPr marL="1371600" indent="-228600" algn="l" rtl="0" eaLnBrk="1" latinLnBrk="0" hangingPunct="1">
+              <a:spcBef>
+                <a:spcPts val="400"/>
+              </a:spcBef>
+              <a:buClr>
+                <a:schemeClr val="accent3"/>
+              </a:buClr>
+              <a:buSzPct val="75000"/>
+              <a:buFont typeface="Wingdings"/>
+              <a:buChar char=""/>
+              <a:defRPr kumimoji="0" sz="2000" kern="1200">
+                <a:solidFill>
+                  <a:schemeClr val="tx1"/>
+                </a:solidFill>
+                <a:latin typeface="+mn-lt"/>
+                <a:ea typeface="+mn-ea"/>
+                <a:cs typeface="+mn-cs"/>
+              </a:defRPr>
+            </a:lvl4pPr>
+            <a:lvl5pPr marL="1828800" indent="-228600" algn="l" rtl="0" eaLnBrk="1" latinLnBrk="0" hangingPunct="1">
+              <a:spcBef>
+                <a:spcPts val="400"/>
+              </a:spcBef>
+              <a:buClr>
+                <a:schemeClr val="accent4"/>
+              </a:buClr>
+              <a:buSzPct val="65000"/>
+              <a:buFont typeface="Wingdings"/>
+              <a:buChar char=""/>
+              <a:defRPr kumimoji="0" sz="2000" kern="1200">
+                <a:solidFill>
+                  <a:schemeClr val="tx1"/>
+                </a:solidFill>
+                <a:latin typeface="+mn-lt"/>
+                <a:ea typeface="+mn-ea"/>
+                <a:cs typeface="+mn-cs"/>
+              </a:defRPr>
+            </a:lvl5pPr>
+            <a:lvl6pPr marL="2103120" indent="-228600" algn="l" rtl="0" eaLnBrk="1" latinLnBrk="0" hangingPunct="1">
+              <a:spcBef>
+                <a:spcPct val="20000"/>
+              </a:spcBef>
+              <a:buClr>
+                <a:schemeClr val="accent1"/>
+              </a:buClr>
+              <a:buFont typeface="Wingdings"/>
+              <a:buChar char="§"/>
+              <a:defRPr kumimoji="0" sz="1800" kern="1200" baseline="0">
+                <a:solidFill>
+                  <a:schemeClr val="tx1"/>
+                </a:solidFill>
+                <a:latin typeface="+mn-lt"/>
+                <a:ea typeface="+mn-ea"/>
+                <a:cs typeface="+mn-cs"/>
+              </a:defRPr>
+            </a:lvl6pPr>
+            <a:lvl7pPr marL="2377440" indent="-228600" algn="l" rtl="0" eaLnBrk="1" latinLnBrk="0" hangingPunct="1">
+              <a:spcBef>
+                <a:spcPct val="20000"/>
+              </a:spcBef>
+              <a:buClr>
+                <a:schemeClr val="accent2"/>
+              </a:buClr>
+              <a:buFont typeface="Wingdings"/>
+              <a:buChar char="§"/>
+              <a:defRPr kumimoji="0" sz="1800" kern="1200" baseline="0">
+                <a:solidFill>
+                  <a:schemeClr val="tx1"/>
+                </a:solidFill>
+                <a:latin typeface="+mn-lt"/>
+                <a:ea typeface="+mn-ea"/>
+                <a:cs typeface="+mn-cs"/>
+              </a:defRPr>
+            </a:lvl7pPr>
+            <a:lvl8pPr marL="2651760" indent="-228600" algn="l" rtl="0" eaLnBrk="1" latinLnBrk="0" hangingPunct="1">
+              <a:spcBef>
+                <a:spcPct val="20000"/>
+              </a:spcBef>
+              <a:buClr>
+                <a:schemeClr val="accent3"/>
+              </a:buClr>
+              <a:buFont typeface="Wingdings"/>
+              <a:buChar char="§"/>
+              <a:defRPr kumimoji="0" sz="1800" kern="1200" baseline="0">
+                <a:solidFill>
+                  <a:schemeClr val="tx1"/>
+                </a:solidFill>
+                <a:latin typeface="+mn-lt"/>
+                <a:ea typeface="+mn-ea"/>
+                <a:cs typeface="+mn-cs"/>
+              </a:defRPr>
+            </a:lvl8pPr>
+            <a:lvl9pPr marL="2926080" indent="-228600" algn="l" rtl="0" eaLnBrk="1" latinLnBrk="0" hangingPunct="1">
+              <a:spcBef>
+                <a:spcPct val="20000"/>
+              </a:spcBef>
+              <a:buClr>
+                <a:schemeClr val="accent4"/>
+              </a:buClr>
+              <a:buFont typeface="Wingdings"/>
+              <a:buChar char="§"/>
+              <a:defRPr kumimoji="0" sz="1800" kern="1200" baseline="0">
+                <a:solidFill>
+                  <a:schemeClr val="tx1"/>
+                </a:solidFill>
+                <a:latin typeface="+mn-lt"/>
+                <a:ea typeface="+mn-ea"/>
+                <a:cs typeface="+mn-cs"/>
+              </a:defRPr>
+            </a:lvl9pPr>
+          </a:lstStyle>
+          <a:p>
+            <a:r>
+              <a:rPr lang="en-US" dirty="0"/>
+              <a:t>Uploading to </a:t>
+            </a:r>
+            <a:r>
+              <a:rPr lang="en-US" dirty="0" err="1"/>
+              <a:t>github</a:t>
+            </a:r>
+            <a:r>
+              <a:rPr lang="en-US" dirty="0"/>
+              <a:t> is very </a:t>
+            </a:r>
+            <a:r>
+              <a:rPr lang="en-US" dirty="0" err="1"/>
+              <a:t>importand</a:t>
+            </a:r>
+            <a:r>
+              <a:rPr lang="en-US" dirty="0"/>
+              <a:t> and also creating a readme file which holds some documentation for the </a:t>
+            </a:r>
+            <a:r>
+              <a:rPr lang="en-US" dirty="0" err="1"/>
+              <a:t>npm</a:t>
+            </a:r>
+            <a:r>
+              <a:rPr lang="en-US" dirty="0"/>
+              <a:t> package</a:t>
+            </a:r>
+          </a:p>
+        </p:txBody>
+      </p:sp>
+    </p:spTree>
+    <p:extLst>
+      <p:ext uri="{BB962C8B-B14F-4D97-AF65-F5344CB8AC3E}">
+        <p14:creationId xmlns:p14="http://schemas.microsoft.com/office/powerpoint/2010/main" val="3819150429"/>
+      </p:ext>
+    </p:extLst>
+  </p:cSld>
+  <p:clrMapOvr>
+    <a:masterClrMapping/>
+  </p:clrMapOvr>
+</p:sld>
+</file>
+
+<file path=ppt/slides/slide21.xml><?xml version="1.0" encoding="utf-8"?>
+<p:sld xmlns:a="http://schemas.openxmlformats.org/drawingml/2006/main" xmlns:r="http://schemas.openxmlformats.org/officeDocument/2006/relationships" xmlns:p="http://schemas.openxmlformats.org/presentationml/2006/main">
+  <p:cSld>
+    <p:spTree>
+      <p:nvGrpSpPr>
+        <p:cNvPr id="1" name=""/>
+        <p:cNvGrpSpPr/>
+        <p:nvPr/>
+      </p:nvGrpSpPr>
+      <p:grpSpPr>
+        <a:xfrm>
+          <a:off x="0" y="0"/>
+          <a:ext cx="0" cy="0"/>
+          <a:chOff x="0" y="0"/>
+          <a:chExt cx="0" cy="0"/>
+        </a:xfrm>
+      </p:grpSpPr>
+      <p:sp>
+        <p:nvSpPr>
+          <p:cNvPr id="2" name="Title 1"/>
+          <p:cNvSpPr>
+            <a:spLocks noGrp="1"/>
+          </p:cNvSpPr>
+          <p:nvPr>
+            <p:ph type="title"/>
+          </p:nvPr>
+        </p:nvSpPr>
+        <p:spPr/>
+        <p:txBody>
+          <a:bodyPr/>
+          <a:lstStyle/>
+          <a:p>
+            <a:r>
+              <a:rPr lang="en-US" dirty="0"/>
+              <a:t>Publish an </a:t>
+            </a:r>
+            <a:r>
+              <a:rPr lang="en-US" dirty="0" err="1"/>
+              <a:t>npm</a:t>
+            </a:r>
+            <a:r>
+              <a:rPr lang="en-US" dirty="0"/>
+              <a:t> package</a:t>
+            </a:r>
+          </a:p>
+        </p:txBody>
+      </p:sp>
+      <p:sp>
+        <p:nvSpPr>
+          <p:cNvPr id="3" name="Footer Placeholder 2"/>
+          <p:cNvSpPr>
+            <a:spLocks noGrp="1"/>
+          </p:cNvSpPr>
+          <p:nvPr>
+            <p:ph type="ftr" sz="quarter" idx="11"/>
+          </p:nvPr>
+        </p:nvSpPr>
+        <p:spPr/>
+        <p:txBody>
+          <a:bodyPr/>
+          <a:lstStyle/>
+          <a:p>
+            <a:r>
+              <a:rPr lang="en-US" dirty="0"/>
+              <a:t>© 2017 Ori </a:t>
+            </a:r>
+            <a:r>
+              <a:rPr lang="en-US" dirty="0" err="1"/>
+              <a:t>Calvo</a:t>
+            </a:r>
+            <a:endParaRPr lang="en-US" dirty="0"/>
+          </a:p>
+        </p:txBody>
+      </p:sp>
+      <p:sp>
+        <p:nvSpPr>
+          <p:cNvPr id="4" name="Slide Number Placeholder 3"/>
+          <p:cNvSpPr>
+            <a:spLocks noGrp="1"/>
+          </p:cNvSpPr>
+          <p:nvPr>
+            <p:ph type="sldNum" sz="quarter" idx="12"/>
+          </p:nvPr>
+        </p:nvSpPr>
+        <p:spPr/>
+        <p:txBody>
+          <a:bodyPr>
+            <a:normAutofit fontScale="85000" lnSpcReduction="20000"/>
+          </a:bodyPr>
+          <a:lstStyle/>
+          <a:p>
+            <a:fld id="{6EDEC3BC-0694-4586-AE63-02B4D54ABF43}" type="slidenum">
+              <a:rPr lang="en-US" smtClean="0"/>
+              <a:pPr/>
+              <a:t>21</a:t>
+            </a:fld>
+            <a:endParaRPr lang="en-US"/>
+          </a:p>
+        </p:txBody>
+      </p:sp>
+      <p:sp>
+        <p:nvSpPr>
+          <p:cNvPr id="5" name="Content Placeholder 4"/>
+          <p:cNvSpPr>
+            <a:spLocks noGrp="1"/>
+          </p:cNvSpPr>
+          <p:nvPr>
+            <p:ph sz="quarter" idx="1"/>
+          </p:nvPr>
+        </p:nvSpPr>
+        <p:spPr>
+          <a:xfrm>
+            <a:off x="612648" y="1600200"/>
+            <a:ext cx="8423848" cy="5141168"/>
+          </a:xfrm>
+        </p:spPr>
+        <p:txBody>
+          <a:bodyPr/>
+          <a:lstStyle/>
+          <a:p>
+            <a:r>
+              <a:rPr lang="en-US" dirty="0"/>
+              <a:t>Finally, using the </a:t>
+            </a:r>
+            <a:r>
+              <a:rPr lang="en-US" dirty="0" err="1"/>
+              <a:t>npm</a:t>
+            </a:r>
+            <a:r>
+              <a:rPr lang="en-US" dirty="0"/>
+              <a:t> publish command will publish the </a:t>
+            </a:r>
+            <a:r>
+              <a:rPr lang="en-US" dirty="0" err="1"/>
+              <a:t>npm</a:t>
+            </a:r>
+            <a:r>
+              <a:rPr lang="en-US" dirty="0"/>
+              <a:t> package</a:t>
+            </a:r>
+          </a:p>
+        </p:txBody>
+      </p:sp>
+    </p:spTree>
+    <p:extLst>
+      <p:ext uri="{BB962C8B-B14F-4D97-AF65-F5344CB8AC3E}">
+        <p14:creationId xmlns:p14="http://schemas.microsoft.com/office/powerpoint/2010/main" val="285022631"/>
+      </p:ext>
+    </p:extLst>
+  </p:cSld>
+  <p:clrMapOvr>
+    <a:masterClrMapping/>
+  </p:clrMapOvr>
+</p:sld>
+</file>
+
+<file path=ppt/slides/slide22.xml><?xml version="1.0" encoding="utf-8"?>
+<p:sld xmlns:a="http://schemas.openxmlformats.org/drawingml/2006/main" xmlns:r="http://schemas.openxmlformats.org/officeDocument/2006/relationships" xmlns:p="http://schemas.openxmlformats.org/presentationml/2006/main">
+  <p:cSld>
+    <p:spTree>
+      <p:nvGrpSpPr>
+        <p:cNvPr id="1" name=""/>
+        <p:cNvGrpSpPr/>
+        <p:nvPr/>
+      </p:nvGrpSpPr>
+      <p:grpSpPr>
+        <a:xfrm>
+          <a:off x="0" y="0"/>
+          <a:ext cx="0" cy="0"/>
+          <a:chOff x="0" y="0"/>
+          <a:chExt cx="0" cy="0"/>
+        </a:xfrm>
+      </p:grpSpPr>
+      <p:sp>
+        <p:nvSpPr>
+          <p:cNvPr id="2" name="Title 1"/>
+          <p:cNvSpPr>
+            <a:spLocks noGrp="1"/>
+          </p:cNvSpPr>
+          <p:nvPr>
+            <p:ph type="title"/>
+          </p:nvPr>
+        </p:nvSpPr>
+        <p:spPr/>
+        <p:txBody>
+          <a:bodyPr/>
+          <a:lstStyle/>
+          <a:p>
+            <a:r>
+              <a:rPr lang="en-US" dirty="0"/>
+              <a:t>Yarn</a:t>
+            </a:r>
+          </a:p>
+        </p:txBody>
+      </p:sp>
+      <p:sp>
+        <p:nvSpPr>
+          <p:cNvPr id="3" name="Footer Placeholder 2"/>
+          <p:cNvSpPr>
+            <a:spLocks noGrp="1"/>
+          </p:cNvSpPr>
+          <p:nvPr>
+            <p:ph type="ftr" sz="quarter" idx="11"/>
+          </p:nvPr>
+        </p:nvSpPr>
+        <p:spPr/>
+        <p:txBody>
+          <a:bodyPr/>
+          <a:lstStyle/>
+          <a:p>
+            <a:r>
+              <a:rPr lang="en-US" dirty="0"/>
+              <a:t>© 2017 Ori </a:t>
+            </a:r>
+            <a:r>
+              <a:rPr lang="en-US" dirty="0" err="1"/>
+              <a:t>Calvo</a:t>
+            </a:r>
+            <a:endParaRPr lang="en-US" dirty="0"/>
+          </a:p>
+        </p:txBody>
+      </p:sp>
+      <p:sp>
+        <p:nvSpPr>
+          <p:cNvPr id="4" name="Slide Number Placeholder 3"/>
+          <p:cNvSpPr>
+            <a:spLocks noGrp="1"/>
+          </p:cNvSpPr>
+          <p:nvPr>
+            <p:ph type="sldNum" sz="quarter" idx="12"/>
+          </p:nvPr>
+        </p:nvSpPr>
+        <p:spPr/>
+        <p:txBody>
+          <a:bodyPr>
+            <a:normAutofit fontScale="85000" lnSpcReduction="20000"/>
+          </a:bodyPr>
+          <a:lstStyle/>
+          <a:p>
+            <a:fld id="{6EDEC3BC-0694-4586-AE63-02B4D54ABF43}" type="slidenum">
+              <a:rPr lang="en-US" smtClean="0"/>
+              <a:pPr/>
+              <a:t>22</a:t>
+            </a:fld>
+            <a:endParaRPr lang="en-US"/>
+          </a:p>
+        </p:txBody>
+      </p:sp>
+      <p:sp>
+        <p:nvSpPr>
+          <p:cNvPr id="5" name="Content Placeholder 4"/>
+          <p:cNvSpPr>
+            <a:spLocks noGrp="1"/>
+          </p:cNvSpPr>
+          <p:nvPr>
+            <p:ph sz="quarter" idx="1"/>
+          </p:nvPr>
+        </p:nvSpPr>
+        <p:spPr>
+          <a:xfrm>
+            <a:off x="612648" y="1600200"/>
+            <a:ext cx="8531352" cy="5257800"/>
+          </a:xfrm>
+        </p:spPr>
+        <p:txBody>
+          <a:bodyPr>
+            <a:normAutofit/>
+          </a:bodyPr>
+          <a:lstStyle/>
+          <a:p>
+            <a:r>
+              <a:rPr lang="en-US" dirty="0"/>
+              <a:t>Yarn is a package manager created by Facebook</a:t>
+            </a:r>
+          </a:p>
+          <a:p>
+            <a:endParaRPr lang="en-US" dirty="0"/>
+          </a:p>
+          <a:p>
+            <a:r>
+              <a:rPr lang="en-US" dirty="0"/>
+              <a:t>When you install a package using Yarn it places the package on your disk. During the next install, this package will be used instead of sending an HTTP request</a:t>
+            </a:r>
+          </a:p>
+          <a:p>
+            <a:pPr marL="0" indent="0">
+              <a:buNone/>
+            </a:pPr>
+            <a:endParaRPr lang="en-US" dirty="0"/>
+          </a:p>
+          <a:p>
+            <a:r>
+              <a:rPr lang="en-US" dirty="0"/>
+              <a:t>When installing a package, yarn will run the lock command automatically which is exactly like </a:t>
+            </a:r>
+            <a:r>
+              <a:rPr lang="en-US" dirty="0" err="1"/>
+              <a:t>npm</a:t>
+            </a:r>
+            <a:r>
+              <a:rPr lang="en-US" dirty="0"/>
+              <a:t> </a:t>
+            </a:r>
+            <a:r>
+              <a:rPr lang="en-US" dirty="0" err="1"/>
+              <a:t>shrinkwrap</a:t>
+            </a:r>
+            <a:r>
+              <a:rPr lang="en-US" dirty="0"/>
+              <a:t> and will create a </a:t>
+            </a:r>
+            <a:r>
+              <a:rPr lang="en-US" dirty="0" err="1"/>
+              <a:t>yarn.lock</a:t>
+            </a:r>
+            <a:r>
+              <a:rPr lang="en-US" dirty="0"/>
+              <a:t> file</a:t>
+            </a:r>
+          </a:p>
+          <a:p>
+            <a:endParaRPr lang="en-US" dirty="0"/>
+          </a:p>
+          <a:p>
+            <a:endParaRPr lang="en-US" dirty="0"/>
+          </a:p>
+        </p:txBody>
+      </p:sp>
+    </p:spTree>
+    <p:extLst>
+      <p:ext uri="{BB962C8B-B14F-4D97-AF65-F5344CB8AC3E}">
+        <p14:creationId xmlns:p14="http://schemas.microsoft.com/office/powerpoint/2010/main" val="2950753647"/>
+      </p:ext>
+    </p:extLst>
+  </p:cSld>
+  <p:clrMapOvr>
+    <a:masterClrMapping/>
+  </p:clrMapOvr>
+</p:sld>
+</file>
+
+<file path=ppt/slides/slide23.xml><?xml version="1.0" encoding="utf-8"?>
+<p:sld xmlns:a="http://schemas.openxmlformats.org/drawingml/2006/main" xmlns:r="http://schemas.openxmlformats.org/officeDocument/2006/relationships" xmlns:p="http://schemas.openxmlformats.org/presentationml/2006/main">
+  <p:cSld>
+    <p:spTree>
+      <p:nvGrpSpPr>
+        <p:cNvPr id="1" name=""/>
+        <p:cNvGrpSpPr/>
+        <p:nvPr/>
+      </p:nvGrpSpPr>
+      <p:grpSpPr>
+        <a:xfrm>
+          <a:off x="0" y="0"/>
+          <a:ext cx="0" cy="0"/>
+          <a:chOff x="0" y="0"/>
+          <a:chExt cx="0" cy="0"/>
+        </a:xfrm>
+      </p:grpSpPr>
+      <p:sp>
+        <p:nvSpPr>
+          <p:cNvPr id="2" name="Title 1"/>
+          <p:cNvSpPr>
+            <a:spLocks noGrp="1"/>
+          </p:cNvSpPr>
+          <p:nvPr>
+            <p:ph type="title"/>
+          </p:nvPr>
+        </p:nvSpPr>
+        <p:spPr/>
+        <p:txBody>
+          <a:bodyPr/>
+          <a:lstStyle/>
+          <a:p>
+            <a:r>
+              <a:rPr lang="en-US" dirty="0"/>
+              <a:t>Yarn performance</a:t>
+            </a:r>
+          </a:p>
+        </p:txBody>
+      </p:sp>
+      <p:sp>
+        <p:nvSpPr>
+          <p:cNvPr id="3" name="Footer Placeholder 2"/>
+          <p:cNvSpPr>
+            <a:spLocks noGrp="1"/>
+          </p:cNvSpPr>
+          <p:nvPr>
+            <p:ph type="ftr" sz="quarter" idx="11"/>
+          </p:nvPr>
+        </p:nvSpPr>
+        <p:spPr/>
+        <p:txBody>
+          <a:bodyPr/>
+          <a:lstStyle/>
+          <a:p>
+            <a:r>
+              <a:rPr lang="en-US" dirty="0"/>
+              <a:t>© 2017 Ori </a:t>
+            </a:r>
+            <a:r>
+              <a:rPr lang="en-US" dirty="0" err="1"/>
+              <a:t>Calvo</a:t>
+            </a:r>
+            <a:endParaRPr lang="en-US" dirty="0"/>
+          </a:p>
+        </p:txBody>
+      </p:sp>
+      <p:sp>
+        <p:nvSpPr>
+          <p:cNvPr id="4" name="Slide Number Placeholder 3"/>
+          <p:cNvSpPr>
+            <a:spLocks noGrp="1"/>
+          </p:cNvSpPr>
+          <p:nvPr>
+            <p:ph type="sldNum" sz="quarter" idx="12"/>
+          </p:nvPr>
+        </p:nvSpPr>
+        <p:spPr/>
+        <p:txBody>
+          <a:bodyPr>
+            <a:normAutofit fontScale="85000" lnSpcReduction="20000"/>
+          </a:bodyPr>
+          <a:lstStyle/>
+          <a:p>
+            <a:fld id="{6EDEC3BC-0694-4586-AE63-02B4D54ABF43}" type="slidenum">
+              <a:rPr lang="en-US" smtClean="0"/>
+              <a:pPr/>
+              <a:t>23</a:t>
+            </a:fld>
+            <a:endParaRPr lang="en-US"/>
+          </a:p>
+        </p:txBody>
+      </p:sp>
+      <p:sp>
+        <p:nvSpPr>
+          <p:cNvPr id="5" name="Content Placeholder 4"/>
+          <p:cNvSpPr>
+            <a:spLocks noGrp="1"/>
+          </p:cNvSpPr>
+          <p:nvPr>
+            <p:ph sz="quarter" idx="1"/>
+          </p:nvPr>
+        </p:nvSpPr>
+        <p:spPr>
+          <a:xfrm>
+            <a:off x="612648" y="1600200"/>
+            <a:ext cx="8153400" cy="5141168"/>
+          </a:xfrm>
+        </p:spPr>
+        <p:txBody>
+          <a:bodyPr/>
+          <a:lstStyle/>
+          <a:p>
+            <a:r>
+              <a:rPr lang="en-US" dirty="0"/>
+              <a:t>“Whenever </a:t>
+            </a:r>
+            <a:r>
+              <a:rPr lang="en-US" dirty="0" err="1"/>
+              <a:t>npm</a:t>
+            </a:r>
+            <a:r>
+              <a:rPr lang="en-US" dirty="0"/>
+              <a:t> or Yarn needs to install a package, it carries out a series of tasks. In </a:t>
+            </a:r>
+            <a:r>
+              <a:rPr lang="en-US" dirty="0" err="1"/>
+              <a:t>npm</a:t>
+            </a:r>
+            <a:r>
+              <a:rPr lang="en-US" dirty="0"/>
+              <a:t>, these tasks are executed per package and sequentially, meaning it will wait for a package to be fully installed before moving on to the next. Yarn executes these tasks in parallel, increasing performance” </a:t>
+            </a:r>
+            <a:r>
+              <a:rPr lang="en-US" sz="2400" dirty="0"/>
+              <a:t>https://www.sitepoint.com/yarn-vs-npm/</a:t>
+            </a:r>
+          </a:p>
+        </p:txBody>
+      </p:sp>
+    </p:spTree>
+    <p:extLst>
+      <p:ext uri="{BB962C8B-B14F-4D97-AF65-F5344CB8AC3E}">
+        <p14:creationId xmlns:p14="http://schemas.microsoft.com/office/powerpoint/2010/main" val="262802139"/>
+      </p:ext>
+    </p:extLst>
+  </p:cSld>
+  <p:clrMapOvr>
+    <a:masterClrMapping/>
+  </p:clrMapOvr>
+</p:sld>
+</file>
+
+<file path=ppt/slides/slide24.xml><?xml version="1.0" encoding="utf-8"?>
+<p:sld xmlns:a="http://schemas.openxmlformats.org/drawingml/2006/main" xmlns:r="http://schemas.openxmlformats.org/officeDocument/2006/relationships" xmlns:p="http://schemas.openxmlformats.org/presentationml/2006/main">
+  <p:cSld>
+    <p:spTree>
+      <p:nvGrpSpPr>
+        <p:cNvPr id="1" name=""/>
+        <p:cNvGrpSpPr/>
+        <p:nvPr/>
+      </p:nvGrpSpPr>
+      <p:grpSpPr>
+        <a:xfrm>
+          <a:off x="0" y="0"/>
+          <a:ext cx="0" cy="0"/>
+          <a:chOff x="0" y="0"/>
+          <a:chExt cx="0" cy="0"/>
+        </a:xfrm>
+      </p:grpSpPr>
+      <p:sp>
+        <p:nvSpPr>
+          <p:cNvPr id="2" name="Title 1"/>
+          <p:cNvSpPr>
+            <a:spLocks noGrp="1"/>
+          </p:cNvSpPr>
+          <p:nvPr>
+            <p:ph type="title"/>
+          </p:nvPr>
+        </p:nvSpPr>
+        <p:spPr/>
+        <p:txBody>
+          <a:bodyPr/>
+          <a:lstStyle/>
+          <a:p>
+            <a:r>
+              <a:rPr lang="en-US" dirty="0"/>
+              <a:t>Yarn</a:t>
+            </a:r>
+          </a:p>
+        </p:txBody>
+      </p:sp>
+      <p:sp>
+        <p:nvSpPr>
+          <p:cNvPr id="3" name="Footer Placeholder 2"/>
+          <p:cNvSpPr>
+            <a:spLocks noGrp="1"/>
+          </p:cNvSpPr>
+          <p:nvPr>
+            <p:ph type="ftr" sz="quarter" idx="11"/>
+          </p:nvPr>
+        </p:nvSpPr>
+        <p:spPr/>
+        <p:txBody>
+          <a:bodyPr/>
+          <a:lstStyle/>
+          <a:p>
+            <a:r>
+              <a:rPr lang="en-US" dirty="0"/>
+              <a:t>© 2017 Ori </a:t>
+            </a:r>
+            <a:r>
+              <a:rPr lang="en-US" dirty="0" err="1"/>
+              <a:t>Calvo</a:t>
+            </a:r>
+            <a:endParaRPr lang="en-US" dirty="0"/>
+          </a:p>
+        </p:txBody>
+      </p:sp>
+      <p:sp>
+        <p:nvSpPr>
+          <p:cNvPr id="4" name="Slide Number Placeholder 3"/>
+          <p:cNvSpPr>
+            <a:spLocks noGrp="1"/>
+          </p:cNvSpPr>
+          <p:nvPr>
+            <p:ph type="sldNum" sz="quarter" idx="12"/>
+          </p:nvPr>
+        </p:nvSpPr>
+        <p:spPr/>
+        <p:txBody>
+          <a:bodyPr>
+            <a:normAutofit fontScale="85000" lnSpcReduction="20000"/>
+          </a:bodyPr>
+          <a:lstStyle/>
+          <a:p>
+            <a:fld id="{6EDEC3BC-0694-4586-AE63-02B4D54ABF43}" type="slidenum">
+              <a:rPr lang="en-US" smtClean="0"/>
+              <a:pPr/>
+              <a:t>24</a:t>
+            </a:fld>
+            <a:endParaRPr lang="en-US"/>
+          </a:p>
+        </p:txBody>
+      </p:sp>
+      <p:sp>
+        <p:nvSpPr>
+          <p:cNvPr id="5" name="Content Placeholder 4"/>
+          <p:cNvSpPr>
+            <a:spLocks noGrp="1"/>
+          </p:cNvSpPr>
+          <p:nvPr>
+            <p:ph sz="quarter" idx="1"/>
+          </p:nvPr>
+        </p:nvSpPr>
+        <p:spPr>
+          <a:xfrm>
+            <a:off x="612648" y="1600200"/>
+            <a:ext cx="8153400" cy="5257800"/>
+          </a:xfrm>
+        </p:spPr>
+        <p:txBody>
+          <a:bodyPr>
+            <a:normAutofit/>
+          </a:bodyPr>
+          <a:lstStyle/>
+          <a:p>
+            <a:r>
+              <a:rPr lang="en-US" dirty="0"/>
+              <a:t>Starting a new project – yarn </a:t>
+            </a:r>
+            <a:r>
+              <a:rPr lang="en-US" dirty="0" err="1"/>
+              <a:t>init</a:t>
+            </a:r>
+            <a:r>
+              <a:rPr lang="en-US" dirty="0"/>
+              <a:t> command will create a </a:t>
+            </a:r>
+            <a:r>
+              <a:rPr lang="en-US" dirty="0" err="1"/>
+              <a:t>package.json</a:t>
+            </a:r>
+            <a:r>
+              <a:rPr lang="en-US" dirty="0"/>
+              <a:t> file</a:t>
+            </a:r>
+          </a:p>
+          <a:p>
+            <a:endParaRPr lang="en-US" dirty="0"/>
+          </a:p>
+          <a:p>
+            <a:r>
+              <a:rPr lang="en-US" dirty="0"/>
+              <a:t>Adding a dependency – yarn add &lt;package name&gt;</a:t>
+            </a:r>
+          </a:p>
+          <a:p>
+            <a:pPr marL="0" indent="0">
+              <a:buNone/>
+            </a:pPr>
+            <a:endParaRPr lang="en-US" dirty="0"/>
+          </a:p>
+          <a:p>
+            <a:r>
+              <a:rPr lang="en-US" dirty="0"/>
+              <a:t>Upgrade version – yarn upgrade [name]@[version]</a:t>
+            </a:r>
+          </a:p>
+          <a:p>
+            <a:endParaRPr lang="en-US" dirty="0"/>
+          </a:p>
+          <a:p>
+            <a:r>
+              <a:rPr lang="en-US" dirty="0"/>
+              <a:t>Remove package – yarn remove &lt;package name&gt;</a:t>
+            </a:r>
+          </a:p>
+          <a:p>
+            <a:endParaRPr lang="en-US" dirty="0"/>
+          </a:p>
+          <a:p>
+            <a:r>
+              <a:rPr lang="en-US" dirty="0"/>
+              <a:t>Installing dependencies – yarn or yarn install</a:t>
+            </a:r>
+          </a:p>
+          <a:p>
+            <a:endParaRPr lang="en-US" dirty="0"/>
+          </a:p>
+        </p:txBody>
+      </p:sp>
+    </p:spTree>
+    <p:extLst>
+      <p:ext uri="{BB962C8B-B14F-4D97-AF65-F5344CB8AC3E}">
+        <p14:creationId xmlns:p14="http://schemas.microsoft.com/office/powerpoint/2010/main" val="3543821880"/>
+      </p:ext>
+    </p:extLst>
+  </p:cSld>
+  <p:clrMapOvr>
+    <a:masterClrMapping/>
+  </p:clrMapOvr>
+</p:sld>
+</file>
+
+<file path=ppt/slides/slide25.xml><?xml version="1.0" encoding="utf-8"?>
+<p:sld xmlns:a="http://schemas.openxmlformats.org/drawingml/2006/main" xmlns:r="http://schemas.openxmlformats.org/officeDocument/2006/relationships" xmlns:p="http://schemas.openxmlformats.org/presentationml/2006/main">
+  <p:cSld>
+    <p:spTree>
+      <p:nvGrpSpPr>
+        <p:cNvPr id="1" name=""/>
+        <p:cNvGrpSpPr/>
+        <p:nvPr/>
+      </p:nvGrpSpPr>
+      <p:grpSpPr>
+        <a:xfrm>
+          <a:off x="0" y="0"/>
+          <a:ext cx="0" cy="0"/>
+          <a:chOff x="0" y="0"/>
+          <a:chExt cx="0" cy="0"/>
+        </a:xfrm>
+      </p:grpSpPr>
+      <p:sp>
+        <p:nvSpPr>
+          <p:cNvPr id="2" name="Title 1"/>
+          <p:cNvSpPr>
+            <a:spLocks noGrp="1"/>
+          </p:cNvSpPr>
+          <p:nvPr>
+            <p:ph type="title"/>
+          </p:nvPr>
+        </p:nvSpPr>
+        <p:spPr/>
+        <p:txBody>
+          <a:bodyPr/>
+          <a:lstStyle/>
+          <a:p>
+            <a:r>
+              <a:rPr lang="en-US" dirty="0"/>
+              <a:t>Yarn	</a:t>
+            </a:r>
+          </a:p>
+        </p:txBody>
+      </p:sp>
+      <p:sp>
+        <p:nvSpPr>
+          <p:cNvPr id="3" name="Footer Placeholder 2"/>
+          <p:cNvSpPr>
+            <a:spLocks noGrp="1"/>
+          </p:cNvSpPr>
+          <p:nvPr>
+            <p:ph type="ftr" sz="quarter" idx="11"/>
+          </p:nvPr>
+        </p:nvSpPr>
+        <p:spPr/>
+        <p:txBody>
+          <a:bodyPr/>
+          <a:lstStyle/>
+          <a:p>
+            <a:r>
+              <a:rPr lang="en-US" dirty="0"/>
+              <a:t>© 2017 Ori </a:t>
+            </a:r>
+            <a:r>
+              <a:rPr lang="en-US" dirty="0" err="1"/>
+              <a:t>Calvo</a:t>
+            </a:r>
+            <a:endParaRPr lang="en-US" dirty="0"/>
+          </a:p>
+        </p:txBody>
+      </p:sp>
+      <p:sp>
+        <p:nvSpPr>
+          <p:cNvPr id="4" name="Slide Number Placeholder 3"/>
+          <p:cNvSpPr>
+            <a:spLocks noGrp="1"/>
+          </p:cNvSpPr>
+          <p:nvPr>
+            <p:ph type="sldNum" sz="quarter" idx="12"/>
+          </p:nvPr>
+        </p:nvSpPr>
+        <p:spPr/>
+        <p:txBody>
+          <a:bodyPr>
+            <a:normAutofit fontScale="85000" lnSpcReduction="20000"/>
+          </a:bodyPr>
+          <a:lstStyle/>
+          <a:p>
+            <a:fld id="{6EDEC3BC-0694-4586-AE63-02B4D54ABF43}" type="slidenum">
+              <a:rPr lang="en-US" smtClean="0"/>
+              <a:pPr/>
+              <a:t>25</a:t>
+            </a:fld>
+            <a:endParaRPr lang="en-US"/>
+          </a:p>
+        </p:txBody>
+      </p:sp>
+      <p:sp>
+        <p:nvSpPr>
+          <p:cNvPr id="5" name="Content Placeholder 4"/>
+          <p:cNvSpPr>
+            <a:spLocks noGrp="1"/>
+          </p:cNvSpPr>
+          <p:nvPr>
+            <p:ph sz="quarter" idx="1"/>
+          </p:nvPr>
+        </p:nvSpPr>
+        <p:spPr>
+          <a:xfrm>
+            <a:off x="612648" y="1600200"/>
+            <a:ext cx="8153400" cy="5069160"/>
+          </a:xfrm>
+        </p:spPr>
+        <p:txBody>
+          <a:bodyPr/>
+          <a:lstStyle/>
+          <a:p>
+            <a:r>
+              <a:rPr lang="en-US" dirty="0"/>
+              <a:t>yarn why [package name]- command will identify why the specific package is installed according to its dependencies</a:t>
+            </a:r>
+          </a:p>
+          <a:p>
+            <a:r>
+              <a:rPr lang="en-US" dirty="0"/>
+              <a:t>Yarn check – verifies that the dependencies versions of the </a:t>
+            </a:r>
+            <a:r>
+              <a:rPr lang="en-US" dirty="0" err="1"/>
+              <a:t>package.json</a:t>
+            </a:r>
+            <a:r>
+              <a:rPr lang="en-US" dirty="0"/>
+              <a:t> are the same as the </a:t>
+            </a:r>
+            <a:r>
+              <a:rPr lang="en-US" dirty="0" err="1"/>
+              <a:t>yarn.lock</a:t>
+            </a:r>
+            <a:r>
+              <a:rPr lang="en-US" dirty="0"/>
+              <a:t> file</a:t>
+            </a:r>
+            <a:endParaRPr lang="he-IL" dirty="0"/>
+          </a:p>
+          <a:p>
+            <a:r>
+              <a:rPr lang="en-US" dirty="0"/>
+              <a:t>Yarn clean – when executing, yarn will remove unnecessary folder and files from the dependencies</a:t>
+            </a:r>
+          </a:p>
+        </p:txBody>
+      </p:sp>
+    </p:spTree>
+    <p:extLst>
+      <p:ext uri="{BB962C8B-B14F-4D97-AF65-F5344CB8AC3E}">
+        <p14:creationId xmlns:p14="http://schemas.microsoft.com/office/powerpoint/2010/main" val="1077205450"/>
+      </p:ext>
+    </p:extLst>
+  </p:cSld>
+  <p:clrMapOvr>
+    <a:masterClrMapping/>
+  </p:clrMapOvr>
+</p:sld>
+</file>
+
+<file path=ppt/slides/slide26.xml><?xml version="1.0" encoding="utf-8"?>
+<p:sld xmlns:a="http://schemas.openxmlformats.org/drawingml/2006/main" xmlns:r="http://schemas.openxmlformats.org/officeDocument/2006/relationships" xmlns:p="http://schemas.openxmlformats.org/presentationml/2006/main">
+  <p:cSld>
+    <p:spTree>
+      <p:nvGrpSpPr>
+        <p:cNvPr id="1" name=""/>
+        <p:cNvGrpSpPr/>
+        <p:nvPr/>
+      </p:nvGrpSpPr>
+      <p:grpSpPr>
+        <a:xfrm>
+          <a:off x="0" y="0"/>
+          <a:ext cx="0" cy="0"/>
+          <a:chOff x="0" y="0"/>
+          <a:chExt cx="0" cy="0"/>
+        </a:xfrm>
+      </p:grpSpPr>
+      <p:sp>
+        <p:nvSpPr>
+          <p:cNvPr id="2" name="Title 1"/>
+          <p:cNvSpPr>
+            <a:spLocks noGrp="1"/>
+          </p:cNvSpPr>
+          <p:nvPr>
+            <p:ph type="title"/>
+          </p:nvPr>
+        </p:nvSpPr>
+        <p:spPr/>
+        <p:txBody>
+          <a:bodyPr/>
+          <a:lstStyle/>
+          <a:p>
+            <a:r>
+              <a:rPr lang="en-US" dirty="0"/>
+              <a:t>Yarn</a:t>
+            </a:r>
+          </a:p>
+        </p:txBody>
+      </p:sp>
+      <p:sp>
+        <p:nvSpPr>
+          <p:cNvPr id="3" name="Footer Placeholder 2"/>
+          <p:cNvSpPr>
+            <a:spLocks noGrp="1"/>
+          </p:cNvSpPr>
+          <p:nvPr>
+            <p:ph type="ftr" sz="quarter" idx="11"/>
+          </p:nvPr>
+        </p:nvSpPr>
+        <p:spPr/>
+        <p:txBody>
+          <a:bodyPr/>
+          <a:lstStyle/>
+          <a:p>
+            <a:r>
+              <a:rPr lang="en-US" dirty="0"/>
+              <a:t>© 2017 Ori </a:t>
+            </a:r>
+            <a:r>
+              <a:rPr lang="en-US" dirty="0" err="1"/>
+              <a:t>Calvo</a:t>
+            </a:r>
+            <a:endParaRPr lang="en-US" dirty="0"/>
+          </a:p>
+        </p:txBody>
+      </p:sp>
+      <p:sp>
+        <p:nvSpPr>
+          <p:cNvPr id="4" name="Slide Number Placeholder 3"/>
+          <p:cNvSpPr>
+            <a:spLocks noGrp="1"/>
+          </p:cNvSpPr>
+          <p:nvPr>
+            <p:ph type="sldNum" sz="quarter" idx="12"/>
+          </p:nvPr>
+        </p:nvSpPr>
+        <p:spPr/>
+        <p:txBody>
+          <a:bodyPr>
+            <a:normAutofit fontScale="85000" lnSpcReduction="20000"/>
+          </a:bodyPr>
+          <a:lstStyle/>
+          <a:p>
+            <a:fld id="{6EDEC3BC-0694-4586-AE63-02B4D54ABF43}" type="slidenum">
+              <a:rPr lang="en-US" smtClean="0"/>
+              <a:pPr/>
+              <a:t>26</a:t>
+            </a:fld>
+            <a:endParaRPr lang="en-US"/>
+          </a:p>
+        </p:txBody>
+      </p:sp>
+      <p:sp>
+        <p:nvSpPr>
+          <p:cNvPr id="5" name="Content Placeholder 4"/>
+          <p:cNvSpPr>
+            <a:spLocks noGrp="1"/>
+          </p:cNvSpPr>
+          <p:nvPr>
+            <p:ph sz="quarter" idx="1"/>
+          </p:nvPr>
+        </p:nvSpPr>
+        <p:spPr>
+          <a:xfrm>
+            <a:off x="612648" y="1600200"/>
+            <a:ext cx="8351840" cy="5141168"/>
+          </a:xfrm>
+        </p:spPr>
+        <p:txBody>
+          <a:bodyPr/>
+          <a:lstStyle/>
+          <a:p>
+            <a:r>
+              <a:rPr lang="en-US" dirty="0"/>
+              <a:t>Yarn upgrade - the command updates all dependencies to their latest version based on the version range specified in the </a:t>
+            </a:r>
+            <a:r>
+              <a:rPr lang="en-US" dirty="0" err="1"/>
+              <a:t>package.json</a:t>
+            </a:r>
+            <a:r>
+              <a:rPr lang="en-US" dirty="0"/>
+              <a:t> file. The </a:t>
+            </a:r>
+            <a:r>
+              <a:rPr lang="en-US" dirty="0" err="1"/>
+              <a:t>yarn.lock</a:t>
+            </a:r>
+            <a:r>
+              <a:rPr lang="en-US" dirty="0"/>
+              <a:t> file will be recreated as well</a:t>
+            </a:r>
+          </a:p>
+          <a:p>
+            <a:r>
+              <a:rPr lang="en-US" dirty="0"/>
+              <a:t>Yarn global add – the command will install the package globally</a:t>
+            </a:r>
+          </a:p>
+          <a:p>
+            <a:endParaRPr lang="en-US" dirty="0"/>
+          </a:p>
+        </p:txBody>
+      </p:sp>
+    </p:spTree>
+    <p:extLst>
+      <p:ext uri="{BB962C8B-B14F-4D97-AF65-F5344CB8AC3E}">
+        <p14:creationId xmlns:p14="http://schemas.microsoft.com/office/powerpoint/2010/main" val="3272483632"/>
+      </p:ext>
+    </p:extLst>
+  </p:cSld>
+  <p:clrMapOvr>
+    <a:masterClrMapping/>
+  </p:clrMapOvr>
+</p:sld>
+</file>
+
+<file path=ppt/slides/slide27.xml><?xml version="1.0" encoding="utf-8"?>
+<p:sld xmlns:a="http://schemas.openxmlformats.org/drawingml/2006/main" xmlns:r="http://schemas.openxmlformats.org/officeDocument/2006/relationships" xmlns:p="http://schemas.openxmlformats.org/presentationml/2006/main">
+  <p:cSld>
+    <p:spTree>
+      <p:nvGrpSpPr>
+        <p:cNvPr id="1" name=""/>
+        <p:cNvGrpSpPr/>
+        <p:nvPr/>
+      </p:nvGrpSpPr>
+      <p:grpSpPr>
+        <a:xfrm>
+          <a:off x="0" y="0"/>
+          <a:ext cx="0" cy="0"/>
+          <a:chOff x="0" y="0"/>
+          <a:chExt cx="0" cy="0"/>
+        </a:xfrm>
+      </p:grpSpPr>
+      <p:sp>
+        <p:nvSpPr>
+          <p:cNvPr id="2" name="Title 1"/>
+          <p:cNvSpPr>
+            <a:spLocks noGrp="1"/>
+          </p:cNvSpPr>
+          <p:nvPr>
+            <p:ph type="title"/>
+          </p:nvPr>
+        </p:nvSpPr>
+        <p:spPr/>
+        <p:txBody>
+          <a:bodyPr/>
+          <a:lstStyle/>
+          <a:p>
+            <a:r>
+              <a:rPr lang="en-US" dirty="0"/>
+              <a:t>Yarn --offline</a:t>
+            </a:r>
+          </a:p>
+        </p:txBody>
+      </p:sp>
+      <p:sp>
+        <p:nvSpPr>
+          <p:cNvPr id="3" name="Footer Placeholder 2"/>
+          <p:cNvSpPr>
+            <a:spLocks noGrp="1"/>
+          </p:cNvSpPr>
+          <p:nvPr>
+            <p:ph type="ftr" sz="quarter" idx="11"/>
+          </p:nvPr>
+        </p:nvSpPr>
+        <p:spPr/>
+        <p:txBody>
+          <a:bodyPr/>
+          <a:lstStyle/>
+          <a:p>
+            <a:r>
+              <a:rPr lang="en-US" dirty="0"/>
+              <a:t>© 2017 Ori </a:t>
+            </a:r>
+            <a:r>
+              <a:rPr lang="en-US" dirty="0" err="1"/>
+              <a:t>Calvo</a:t>
+            </a:r>
+            <a:endParaRPr lang="en-US" dirty="0"/>
+          </a:p>
+        </p:txBody>
+      </p:sp>
+      <p:sp>
+        <p:nvSpPr>
+          <p:cNvPr id="4" name="Slide Number Placeholder 3"/>
+          <p:cNvSpPr>
+            <a:spLocks noGrp="1"/>
+          </p:cNvSpPr>
+          <p:nvPr>
+            <p:ph type="sldNum" sz="quarter" idx="12"/>
+          </p:nvPr>
+        </p:nvSpPr>
+        <p:spPr/>
+        <p:txBody>
+          <a:bodyPr>
+            <a:normAutofit fontScale="85000" lnSpcReduction="20000"/>
+          </a:bodyPr>
+          <a:lstStyle/>
+          <a:p>
+            <a:fld id="{6EDEC3BC-0694-4586-AE63-02B4D54ABF43}" type="slidenum">
+              <a:rPr lang="en-US" smtClean="0"/>
+              <a:pPr/>
+              <a:t>27</a:t>
+            </a:fld>
+            <a:endParaRPr lang="en-US"/>
+          </a:p>
+        </p:txBody>
+      </p:sp>
+      <p:sp>
+        <p:nvSpPr>
+          <p:cNvPr id="5" name="Content Placeholder 4"/>
+          <p:cNvSpPr>
+            <a:spLocks noGrp="1"/>
+          </p:cNvSpPr>
+          <p:nvPr>
+            <p:ph sz="quarter" idx="1"/>
+          </p:nvPr>
+        </p:nvSpPr>
+        <p:spPr>
+          <a:xfrm>
+            <a:off x="612648" y="1600200"/>
+            <a:ext cx="8153400" cy="5141168"/>
+          </a:xfrm>
+        </p:spPr>
+        <p:txBody>
+          <a:bodyPr/>
+          <a:lstStyle/>
+          <a:p>
+            <a:r>
+              <a:rPr lang="en-US" dirty="0"/>
+              <a:t>Got the </a:t>
+            </a:r>
+            <a:r>
+              <a:rPr lang="en-US" dirty="0" err="1"/>
+              <a:t>package.json</a:t>
+            </a:r>
+            <a:r>
+              <a:rPr lang="en-US" dirty="0"/>
+              <a:t> file / </a:t>
+            </a:r>
+            <a:r>
+              <a:rPr lang="en-US" dirty="0" err="1"/>
+              <a:t>yarn.lock</a:t>
+            </a:r>
+            <a:r>
+              <a:rPr lang="en-US" dirty="0"/>
+              <a:t> but for some reason internet connectivity is not available?</a:t>
+            </a:r>
+          </a:p>
+          <a:p>
+            <a:pPr marL="0" indent="0">
+              <a:buNone/>
+            </a:pPr>
+            <a:endParaRPr lang="en-US" dirty="0"/>
+          </a:p>
+          <a:p>
+            <a:r>
+              <a:rPr lang="en-US" dirty="0"/>
+              <a:t>Yarn --offline will install all of the </a:t>
+            </a:r>
+            <a:r>
+              <a:rPr lang="en-US" dirty="0" err="1"/>
+              <a:t>package.json</a:t>
+            </a:r>
+            <a:r>
+              <a:rPr lang="en-US" dirty="0"/>
+              <a:t> file dependencies even without internet</a:t>
+            </a:r>
+          </a:p>
+          <a:p>
+            <a:endParaRPr lang="en-US" dirty="0"/>
+          </a:p>
+        </p:txBody>
+      </p:sp>
+    </p:spTree>
+    <p:extLst>
+      <p:ext uri="{BB962C8B-B14F-4D97-AF65-F5344CB8AC3E}">
+        <p14:creationId xmlns:p14="http://schemas.microsoft.com/office/powerpoint/2010/main" val="1899135308"/>
       </p:ext>
     </p:extLst>
   </p:cSld>
@@ -7528,7 +12338,7 @@
           <a:p>
             <a:r>
               <a:rPr lang="en-US" dirty="0"/>
-              <a:t>If a suitable version exists at the root level in the tree already, then it will be left untouched, but the other duplicates will be deleted.</a:t>
+              <a:t>If a suitable version exists at the root level in the tree already, then it will be left untouched, but the other duplicates will be deleted</a:t>
             </a:r>
           </a:p>
         </p:txBody>
